--- a/animating-powerpoint-with-data.pptx
+++ b/animating-powerpoint-with-data.pptx
@@ -5,30 +5,31 @@
     <p:sldMasterId id="2147483648" r:id="rId1"/>
   </p:sldMasterIdLst>
   <p:notesMasterIdLst>
-    <p:notesMasterId r:id="rId23"/>
+    <p:notesMasterId r:id="rId24"/>
   </p:notesMasterIdLst>
   <p:sldIdLst>
     <p:sldId id="366" r:id="rId2"/>
     <p:sldId id="371" r:id="rId3"/>
     <p:sldId id="375" r:id="rId4"/>
-    <p:sldId id="358" r:id="rId5"/>
-    <p:sldId id="368" r:id="rId6"/>
-    <p:sldId id="369" r:id="rId7"/>
-    <p:sldId id="370" r:id="rId8"/>
-    <p:sldId id="372" r:id="rId9"/>
-    <p:sldId id="373" r:id="rId10"/>
-    <p:sldId id="376" r:id="rId11"/>
-    <p:sldId id="377" r:id="rId12"/>
-    <p:sldId id="378" r:id="rId13"/>
-    <p:sldId id="379" r:id="rId14"/>
-    <p:sldId id="383" r:id="rId15"/>
-    <p:sldId id="380" r:id="rId16"/>
-    <p:sldId id="384" r:id="rId17"/>
-    <p:sldId id="381" r:id="rId18"/>
-    <p:sldId id="386" r:id="rId19"/>
-    <p:sldId id="387" r:id="rId20"/>
-    <p:sldId id="389" r:id="rId21"/>
-    <p:sldId id="385" r:id="rId22"/>
+    <p:sldId id="391" r:id="rId5"/>
+    <p:sldId id="390" r:id="rId6"/>
+    <p:sldId id="368" r:id="rId7"/>
+    <p:sldId id="369" r:id="rId8"/>
+    <p:sldId id="370" r:id="rId9"/>
+    <p:sldId id="372" r:id="rId10"/>
+    <p:sldId id="373" r:id="rId11"/>
+    <p:sldId id="376" r:id="rId12"/>
+    <p:sldId id="377" r:id="rId13"/>
+    <p:sldId id="378" r:id="rId14"/>
+    <p:sldId id="379" r:id="rId15"/>
+    <p:sldId id="383" r:id="rId16"/>
+    <p:sldId id="380" r:id="rId17"/>
+    <p:sldId id="384" r:id="rId18"/>
+    <p:sldId id="381" r:id="rId19"/>
+    <p:sldId id="386" r:id="rId20"/>
+    <p:sldId id="387" r:id="rId21"/>
+    <p:sldId id="389" r:id="rId22"/>
+    <p:sldId id="385" r:id="rId23"/>
   </p:sldIdLst>
   <p:sldSz cx="12192000" cy="6858000"/>
   <p:notesSz cx="6858000" cy="9144000"/>
@@ -136,6 +137,2704 @@
     </p:ext>
   </p:extLst>
 </p:presentation>
+</file>
+
+<file path=ppt/diagrams/colors1.xml><?xml version="1.0" encoding="utf-8"?>
+<dgm:colorsDef xmlns:dgm="http://schemas.openxmlformats.org/drawingml/2006/diagram" xmlns:a="http://schemas.openxmlformats.org/drawingml/2006/main" uniqueId="urn:microsoft.com/office/officeart/2005/8/colors/colorful3">
+  <dgm:title val=""/>
+  <dgm:desc val=""/>
+  <dgm:catLst>
+    <dgm:cat type="colorful" pri="10300"/>
+  </dgm:catLst>
+  <dgm:styleLbl name="node0">
+    <dgm:fillClrLst meth="repeat">
+      <a:schemeClr val="accent2"/>
+    </dgm:fillClrLst>
+    <dgm:linClrLst meth="repeat">
+      <a:schemeClr val="lt1"/>
+    </dgm:linClrLst>
+    <dgm:effectClrLst/>
+    <dgm:txLinClrLst/>
+    <dgm:txFillClrLst/>
+    <dgm:txEffectClrLst/>
+  </dgm:styleLbl>
+  <dgm:styleLbl name="node1">
+    <dgm:fillClrLst>
+      <a:schemeClr val="accent3"/>
+      <a:schemeClr val="accent4"/>
+    </dgm:fillClrLst>
+    <dgm:linClrLst meth="repeat">
+      <a:schemeClr val="lt1"/>
+    </dgm:linClrLst>
+    <dgm:effectClrLst/>
+    <dgm:txLinClrLst/>
+    <dgm:txFillClrLst/>
+    <dgm:txEffectClrLst/>
+  </dgm:styleLbl>
+  <dgm:styleLbl name="alignNode1">
+    <dgm:fillClrLst>
+      <a:schemeClr val="accent3"/>
+      <a:schemeClr val="accent4"/>
+    </dgm:fillClrLst>
+    <dgm:linClrLst>
+      <a:schemeClr val="accent3"/>
+      <a:schemeClr val="accent4"/>
+    </dgm:linClrLst>
+    <dgm:effectClrLst/>
+    <dgm:txLinClrLst/>
+    <dgm:txFillClrLst/>
+    <dgm:txEffectClrLst/>
+  </dgm:styleLbl>
+  <dgm:styleLbl name="lnNode1">
+    <dgm:fillClrLst>
+      <a:schemeClr val="accent3"/>
+      <a:schemeClr val="accent4"/>
+    </dgm:fillClrLst>
+    <dgm:linClrLst meth="repeat">
+      <a:schemeClr val="lt1"/>
+    </dgm:linClrLst>
+    <dgm:effectClrLst/>
+    <dgm:txLinClrLst/>
+    <dgm:txFillClrLst/>
+    <dgm:txEffectClrLst/>
+  </dgm:styleLbl>
+  <dgm:styleLbl name="vennNode1">
+    <dgm:fillClrLst>
+      <a:schemeClr val="accent3">
+        <a:alpha val="50000"/>
+      </a:schemeClr>
+      <a:schemeClr val="accent4">
+        <a:alpha val="50000"/>
+      </a:schemeClr>
+    </dgm:fillClrLst>
+    <dgm:linClrLst meth="repeat">
+      <a:schemeClr val="lt1"/>
+    </dgm:linClrLst>
+    <dgm:effectClrLst/>
+    <dgm:txLinClrLst/>
+    <dgm:txFillClrLst/>
+    <dgm:txEffectClrLst/>
+  </dgm:styleLbl>
+  <dgm:styleLbl name="node2">
+    <dgm:fillClrLst>
+      <a:schemeClr val="accent4"/>
+    </dgm:fillClrLst>
+    <dgm:linClrLst meth="repeat">
+      <a:schemeClr val="lt1"/>
+    </dgm:linClrLst>
+    <dgm:effectClrLst/>
+    <dgm:txLinClrLst/>
+    <dgm:txFillClrLst/>
+    <dgm:txEffectClrLst/>
+  </dgm:styleLbl>
+  <dgm:styleLbl name="node3">
+    <dgm:fillClrLst>
+      <a:schemeClr val="accent5"/>
+    </dgm:fillClrLst>
+    <dgm:linClrLst meth="repeat">
+      <a:schemeClr val="lt1"/>
+    </dgm:linClrLst>
+    <dgm:effectClrLst/>
+    <dgm:txLinClrLst/>
+    <dgm:txFillClrLst/>
+    <dgm:txEffectClrLst/>
+  </dgm:styleLbl>
+  <dgm:styleLbl name="node4">
+    <dgm:fillClrLst>
+      <a:schemeClr val="accent6"/>
+    </dgm:fillClrLst>
+    <dgm:linClrLst meth="repeat">
+      <a:schemeClr val="lt1"/>
+    </dgm:linClrLst>
+    <dgm:effectClrLst/>
+    <dgm:txLinClrLst/>
+    <dgm:txFillClrLst/>
+    <dgm:txEffectClrLst/>
+  </dgm:styleLbl>
+  <dgm:styleLbl name="fgImgPlace1">
+    <dgm:fillClrLst>
+      <a:schemeClr val="accent3">
+        <a:tint val="50000"/>
+      </a:schemeClr>
+      <a:schemeClr val="accent4">
+        <a:tint val="50000"/>
+      </a:schemeClr>
+    </dgm:fillClrLst>
+    <dgm:linClrLst meth="repeat">
+      <a:schemeClr val="lt1"/>
+    </dgm:linClrLst>
+    <dgm:effectClrLst/>
+    <dgm:txLinClrLst/>
+    <dgm:txFillClrLst meth="repeat">
+      <a:schemeClr val="lt1"/>
+    </dgm:txFillClrLst>
+    <dgm:txEffectClrLst/>
+  </dgm:styleLbl>
+  <dgm:styleLbl name="alignImgPlace1">
+    <dgm:fillClrLst>
+      <a:schemeClr val="accent3">
+        <a:tint val="50000"/>
+      </a:schemeClr>
+      <a:schemeClr val="accent4">
+        <a:tint val="20000"/>
+      </a:schemeClr>
+    </dgm:fillClrLst>
+    <dgm:linClrLst meth="repeat">
+      <a:schemeClr val="lt1"/>
+    </dgm:linClrLst>
+    <dgm:effectClrLst/>
+    <dgm:txLinClrLst/>
+    <dgm:txFillClrLst meth="repeat">
+      <a:schemeClr val="lt1"/>
+    </dgm:txFillClrLst>
+    <dgm:txEffectClrLst/>
+  </dgm:styleLbl>
+  <dgm:styleLbl name="bgImgPlace1">
+    <dgm:fillClrLst>
+      <a:schemeClr val="accent3">
+        <a:tint val="50000"/>
+      </a:schemeClr>
+      <a:schemeClr val="accent4">
+        <a:tint val="20000"/>
+      </a:schemeClr>
+    </dgm:fillClrLst>
+    <dgm:linClrLst meth="repeat">
+      <a:schemeClr val="lt1"/>
+    </dgm:linClrLst>
+    <dgm:effectClrLst/>
+    <dgm:txLinClrLst/>
+    <dgm:txFillClrLst meth="repeat">
+      <a:schemeClr val="lt1"/>
+    </dgm:txFillClrLst>
+    <dgm:txEffectClrLst/>
+  </dgm:styleLbl>
+  <dgm:styleLbl name="sibTrans2D1">
+    <dgm:fillClrLst>
+      <a:schemeClr val="accent3"/>
+      <a:schemeClr val="accent4"/>
+    </dgm:fillClrLst>
+    <dgm:linClrLst meth="repeat">
+      <a:schemeClr val="lt1"/>
+    </dgm:linClrLst>
+    <dgm:effectClrLst/>
+    <dgm:txLinClrLst/>
+    <dgm:txFillClrLst/>
+    <dgm:txEffectClrLst/>
+  </dgm:styleLbl>
+  <dgm:styleLbl name="fgSibTrans2D1">
+    <dgm:fillClrLst>
+      <a:schemeClr val="accent3"/>
+      <a:schemeClr val="accent4"/>
+    </dgm:fillClrLst>
+    <dgm:linClrLst meth="repeat">
+      <a:schemeClr val="lt1"/>
+    </dgm:linClrLst>
+    <dgm:effectClrLst/>
+    <dgm:txLinClrLst/>
+    <dgm:txFillClrLst meth="repeat">
+      <a:schemeClr val="lt1"/>
+    </dgm:txFillClrLst>
+    <dgm:txEffectClrLst/>
+  </dgm:styleLbl>
+  <dgm:styleLbl name="bgSibTrans2D1">
+    <dgm:fillClrLst>
+      <a:schemeClr val="accent3"/>
+      <a:schemeClr val="accent4"/>
+    </dgm:fillClrLst>
+    <dgm:linClrLst meth="repeat">
+      <a:schemeClr val="lt1"/>
+    </dgm:linClrLst>
+    <dgm:effectClrLst/>
+    <dgm:txLinClrLst/>
+    <dgm:txFillClrLst meth="repeat">
+      <a:schemeClr val="lt1"/>
+    </dgm:txFillClrLst>
+    <dgm:txEffectClrLst/>
+  </dgm:styleLbl>
+  <dgm:styleLbl name="sibTrans1D1">
+    <dgm:fillClrLst/>
+    <dgm:linClrLst>
+      <a:schemeClr val="accent3"/>
+      <a:schemeClr val="accent4"/>
+    </dgm:linClrLst>
+    <dgm:effectClrLst/>
+    <dgm:txLinClrLst/>
+    <dgm:txFillClrLst meth="repeat">
+      <a:schemeClr val="tx1"/>
+    </dgm:txFillClrLst>
+    <dgm:txEffectClrLst/>
+  </dgm:styleLbl>
+  <dgm:styleLbl name="callout">
+    <dgm:fillClrLst meth="repeat">
+      <a:schemeClr val="accent3"/>
+    </dgm:fillClrLst>
+    <dgm:linClrLst meth="repeat">
+      <a:schemeClr val="accent3">
+        <a:tint val="50000"/>
+      </a:schemeClr>
+    </dgm:linClrLst>
+    <dgm:effectClrLst/>
+    <dgm:txLinClrLst/>
+    <dgm:txFillClrLst meth="repeat">
+      <a:schemeClr val="tx1"/>
+    </dgm:txFillClrLst>
+    <dgm:txEffectClrLst/>
+  </dgm:styleLbl>
+  <dgm:styleLbl name="asst0">
+    <dgm:fillClrLst meth="repeat">
+      <a:schemeClr val="accent3"/>
+    </dgm:fillClrLst>
+    <dgm:linClrLst meth="repeat">
+      <a:schemeClr val="lt1">
+        <a:shade val="80000"/>
+      </a:schemeClr>
+    </dgm:linClrLst>
+    <dgm:effectClrLst/>
+    <dgm:txLinClrLst/>
+    <dgm:txFillClrLst/>
+    <dgm:txEffectClrLst/>
+  </dgm:styleLbl>
+  <dgm:styleLbl name="asst1">
+    <dgm:fillClrLst meth="repeat">
+      <a:schemeClr val="accent4"/>
+    </dgm:fillClrLst>
+    <dgm:linClrLst meth="repeat">
+      <a:schemeClr val="lt1">
+        <a:shade val="80000"/>
+      </a:schemeClr>
+    </dgm:linClrLst>
+    <dgm:effectClrLst/>
+    <dgm:txLinClrLst/>
+    <dgm:txFillClrLst/>
+    <dgm:txEffectClrLst/>
+  </dgm:styleLbl>
+  <dgm:styleLbl name="asst2">
+    <dgm:fillClrLst>
+      <a:schemeClr val="accent5"/>
+    </dgm:fillClrLst>
+    <dgm:linClrLst meth="repeat">
+      <a:schemeClr val="lt1"/>
+    </dgm:linClrLst>
+    <dgm:effectClrLst/>
+    <dgm:txLinClrLst/>
+    <dgm:txFillClrLst/>
+    <dgm:txEffectClrLst/>
+  </dgm:styleLbl>
+  <dgm:styleLbl name="asst3">
+    <dgm:fillClrLst>
+      <a:schemeClr val="accent6"/>
+    </dgm:fillClrLst>
+    <dgm:linClrLst meth="repeat">
+      <a:schemeClr val="lt1"/>
+    </dgm:linClrLst>
+    <dgm:effectClrLst/>
+    <dgm:txLinClrLst/>
+    <dgm:txFillClrLst/>
+    <dgm:txEffectClrLst/>
+  </dgm:styleLbl>
+  <dgm:styleLbl name="asst4">
+    <dgm:fillClrLst>
+      <a:schemeClr val="accent1"/>
+    </dgm:fillClrLst>
+    <dgm:linClrLst meth="repeat">
+      <a:schemeClr val="lt1"/>
+    </dgm:linClrLst>
+    <dgm:effectClrLst/>
+    <dgm:txLinClrLst/>
+    <dgm:txFillClrLst/>
+    <dgm:txEffectClrLst/>
+  </dgm:styleLbl>
+  <dgm:styleLbl name="parChTrans2D1">
+    <dgm:fillClrLst meth="repeat">
+      <a:schemeClr val="accent2"/>
+    </dgm:fillClrLst>
+    <dgm:linClrLst meth="repeat">
+      <a:schemeClr val="lt1"/>
+    </dgm:linClrLst>
+    <dgm:effectClrLst/>
+    <dgm:txLinClrLst/>
+    <dgm:txFillClrLst meth="repeat">
+      <a:schemeClr val="lt1"/>
+    </dgm:txFillClrLst>
+    <dgm:txEffectClrLst/>
+  </dgm:styleLbl>
+  <dgm:styleLbl name="parChTrans2D2">
+    <dgm:fillClrLst meth="repeat">
+      <a:schemeClr val="accent3"/>
+    </dgm:fillClrLst>
+    <dgm:linClrLst meth="repeat">
+      <a:schemeClr val="lt1"/>
+    </dgm:linClrLst>
+    <dgm:effectClrLst/>
+    <dgm:txLinClrLst/>
+    <dgm:txFillClrLst/>
+    <dgm:txEffectClrLst/>
+  </dgm:styleLbl>
+  <dgm:styleLbl name="parChTrans2D3">
+    <dgm:fillClrLst meth="repeat">
+      <a:schemeClr val="accent4"/>
+    </dgm:fillClrLst>
+    <dgm:linClrLst meth="repeat">
+      <a:schemeClr val="lt1"/>
+    </dgm:linClrLst>
+    <dgm:effectClrLst/>
+    <dgm:txLinClrLst/>
+    <dgm:txFillClrLst/>
+    <dgm:txEffectClrLst/>
+  </dgm:styleLbl>
+  <dgm:styleLbl name="parChTrans2D4">
+    <dgm:fillClrLst meth="repeat">
+      <a:schemeClr val="accent5"/>
+    </dgm:fillClrLst>
+    <dgm:linClrLst meth="repeat">
+      <a:schemeClr val="lt1"/>
+    </dgm:linClrLst>
+    <dgm:effectClrLst/>
+    <dgm:txLinClrLst/>
+    <dgm:txFillClrLst meth="repeat">
+      <a:schemeClr val="lt1"/>
+    </dgm:txFillClrLst>
+    <dgm:txEffectClrLst/>
+  </dgm:styleLbl>
+  <dgm:styleLbl name="parChTrans1D1">
+    <dgm:fillClrLst meth="repeat">
+      <a:schemeClr val="accent3"/>
+    </dgm:fillClrLst>
+    <dgm:linClrLst meth="repeat">
+      <a:schemeClr val="accent3"/>
+    </dgm:linClrLst>
+    <dgm:effectClrLst/>
+    <dgm:txLinClrLst/>
+    <dgm:txFillClrLst meth="repeat">
+      <a:schemeClr val="tx1"/>
+    </dgm:txFillClrLst>
+    <dgm:txEffectClrLst/>
+  </dgm:styleLbl>
+  <dgm:styleLbl name="parChTrans1D2">
+    <dgm:fillClrLst meth="repeat">
+      <a:schemeClr val="accent2">
+        <a:tint val="90000"/>
+      </a:schemeClr>
+    </dgm:fillClrLst>
+    <dgm:linClrLst meth="repeat">
+      <a:schemeClr val="accent4"/>
+    </dgm:linClrLst>
+    <dgm:effectClrLst/>
+    <dgm:txLinClrLst/>
+    <dgm:txFillClrLst meth="repeat">
+      <a:schemeClr val="tx1"/>
+    </dgm:txFillClrLst>
+    <dgm:txEffectClrLst/>
+  </dgm:styleLbl>
+  <dgm:styleLbl name="parChTrans1D3">
+    <dgm:fillClrLst meth="repeat">
+      <a:schemeClr val="accent2">
+        <a:tint val="70000"/>
+      </a:schemeClr>
+    </dgm:fillClrLst>
+    <dgm:linClrLst meth="repeat">
+      <a:schemeClr val="accent5"/>
+    </dgm:linClrLst>
+    <dgm:effectClrLst/>
+    <dgm:txLinClrLst/>
+    <dgm:txFillClrLst meth="repeat">
+      <a:schemeClr val="tx1"/>
+    </dgm:txFillClrLst>
+    <dgm:txEffectClrLst/>
+  </dgm:styleLbl>
+  <dgm:styleLbl name="parChTrans1D4">
+    <dgm:fillClrLst meth="repeat">
+      <a:schemeClr val="accent6">
+        <a:tint val="50000"/>
+      </a:schemeClr>
+    </dgm:fillClrLst>
+    <dgm:linClrLst meth="repeat">
+      <a:schemeClr val="accent6"/>
+    </dgm:linClrLst>
+    <dgm:effectClrLst/>
+    <dgm:txLinClrLst/>
+    <dgm:txFillClrLst meth="repeat">
+      <a:schemeClr val="tx1"/>
+    </dgm:txFillClrLst>
+    <dgm:txEffectClrLst/>
+  </dgm:styleLbl>
+  <dgm:styleLbl name="fgAcc1">
+    <dgm:fillClrLst meth="repeat">
+      <a:schemeClr val="lt1">
+        <a:alpha val="90000"/>
+      </a:schemeClr>
+    </dgm:fillClrLst>
+    <dgm:linClrLst>
+      <a:schemeClr val="accent3"/>
+      <a:schemeClr val="accent4"/>
+    </dgm:linClrLst>
+    <dgm:effectClrLst/>
+    <dgm:txLinClrLst/>
+    <dgm:txFillClrLst meth="repeat">
+      <a:schemeClr val="dk1"/>
+    </dgm:txFillClrLst>
+    <dgm:txEffectClrLst/>
+  </dgm:styleLbl>
+  <dgm:styleLbl name="conFgAcc1">
+    <dgm:fillClrLst meth="repeat">
+      <a:schemeClr val="lt1">
+        <a:alpha val="90000"/>
+      </a:schemeClr>
+    </dgm:fillClrLst>
+    <dgm:linClrLst>
+      <a:schemeClr val="accent3"/>
+      <a:schemeClr val="accent4"/>
+    </dgm:linClrLst>
+    <dgm:effectClrLst/>
+    <dgm:txLinClrLst/>
+    <dgm:txFillClrLst meth="repeat">
+      <a:schemeClr val="dk1"/>
+    </dgm:txFillClrLst>
+    <dgm:txEffectClrLst/>
+  </dgm:styleLbl>
+  <dgm:styleLbl name="alignAcc1">
+    <dgm:fillClrLst meth="repeat">
+      <a:schemeClr val="lt1">
+        <a:alpha val="90000"/>
+      </a:schemeClr>
+    </dgm:fillClrLst>
+    <dgm:linClrLst>
+      <a:schemeClr val="accent3"/>
+      <a:schemeClr val="accent4"/>
+    </dgm:linClrLst>
+    <dgm:effectClrLst/>
+    <dgm:txLinClrLst/>
+    <dgm:txFillClrLst meth="repeat">
+      <a:schemeClr val="dk1"/>
+    </dgm:txFillClrLst>
+    <dgm:txEffectClrLst/>
+  </dgm:styleLbl>
+  <dgm:styleLbl name="trAlignAcc1">
+    <dgm:fillClrLst meth="repeat">
+      <a:schemeClr val="lt1">
+        <a:alpha val="40000"/>
+      </a:schemeClr>
+    </dgm:fillClrLst>
+    <dgm:linClrLst meth="repeat">
+      <a:schemeClr val="accent2"/>
+    </dgm:linClrLst>
+    <dgm:effectClrLst/>
+    <dgm:txLinClrLst/>
+    <dgm:txFillClrLst meth="repeat">
+      <a:schemeClr val="dk1"/>
+    </dgm:txFillClrLst>
+    <dgm:txEffectClrLst/>
+  </dgm:styleLbl>
+  <dgm:styleLbl name="bgAcc1">
+    <dgm:fillClrLst meth="repeat">
+      <a:schemeClr val="lt1">
+        <a:alpha val="90000"/>
+      </a:schemeClr>
+    </dgm:fillClrLst>
+    <dgm:linClrLst>
+      <a:schemeClr val="accent3"/>
+      <a:schemeClr val="accent4"/>
+    </dgm:linClrLst>
+    <dgm:effectClrLst/>
+    <dgm:txLinClrLst/>
+    <dgm:txFillClrLst meth="repeat">
+      <a:schemeClr val="dk1"/>
+    </dgm:txFillClrLst>
+    <dgm:txEffectClrLst/>
+  </dgm:styleLbl>
+  <dgm:styleLbl name="solidFgAcc1">
+    <dgm:fillClrLst meth="repeat">
+      <a:schemeClr val="lt1"/>
+    </dgm:fillClrLst>
+    <dgm:linClrLst>
+      <a:schemeClr val="accent3"/>
+      <a:schemeClr val="accent4"/>
+    </dgm:linClrLst>
+    <dgm:effectClrLst/>
+    <dgm:txLinClrLst/>
+    <dgm:txFillClrLst meth="repeat">
+      <a:schemeClr val="dk1"/>
+    </dgm:txFillClrLst>
+    <dgm:txEffectClrLst/>
+  </dgm:styleLbl>
+  <dgm:styleLbl name="solidAlignAcc1">
+    <dgm:fillClrLst meth="repeat">
+      <a:schemeClr val="lt1"/>
+    </dgm:fillClrLst>
+    <dgm:linClrLst>
+      <a:schemeClr val="accent3"/>
+      <a:schemeClr val="accent4"/>
+    </dgm:linClrLst>
+    <dgm:effectClrLst/>
+    <dgm:txLinClrLst/>
+    <dgm:txFillClrLst meth="repeat">
+      <a:schemeClr val="dk1"/>
+    </dgm:txFillClrLst>
+    <dgm:txEffectClrLst/>
+  </dgm:styleLbl>
+  <dgm:styleLbl name="solidBgAcc1">
+    <dgm:fillClrLst meth="repeat">
+      <a:schemeClr val="lt1"/>
+    </dgm:fillClrLst>
+    <dgm:linClrLst>
+      <a:schemeClr val="accent3"/>
+      <a:schemeClr val="accent4"/>
+    </dgm:linClrLst>
+    <dgm:effectClrLst/>
+    <dgm:txLinClrLst/>
+    <dgm:txFillClrLst meth="repeat">
+      <a:schemeClr val="dk1"/>
+    </dgm:txFillClrLst>
+    <dgm:txEffectClrLst/>
+  </dgm:styleLbl>
+  <dgm:styleLbl name="fgAccFollowNode1">
+    <dgm:fillClrLst>
+      <a:schemeClr val="accent3">
+        <a:tint val="40000"/>
+        <a:alpha val="90000"/>
+      </a:schemeClr>
+      <a:schemeClr val="accent4">
+        <a:tint val="40000"/>
+        <a:alpha val="90000"/>
+      </a:schemeClr>
+    </dgm:fillClrLst>
+    <dgm:linClrLst>
+      <a:schemeClr val="accent3">
+        <a:tint val="40000"/>
+        <a:alpha val="90000"/>
+      </a:schemeClr>
+      <a:schemeClr val="accent4">
+        <a:tint val="40000"/>
+        <a:alpha val="90000"/>
+      </a:schemeClr>
+    </dgm:linClrLst>
+    <dgm:effectClrLst/>
+    <dgm:txLinClrLst/>
+    <dgm:txFillClrLst meth="repeat">
+      <a:schemeClr val="dk1"/>
+    </dgm:txFillClrLst>
+    <dgm:txEffectClrLst/>
+  </dgm:styleLbl>
+  <dgm:styleLbl name="alignAccFollowNode1">
+    <dgm:fillClrLst>
+      <a:schemeClr val="accent3">
+        <a:tint val="40000"/>
+        <a:alpha val="90000"/>
+      </a:schemeClr>
+      <a:schemeClr val="accent4">
+        <a:tint val="40000"/>
+        <a:alpha val="90000"/>
+      </a:schemeClr>
+    </dgm:fillClrLst>
+    <dgm:linClrLst>
+      <a:schemeClr val="accent3">
+        <a:tint val="40000"/>
+        <a:alpha val="90000"/>
+      </a:schemeClr>
+      <a:schemeClr val="accent4">
+        <a:tint val="40000"/>
+        <a:alpha val="90000"/>
+      </a:schemeClr>
+    </dgm:linClrLst>
+    <dgm:effectClrLst/>
+    <dgm:txLinClrLst/>
+    <dgm:txFillClrLst meth="repeat">
+      <a:schemeClr val="dk1"/>
+    </dgm:txFillClrLst>
+    <dgm:txEffectClrLst/>
+  </dgm:styleLbl>
+  <dgm:styleLbl name="bgAccFollowNode1">
+    <dgm:fillClrLst>
+      <a:schemeClr val="accent3">
+        <a:tint val="40000"/>
+        <a:alpha val="90000"/>
+      </a:schemeClr>
+      <a:schemeClr val="accent4">
+        <a:tint val="40000"/>
+        <a:alpha val="90000"/>
+      </a:schemeClr>
+    </dgm:fillClrLst>
+    <dgm:linClrLst>
+      <a:schemeClr val="accent3">
+        <a:tint val="40000"/>
+        <a:alpha val="90000"/>
+      </a:schemeClr>
+      <a:schemeClr val="accent4">
+        <a:tint val="40000"/>
+        <a:alpha val="90000"/>
+      </a:schemeClr>
+    </dgm:linClrLst>
+    <dgm:effectClrLst/>
+    <dgm:txLinClrLst/>
+    <dgm:txFillClrLst meth="repeat">
+      <a:schemeClr val="dk1"/>
+    </dgm:txFillClrLst>
+    <dgm:txEffectClrLst/>
+  </dgm:styleLbl>
+  <dgm:styleLbl name="fgAcc0">
+    <dgm:fillClrLst meth="repeat">
+      <a:schemeClr val="lt1">
+        <a:alpha val="90000"/>
+      </a:schemeClr>
+    </dgm:fillClrLst>
+    <dgm:linClrLst>
+      <a:schemeClr val="accent2"/>
+    </dgm:linClrLst>
+    <dgm:effectClrLst/>
+    <dgm:txLinClrLst/>
+    <dgm:txFillClrLst meth="repeat">
+      <a:schemeClr val="dk1"/>
+    </dgm:txFillClrLst>
+    <dgm:txEffectClrLst/>
+  </dgm:styleLbl>
+  <dgm:styleLbl name="fgAcc2">
+    <dgm:fillClrLst meth="repeat">
+      <a:schemeClr val="lt1">
+        <a:alpha val="90000"/>
+      </a:schemeClr>
+    </dgm:fillClrLst>
+    <dgm:linClrLst>
+      <a:schemeClr val="accent4"/>
+    </dgm:linClrLst>
+    <dgm:effectClrLst/>
+    <dgm:txLinClrLst/>
+    <dgm:txFillClrLst meth="repeat">
+      <a:schemeClr val="dk1"/>
+    </dgm:txFillClrLst>
+    <dgm:txEffectClrLst/>
+  </dgm:styleLbl>
+  <dgm:styleLbl name="fgAcc3">
+    <dgm:fillClrLst meth="repeat">
+      <a:schemeClr val="lt1">
+        <a:alpha val="90000"/>
+      </a:schemeClr>
+    </dgm:fillClrLst>
+    <dgm:linClrLst>
+      <a:schemeClr val="accent5"/>
+    </dgm:linClrLst>
+    <dgm:effectClrLst/>
+    <dgm:txLinClrLst/>
+    <dgm:txFillClrLst meth="repeat">
+      <a:schemeClr val="dk1"/>
+    </dgm:txFillClrLst>
+    <dgm:txEffectClrLst/>
+  </dgm:styleLbl>
+  <dgm:styleLbl name="fgAcc4">
+    <dgm:fillClrLst meth="repeat">
+      <a:schemeClr val="lt1">
+        <a:alpha val="90000"/>
+      </a:schemeClr>
+    </dgm:fillClrLst>
+    <dgm:linClrLst>
+      <a:schemeClr val="accent6"/>
+    </dgm:linClrLst>
+    <dgm:effectClrLst/>
+    <dgm:txLinClrLst/>
+    <dgm:txFillClrLst meth="repeat">
+      <a:schemeClr val="dk1"/>
+    </dgm:txFillClrLst>
+    <dgm:txEffectClrLst/>
+  </dgm:styleLbl>
+  <dgm:styleLbl name="bgShp">
+    <dgm:fillClrLst meth="repeat">
+      <a:schemeClr val="accent3">
+        <a:tint val="40000"/>
+      </a:schemeClr>
+    </dgm:fillClrLst>
+    <dgm:linClrLst meth="repeat">
+      <a:schemeClr val="dk1"/>
+    </dgm:linClrLst>
+    <dgm:effectClrLst/>
+    <dgm:txLinClrLst/>
+    <dgm:txFillClrLst meth="repeat">
+      <a:schemeClr val="dk1"/>
+    </dgm:txFillClrLst>
+    <dgm:txEffectClrLst/>
+  </dgm:styleLbl>
+  <dgm:styleLbl name="dkBgShp">
+    <dgm:fillClrLst meth="repeat">
+      <a:schemeClr val="accent3">
+        <a:shade val="90000"/>
+      </a:schemeClr>
+    </dgm:fillClrLst>
+    <dgm:linClrLst meth="repeat">
+      <a:schemeClr val="dk1"/>
+    </dgm:linClrLst>
+    <dgm:effectClrLst/>
+    <dgm:txLinClrLst/>
+    <dgm:txFillClrLst meth="repeat">
+      <a:schemeClr val="lt1"/>
+    </dgm:txFillClrLst>
+    <dgm:txEffectClrLst/>
+  </dgm:styleLbl>
+  <dgm:styleLbl name="trBgShp">
+    <dgm:fillClrLst meth="repeat">
+      <a:schemeClr val="accent2">
+        <a:tint val="50000"/>
+        <a:alpha val="40000"/>
+      </a:schemeClr>
+    </dgm:fillClrLst>
+    <dgm:linClrLst meth="repeat">
+      <a:schemeClr val="accent3"/>
+    </dgm:linClrLst>
+    <dgm:effectClrLst/>
+    <dgm:txLinClrLst/>
+    <dgm:txFillClrLst meth="repeat">
+      <a:schemeClr val="lt1"/>
+    </dgm:txFillClrLst>
+    <dgm:txEffectClrLst/>
+  </dgm:styleLbl>
+  <dgm:styleLbl name="fgShp">
+    <dgm:fillClrLst meth="repeat">
+      <a:schemeClr val="accent3">
+        <a:tint val="40000"/>
+      </a:schemeClr>
+    </dgm:fillClrLst>
+    <dgm:linClrLst meth="repeat">
+      <a:schemeClr val="lt1"/>
+    </dgm:linClrLst>
+    <dgm:effectClrLst/>
+    <dgm:txLinClrLst/>
+    <dgm:txFillClrLst meth="repeat">
+      <a:schemeClr val="dk1"/>
+    </dgm:txFillClrLst>
+    <dgm:txEffectClrLst/>
+  </dgm:styleLbl>
+  <dgm:styleLbl name="revTx">
+    <dgm:fillClrLst meth="repeat">
+      <a:schemeClr val="lt1">
+        <a:alpha val="0"/>
+      </a:schemeClr>
+    </dgm:fillClrLst>
+    <dgm:linClrLst meth="repeat">
+      <a:schemeClr val="dk1">
+        <a:alpha val="0"/>
+      </a:schemeClr>
+    </dgm:linClrLst>
+    <dgm:effectClrLst/>
+    <dgm:txLinClrLst/>
+    <dgm:txFillClrLst meth="repeat">
+      <a:schemeClr val="tx1"/>
+    </dgm:txFillClrLst>
+    <dgm:txEffectClrLst/>
+  </dgm:styleLbl>
+</dgm:colorsDef>
+</file>
+
+<file path=ppt/diagrams/data1.xml><?xml version="1.0" encoding="utf-8"?>
+<dgm:dataModel xmlns:dgm="http://schemas.openxmlformats.org/drawingml/2006/diagram" xmlns:a="http://schemas.openxmlformats.org/drawingml/2006/main">
+  <dgm:ptLst>
+    <dgm:pt modelId="{C01F3351-32D8-4DA9-B864-F3AFC7951B5A}" type="doc">
+      <dgm:prSet loTypeId="urn:microsoft.com/office/officeart/2005/8/layout/hList1" loCatId="list" qsTypeId="urn:microsoft.com/office/officeart/2005/8/quickstyle/simple1" qsCatId="simple" csTypeId="urn:microsoft.com/office/officeart/2005/8/colors/colorful3" csCatId="colorful" phldr="1"/>
+      <dgm:spPr/>
+      <dgm:t>
+        <a:bodyPr/>
+        <a:lstStyle/>
+        <a:p>
+          <a:endParaRPr lang="en-US"/>
+        </a:p>
+      </dgm:t>
+    </dgm:pt>
+    <dgm:pt modelId="{E6D034C7-13DE-4B83-A9C3-F4050B33595E}">
+      <dgm:prSet phldrT="[Text]"/>
+      <dgm:spPr/>
+      <dgm:t>
+        <a:bodyPr/>
+        <a:lstStyle/>
+        <a:p>
+          <a:r>
+            <a:rPr lang="en-US" dirty="0"/>
+            <a:t>Option 1: Install locally</a:t>
+          </a:r>
+        </a:p>
+      </dgm:t>
+    </dgm:pt>
+    <dgm:pt modelId="{AF0293C0-BE66-4690-B1B7-30719D481833}" type="parTrans" cxnId="{C956139D-B2D8-492B-8A0D-C804907197FC}">
+      <dgm:prSet/>
+      <dgm:spPr/>
+      <dgm:t>
+        <a:bodyPr/>
+        <a:lstStyle/>
+        <a:p>
+          <a:endParaRPr lang="en-US"/>
+        </a:p>
+      </dgm:t>
+    </dgm:pt>
+    <dgm:pt modelId="{0871D061-FA7E-41EB-AB58-3050035764A7}" type="sibTrans" cxnId="{C956139D-B2D8-492B-8A0D-C804907197FC}">
+      <dgm:prSet/>
+      <dgm:spPr/>
+      <dgm:t>
+        <a:bodyPr/>
+        <a:lstStyle/>
+        <a:p>
+          <a:endParaRPr lang="en-US"/>
+        </a:p>
+      </dgm:t>
+    </dgm:pt>
+    <dgm:pt modelId="{32D4ADA5-A3B3-4E29-9406-282E3987E5FC}">
+      <dgm:prSet phldrT="[Text]"/>
+      <dgm:spPr/>
+      <dgm:t>
+        <a:bodyPr/>
+        <a:lstStyle/>
+        <a:p>
+          <a:r>
+            <a:rPr lang="en-US" dirty="0"/>
+            <a:t>Install Python</a:t>
+          </a:r>
+        </a:p>
+      </dgm:t>
+    </dgm:pt>
+    <dgm:pt modelId="{81C95733-6B48-4B8F-A822-4445431AAA74}" type="parTrans" cxnId="{5E4D6CC9-E807-4690-A2DE-BCB5A25575C8}">
+      <dgm:prSet/>
+      <dgm:spPr/>
+      <dgm:t>
+        <a:bodyPr/>
+        <a:lstStyle/>
+        <a:p>
+          <a:endParaRPr lang="en-US"/>
+        </a:p>
+      </dgm:t>
+    </dgm:pt>
+    <dgm:pt modelId="{B93BC161-4CF1-4CE8-AA6E-AF60725AF9A2}" type="sibTrans" cxnId="{5E4D6CC9-E807-4690-A2DE-BCB5A25575C8}">
+      <dgm:prSet/>
+      <dgm:spPr/>
+      <dgm:t>
+        <a:bodyPr/>
+        <a:lstStyle/>
+        <a:p>
+          <a:endParaRPr lang="en-US"/>
+        </a:p>
+      </dgm:t>
+    </dgm:pt>
+    <dgm:pt modelId="{DC07B7CE-2C31-4151-91C9-48238C4E5412}">
+      <dgm:prSet phldrT="[Text]"/>
+      <dgm:spPr/>
+      <dgm:t>
+        <a:bodyPr/>
+        <a:lstStyle/>
+        <a:p>
+          <a:r>
+            <a:rPr lang="en-US" dirty="0"/>
+            <a:t>Option 2: Run on Google</a:t>
+          </a:r>
+        </a:p>
+      </dgm:t>
+    </dgm:pt>
+    <dgm:pt modelId="{6441AF89-91EE-402F-9D44-CF1D241A7209}" type="parTrans" cxnId="{1DAC31DC-DB3D-486B-844E-C504C0D46096}">
+      <dgm:prSet/>
+      <dgm:spPr/>
+      <dgm:t>
+        <a:bodyPr/>
+        <a:lstStyle/>
+        <a:p>
+          <a:endParaRPr lang="en-US"/>
+        </a:p>
+      </dgm:t>
+    </dgm:pt>
+    <dgm:pt modelId="{41EC565D-482C-4D49-98B7-D832FBB4092C}" type="sibTrans" cxnId="{1DAC31DC-DB3D-486B-844E-C504C0D46096}">
+      <dgm:prSet/>
+      <dgm:spPr/>
+      <dgm:t>
+        <a:bodyPr/>
+        <a:lstStyle/>
+        <a:p>
+          <a:endParaRPr lang="en-US"/>
+        </a:p>
+      </dgm:t>
+    </dgm:pt>
+    <dgm:pt modelId="{8A9466D6-72A4-4B2E-9BB5-14ABE6AACA51}">
+      <dgm:prSet phldrT="[Text]"/>
+      <dgm:spPr/>
+      <dgm:t>
+        <a:bodyPr/>
+        <a:lstStyle/>
+        <a:p>
+          <a:r>
+            <a:rPr lang="en-US"/>
+            <a:t>Sign into </a:t>
+          </a:r>
+          <a:r>
+            <a:rPr lang="en-US">
+              <a:latin typeface="Consolas" panose="020B0609020204030204" pitchFamily="49" charset="0"/>
+            </a:rPr>
+            <a:t>colab.research.google.com</a:t>
+          </a:r>
+          <a:endParaRPr lang="en-US" dirty="0">
+            <a:latin typeface="Consolas" panose="020B0609020204030204" pitchFamily="49" charset="0"/>
+          </a:endParaRPr>
+        </a:p>
+      </dgm:t>
+    </dgm:pt>
+    <dgm:pt modelId="{844346DA-5843-4207-881E-B0A363D952FA}" type="parTrans" cxnId="{0A90AE9B-4528-4395-9978-0C3236CE7C57}">
+      <dgm:prSet/>
+      <dgm:spPr/>
+      <dgm:t>
+        <a:bodyPr/>
+        <a:lstStyle/>
+        <a:p>
+          <a:endParaRPr lang="en-US"/>
+        </a:p>
+      </dgm:t>
+    </dgm:pt>
+    <dgm:pt modelId="{00F8B633-0B26-4626-8C97-600B4F6D13CD}" type="sibTrans" cxnId="{0A90AE9B-4528-4395-9978-0C3236CE7C57}">
+      <dgm:prSet/>
+      <dgm:spPr/>
+      <dgm:t>
+        <a:bodyPr/>
+        <a:lstStyle/>
+        <a:p>
+          <a:endParaRPr lang="en-US"/>
+        </a:p>
+      </dgm:t>
+    </dgm:pt>
+    <dgm:pt modelId="{50D79ED7-6659-4B22-A0E0-CF67AD4F06B5}">
+      <dgm:prSet phldrT="[Text]"/>
+      <dgm:spPr/>
+      <dgm:t>
+        <a:bodyPr/>
+        <a:lstStyle/>
+        <a:p>
+          <a:r>
+            <a:rPr lang="en-US"/>
+            <a:t>Run </a:t>
+          </a:r>
+          <a:r>
+            <a:rPr lang="en-US">
+              <a:latin typeface="Consolas" panose="020B0609020204030204" pitchFamily="49" charset="0"/>
+            </a:rPr>
+            <a:t>pip install gramex</a:t>
+          </a:r>
+          <a:endParaRPr lang="en-US" dirty="0">
+            <a:latin typeface="Consolas" panose="020B0609020204030204" pitchFamily="49" charset="0"/>
+          </a:endParaRPr>
+        </a:p>
+      </dgm:t>
+    </dgm:pt>
+    <dgm:pt modelId="{1D064200-412D-4241-967D-C3C450559333}" type="parTrans" cxnId="{FA2C004F-BF2D-4B9C-A964-12F0C4220CAA}">
+      <dgm:prSet/>
+      <dgm:spPr/>
+      <dgm:t>
+        <a:bodyPr/>
+        <a:lstStyle/>
+        <a:p>
+          <a:endParaRPr lang="en-US"/>
+        </a:p>
+      </dgm:t>
+    </dgm:pt>
+    <dgm:pt modelId="{E7B421D0-4DE2-465D-AD18-367A9233BE63}" type="sibTrans" cxnId="{FA2C004F-BF2D-4B9C-A964-12F0C4220CAA}">
+      <dgm:prSet/>
+      <dgm:spPr/>
+      <dgm:t>
+        <a:bodyPr/>
+        <a:lstStyle/>
+        <a:p>
+          <a:endParaRPr lang="en-US"/>
+        </a:p>
+      </dgm:t>
+    </dgm:pt>
+    <dgm:pt modelId="{2C25BBC7-87E3-4595-82ED-3230ACFEB4DC}" type="pres">
+      <dgm:prSet presAssocID="{C01F3351-32D8-4DA9-B864-F3AFC7951B5A}" presName="Name0" presStyleCnt="0">
+        <dgm:presLayoutVars>
+          <dgm:dir/>
+          <dgm:animLvl val="lvl"/>
+          <dgm:resizeHandles val="exact"/>
+        </dgm:presLayoutVars>
+      </dgm:prSet>
+      <dgm:spPr/>
+    </dgm:pt>
+    <dgm:pt modelId="{3F2BE665-600E-447E-A829-C1F7E5313DF6}" type="pres">
+      <dgm:prSet presAssocID="{E6D034C7-13DE-4B83-A9C3-F4050B33595E}" presName="composite" presStyleCnt="0"/>
+      <dgm:spPr/>
+    </dgm:pt>
+    <dgm:pt modelId="{F8F4CADB-E10C-42DC-87FA-2D5184916B82}" type="pres">
+      <dgm:prSet presAssocID="{E6D034C7-13DE-4B83-A9C3-F4050B33595E}" presName="parTx" presStyleLbl="alignNode1" presStyleIdx="0" presStyleCnt="2">
+        <dgm:presLayoutVars>
+          <dgm:chMax val="0"/>
+          <dgm:chPref val="0"/>
+          <dgm:bulletEnabled val="1"/>
+        </dgm:presLayoutVars>
+      </dgm:prSet>
+      <dgm:spPr/>
+    </dgm:pt>
+    <dgm:pt modelId="{2BF8DAF6-B11D-4573-A427-49CBEB6B631F}" type="pres">
+      <dgm:prSet presAssocID="{E6D034C7-13DE-4B83-A9C3-F4050B33595E}" presName="desTx" presStyleLbl="alignAccFollowNode1" presStyleIdx="0" presStyleCnt="2">
+        <dgm:presLayoutVars>
+          <dgm:bulletEnabled val="1"/>
+        </dgm:presLayoutVars>
+      </dgm:prSet>
+      <dgm:spPr/>
+    </dgm:pt>
+    <dgm:pt modelId="{2CED2296-AC51-486E-9288-A37E955B7EDD}" type="pres">
+      <dgm:prSet presAssocID="{0871D061-FA7E-41EB-AB58-3050035764A7}" presName="space" presStyleCnt="0"/>
+      <dgm:spPr/>
+    </dgm:pt>
+    <dgm:pt modelId="{30760405-9917-496F-915E-9DBD524C7A8E}" type="pres">
+      <dgm:prSet presAssocID="{DC07B7CE-2C31-4151-91C9-48238C4E5412}" presName="composite" presStyleCnt="0"/>
+      <dgm:spPr/>
+    </dgm:pt>
+    <dgm:pt modelId="{1A5FB42E-B250-4F6F-866B-C91C66C4AF29}" type="pres">
+      <dgm:prSet presAssocID="{DC07B7CE-2C31-4151-91C9-48238C4E5412}" presName="parTx" presStyleLbl="alignNode1" presStyleIdx="1" presStyleCnt="2">
+        <dgm:presLayoutVars>
+          <dgm:chMax val="0"/>
+          <dgm:chPref val="0"/>
+          <dgm:bulletEnabled val="1"/>
+        </dgm:presLayoutVars>
+      </dgm:prSet>
+      <dgm:spPr/>
+    </dgm:pt>
+    <dgm:pt modelId="{A40B2FC7-ACDE-4D89-8775-17ECEA6E6903}" type="pres">
+      <dgm:prSet presAssocID="{DC07B7CE-2C31-4151-91C9-48238C4E5412}" presName="desTx" presStyleLbl="alignAccFollowNode1" presStyleIdx="1" presStyleCnt="2">
+        <dgm:presLayoutVars>
+          <dgm:bulletEnabled val="1"/>
+        </dgm:presLayoutVars>
+      </dgm:prSet>
+      <dgm:spPr/>
+    </dgm:pt>
+  </dgm:ptLst>
+  <dgm:cxnLst>
+    <dgm:cxn modelId="{58AA3D06-0874-4B83-A29B-E5B6A79A90B4}" type="presOf" srcId="{C01F3351-32D8-4DA9-B864-F3AFC7951B5A}" destId="{2C25BBC7-87E3-4595-82ED-3230ACFEB4DC}" srcOrd="0" destOrd="0" presId="urn:microsoft.com/office/officeart/2005/8/layout/hList1"/>
+    <dgm:cxn modelId="{F59CC627-94A8-43CD-BAB0-861D1A017E18}" type="presOf" srcId="{32D4ADA5-A3B3-4E29-9406-282E3987E5FC}" destId="{2BF8DAF6-B11D-4573-A427-49CBEB6B631F}" srcOrd="0" destOrd="0" presId="urn:microsoft.com/office/officeart/2005/8/layout/hList1"/>
+    <dgm:cxn modelId="{DEAD7E69-28E4-4E43-B631-B3B3AD349165}" type="presOf" srcId="{DC07B7CE-2C31-4151-91C9-48238C4E5412}" destId="{1A5FB42E-B250-4F6F-866B-C91C66C4AF29}" srcOrd="0" destOrd="0" presId="urn:microsoft.com/office/officeart/2005/8/layout/hList1"/>
+    <dgm:cxn modelId="{FA2C004F-BF2D-4B9C-A964-12F0C4220CAA}" srcId="{E6D034C7-13DE-4B83-A9C3-F4050B33595E}" destId="{50D79ED7-6659-4B22-A0E0-CF67AD4F06B5}" srcOrd="1" destOrd="0" parTransId="{1D064200-412D-4241-967D-C3C450559333}" sibTransId="{E7B421D0-4DE2-465D-AD18-367A9233BE63}"/>
+    <dgm:cxn modelId="{0A90AE9B-4528-4395-9978-0C3236CE7C57}" srcId="{DC07B7CE-2C31-4151-91C9-48238C4E5412}" destId="{8A9466D6-72A4-4B2E-9BB5-14ABE6AACA51}" srcOrd="0" destOrd="0" parTransId="{844346DA-5843-4207-881E-B0A363D952FA}" sibTransId="{00F8B633-0B26-4626-8C97-600B4F6D13CD}"/>
+    <dgm:cxn modelId="{C956139D-B2D8-492B-8A0D-C804907197FC}" srcId="{C01F3351-32D8-4DA9-B864-F3AFC7951B5A}" destId="{E6D034C7-13DE-4B83-A9C3-F4050B33595E}" srcOrd="0" destOrd="0" parTransId="{AF0293C0-BE66-4690-B1B7-30719D481833}" sibTransId="{0871D061-FA7E-41EB-AB58-3050035764A7}"/>
+    <dgm:cxn modelId="{A5EE19A5-A43E-4BBE-B49C-A53E9783DEE0}" type="presOf" srcId="{50D79ED7-6659-4B22-A0E0-CF67AD4F06B5}" destId="{2BF8DAF6-B11D-4573-A427-49CBEB6B631F}" srcOrd="0" destOrd="1" presId="urn:microsoft.com/office/officeart/2005/8/layout/hList1"/>
+    <dgm:cxn modelId="{13EB40BC-A65B-4D9F-A745-CBCB3942D026}" type="presOf" srcId="{8A9466D6-72A4-4B2E-9BB5-14ABE6AACA51}" destId="{A40B2FC7-ACDE-4D89-8775-17ECEA6E6903}" srcOrd="0" destOrd="0" presId="urn:microsoft.com/office/officeart/2005/8/layout/hList1"/>
+    <dgm:cxn modelId="{5E4D6CC9-E807-4690-A2DE-BCB5A25575C8}" srcId="{E6D034C7-13DE-4B83-A9C3-F4050B33595E}" destId="{32D4ADA5-A3B3-4E29-9406-282E3987E5FC}" srcOrd="0" destOrd="0" parTransId="{81C95733-6B48-4B8F-A822-4445431AAA74}" sibTransId="{B93BC161-4CF1-4CE8-AA6E-AF60725AF9A2}"/>
+    <dgm:cxn modelId="{1DAC31DC-DB3D-486B-844E-C504C0D46096}" srcId="{C01F3351-32D8-4DA9-B864-F3AFC7951B5A}" destId="{DC07B7CE-2C31-4151-91C9-48238C4E5412}" srcOrd="1" destOrd="0" parTransId="{6441AF89-91EE-402F-9D44-CF1D241A7209}" sibTransId="{41EC565D-482C-4D49-98B7-D832FBB4092C}"/>
+    <dgm:cxn modelId="{DDECF7FC-3FEF-41CC-8183-115526A1D62F}" type="presOf" srcId="{E6D034C7-13DE-4B83-A9C3-F4050B33595E}" destId="{F8F4CADB-E10C-42DC-87FA-2D5184916B82}" srcOrd="0" destOrd="0" presId="urn:microsoft.com/office/officeart/2005/8/layout/hList1"/>
+    <dgm:cxn modelId="{643F4B05-12CD-412C-8899-1E9377B957F1}" type="presParOf" srcId="{2C25BBC7-87E3-4595-82ED-3230ACFEB4DC}" destId="{3F2BE665-600E-447E-A829-C1F7E5313DF6}" srcOrd="0" destOrd="0" presId="urn:microsoft.com/office/officeart/2005/8/layout/hList1"/>
+    <dgm:cxn modelId="{9FF08713-1944-44F3-BA4B-4FAEAB77C110}" type="presParOf" srcId="{3F2BE665-600E-447E-A829-C1F7E5313DF6}" destId="{F8F4CADB-E10C-42DC-87FA-2D5184916B82}" srcOrd="0" destOrd="0" presId="urn:microsoft.com/office/officeart/2005/8/layout/hList1"/>
+    <dgm:cxn modelId="{956EBC04-B1C4-44E9-9812-F1FC750EC414}" type="presParOf" srcId="{3F2BE665-600E-447E-A829-C1F7E5313DF6}" destId="{2BF8DAF6-B11D-4573-A427-49CBEB6B631F}" srcOrd="1" destOrd="0" presId="urn:microsoft.com/office/officeart/2005/8/layout/hList1"/>
+    <dgm:cxn modelId="{7974EDE7-4E0B-4E49-BA38-B5BBF03AF68F}" type="presParOf" srcId="{2C25BBC7-87E3-4595-82ED-3230ACFEB4DC}" destId="{2CED2296-AC51-486E-9288-A37E955B7EDD}" srcOrd="1" destOrd="0" presId="urn:microsoft.com/office/officeart/2005/8/layout/hList1"/>
+    <dgm:cxn modelId="{FE7FEE18-464A-4E98-AEDF-6355D31D8F05}" type="presParOf" srcId="{2C25BBC7-87E3-4595-82ED-3230ACFEB4DC}" destId="{30760405-9917-496F-915E-9DBD524C7A8E}" srcOrd="2" destOrd="0" presId="urn:microsoft.com/office/officeart/2005/8/layout/hList1"/>
+    <dgm:cxn modelId="{3F82EB76-FDA0-4D5C-B980-79E8D943A250}" type="presParOf" srcId="{30760405-9917-496F-915E-9DBD524C7A8E}" destId="{1A5FB42E-B250-4F6F-866B-C91C66C4AF29}" srcOrd="0" destOrd="0" presId="urn:microsoft.com/office/officeart/2005/8/layout/hList1"/>
+    <dgm:cxn modelId="{30389AB9-234D-4F5D-9C85-8D9CC3324D6D}" type="presParOf" srcId="{30760405-9917-496F-915E-9DBD524C7A8E}" destId="{A40B2FC7-ACDE-4D89-8775-17ECEA6E6903}" srcOrd="1" destOrd="0" presId="urn:microsoft.com/office/officeart/2005/8/layout/hList1"/>
+  </dgm:cxnLst>
+  <dgm:bg/>
+  <dgm:whole/>
+  <dgm:extLst>
+    <a:ext uri="http://schemas.microsoft.com/office/drawing/2008/diagram">
+      <dsp:dataModelExt xmlns:dsp="http://schemas.microsoft.com/office/drawing/2008/diagram" relId="rId6" minVer="http://schemas.openxmlformats.org/drawingml/2006/diagram"/>
+    </a:ext>
+  </dgm:extLst>
+</dgm:dataModel>
+</file>
+
+<file path=ppt/diagrams/drawing1.xml><?xml version="1.0" encoding="utf-8"?>
+<dsp:drawing xmlns:dgm="http://schemas.openxmlformats.org/drawingml/2006/diagram" xmlns:dsp="http://schemas.microsoft.com/office/drawing/2008/diagram" xmlns:a="http://schemas.openxmlformats.org/drawingml/2006/main">
+  <dsp:spTree>
+    <dsp:nvGrpSpPr>
+      <dsp:cNvPr id="0" name=""/>
+      <dsp:cNvGrpSpPr/>
+    </dsp:nvGrpSpPr>
+    <dsp:grpSpPr/>
+    <dsp:sp modelId="{F8F4CADB-E10C-42DC-87FA-2D5184916B82}">
+      <dsp:nvSpPr>
+        <dsp:cNvPr id="0" name=""/>
+        <dsp:cNvSpPr/>
+      </dsp:nvSpPr>
+      <dsp:spPr>
+        <a:xfrm>
+          <a:off x="57" y="671891"/>
+          <a:ext cx="5469255" cy="777600"/>
+        </a:xfrm>
+        <a:prstGeom prst="rect">
+          <a:avLst/>
+        </a:prstGeom>
+        <a:solidFill>
+          <a:schemeClr val="accent3">
+            <a:hueOff val="0"/>
+            <a:satOff val="0"/>
+            <a:lumOff val="0"/>
+            <a:alphaOff val="0"/>
+          </a:schemeClr>
+        </a:solidFill>
+        <a:ln w="12700" cap="flat" cmpd="sng" algn="ctr">
+          <a:solidFill>
+            <a:schemeClr val="accent3">
+              <a:hueOff val="0"/>
+              <a:satOff val="0"/>
+              <a:lumOff val="0"/>
+              <a:alphaOff val="0"/>
+            </a:schemeClr>
+          </a:solidFill>
+          <a:prstDash val="solid"/>
+          <a:miter lim="800000"/>
+        </a:ln>
+        <a:effectLst/>
+      </dsp:spPr>
+      <dsp:style>
+        <a:lnRef idx="2">
+          <a:scrgbClr r="0" g="0" b="0"/>
+        </a:lnRef>
+        <a:fillRef idx="1">
+          <a:scrgbClr r="0" g="0" b="0"/>
+        </a:fillRef>
+        <a:effectRef idx="0">
+          <a:scrgbClr r="0" g="0" b="0"/>
+        </a:effectRef>
+        <a:fontRef idx="minor">
+          <a:schemeClr val="lt1"/>
+        </a:fontRef>
+      </dsp:style>
+      <dsp:txBody>
+        <a:bodyPr spcFirstLastPara="0" vert="horz" wrap="square" lIns="192024" tIns="109728" rIns="192024" bIns="109728" numCol="1" spcCol="1270" anchor="ctr" anchorCtr="0">
+          <a:noAutofit/>
+        </a:bodyPr>
+        <a:lstStyle/>
+        <a:p>
+          <a:pPr marL="0" lvl="0" indent="0" algn="ctr" defTabSz="1200150">
+            <a:lnSpc>
+              <a:spcPct val="90000"/>
+            </a:lnSpc>
+            <a:spcBef>
+              <a:spcPct val="0"/>
+            </a:spcBef>
+            <a:spcAft>
+              <a:spcPct val="35000"/>
+            </a:spcAft>
+            <a:buNone/>
+          </a:pPr>
+          <a:r>
+            <a:rPr lang="en-US" sz="2700" kern="1200" dirty="0"/>
+            <a:t>Option 1: Install locally</a:t>
+          </a:r>
+        </a:p>
+      </dsp:txBody>
+      <dsp:txXfrm>
+        <a:off x="57" y="671891"/>
+        <a:ext cx="5469255" cy="777600"/>
+      </dsp:txXfrm>
+    </dsp:sp>
+    <dsp:sp modelId="{2BF8DAF6-B11D-4573-A427-49CBEB6B631F}">
+      <dsp:nvSpPr>
+        <dsp:cNvPr id="0" name=""/>
+        <dsp:cNvSpPr/>
+      </dsp:nvSpPr>
+      <dsp:spPr>
+        <a:xfrm>
+          <a:off x="57" y="1449491"/>
+          <a:ext cx="5469255" cy="1185840"/>
+        </a:xfrm>
+        <a:prstGeom prst="rect">
+          <a:avLst/>
+        </a:prstGeom>
+        <a:solidFill>
+          <a:schemeClr val="accent3">
+            <a:tint val="40000"/>
+            <a:alpha val="90000"/>
+            <a:hueOff val="0"/>
+            <a:satOff val="0"/>
+            <a:lumOff val="0"/>
+            <a:alphaOff val="0"/>
+          </a:schemeClr>
+        </a:solidFill>
+        <a:ln w="12700" cap="flat" cmpd="sng" algn="ctr">
+          <a:solidFill>
+            <a:schemeClr val="accent3">
+              <a:tint val="40000"/>
+              <a:alpha val="90000"/>
+              <a:hueOff val="0"/>
+              <a:satOff val="0"/>
+              <a:lumOff val="0"/>
+              <a:alphaOff val="0"/>
+            </a:schemeClr>
+          </a:solidFill>
+          <a:prstDash val="solid"/>
+          <a:miter lim="800000"/>
+        </a:ln>
+        <a:effectLst/>
+      </dsp:spPr>
+      <dsp:style>
+        <a:lnRef idx="2">
+          <a:scrgbClr r="0" g="0" b="0"/>
+        </a:lnRef>
+        <a:fillRef idx="1">
+          <a:scrgbClr r="0" g="0" b="0"/>
+        </a:fillRef>
+        <a:effectRef idx="0">
+          <a:scrgbClr r="0" g="0" b="0"/>
+        </a:effectRef>
+        <a:fontRef idx="minor"/>
+      </dsp:style>
+      <dsp:txBody>
+        <a:bodyPr spcFirstLastPara="0" vert="horz" wrap="square" lIns="144018" tIns="144018" rIns="192024" bIns="216027" numCol="1" spcCol="1270" anchor="t" anchorCtr="0">
+          <a:noAutofit/>
+        </a:bodyPr>
+        <a:lstStyle/>
+        <a:p>
+          <a:pPr marL="228600" lvl="1" indent="-228600" algn="l" defTabSz="1200150">
+            <a:lnSpc>
+              <a:spcPct val="90000"/>
+            </a:lnSpc>
+            <a:spcBef>
+              <a:spcPct val="0"/>
+            </a:spcBef>
+            <a:spcAft>
+              <a:spcPct val="15000"/>
+            </a:spcAft>
+            <a:buChar char="•"/>
+          </a:pPr>
+          <a:r>
+            <a:rPr lang="en-US" sz="2700" kern="1200" dirty="0"/>
+            <a:t>Install Python</a:t>
+          </a:r>
+        </a:p>
+        <a:p>
+          <a:pPr marL="228600" lvl="1" indent="-228600" algn="l" defTabSz="1200150">
+            <a:lnSpc>
+              <a:spcPct val="90000"/>
+            </a:lnSpc>
+            <a:spcBef>
+              <a:spcPct val="0"/>
+            </a:spcBef>
+            <a:spcAft>
+              <a:spcPct val="15000"/>
+            </a:spcAft>
+            <a:buChar char="•"/>
+          </a:pPr>
+          <a:r>
+            <a:rPr lang="en-US" sz="2700" kern="1200"/>
+            <a:t>Run </a:t>
+          </a:r>
+          <a:r>
+            <a:rPr lang="en-US" sz="2700" kern="1200">
+              <a:latin typeface="Consolas" panose="020B0609020204030204" pitchFamily="49" charset="0"/>
+            </a:rPr>
+            <a:t>pip install gramex</a:t>
+          </a:r>
+          <a:endParaRPr lang="en-US" sz="2700" kern="1200" dirty="0">
+            <a:latin typeface="Consolas" panose="020B0609020204030204" pitchFamily="49" charset="0"/>
+          </a:endParaRPr>
+        </a:p>
+      </dsp:txBody>
+      <dsp:txXfrm>
+        <a:off x="57" y="1449491"/>
+        <a:ext cx="5469255" cy="1185840"/>
+      </dsp:txXfrm>
+    </dsp:sp>
+    <dsp:sp modelId="{1A5FB42E-B250-4F6F-866B-C91C66C4AF29}">
+      <dsp:nvSpPr>
+        <dsp:cNvPr id="0" name=""/>
+        <dsp:cNvSpPr/>
+      </dsp:nvSpPr>
+      <dsp:spPr>
+        <a:xfrm>
+          <a:off x="6235007" y="671891"/>
+          <a:ext cx="5469255" cy="777600"/>
+        </a:xfrm>
+        <a:prstGeom prst="rect">
+          <a:avLst/>
+        </a:prstGeom>
+        <a:solidFill>
+          <a:schemeClr val="accent3">
+            <a:hueOff val="11910855"/>
+            <a:satOff val="7975"/>
+            <a:lumOff val="11765"/>
+            <a:alphaOff val="0"/>
+          </a:schemeClr>
+        </a:solidFill>
+        <a:ln w="12700" cap="flat" cmpd="sng" algn="ctr">
+          <a:solidFill>
+            <a:schemeClr val="accent3">
+              <a:hueOff val="11910855"/>
+              <a:satOff val="7975"/>
+              <a:lumOff val="11765"/>
+              <a:alphaOff val="0"/>
+            </a:schemeClr>
+          </a:solidFill>
+          <a:prstDash val="solid"/>
+          <a:miter lim="800000"/>
+        </a:ln>
+        <a:effectLst/>
+      </dsp:spPr>
+      <dsp:style>
+        <a:lnRef idx="2">
+          <a:scrgbClr r="0" g="0" b="0"/>
+        </a:lnRef>
+        <a:fillRef idx="1">
+          <a:scrgbClr r="0" g="0" b="0"/>
+        </a:fillRef>
+        <a:effectRef idx="0">
+          <a:scrgbClr r="0" g="0" b="0"/>
+        </a:effectRef>
+        <a:fontRef idx="minor">
+          <a:schemeClr val="lt1"/>
+        </a:fontRef>
+      </dsp:style>
+      <dsp:txBody>
+        <a:bodyPr spcFirstLastPara="0" vert="horz" wrap="square" lIns="192024" tIns="109728" rIns="192024" bIns="109728" numCol="1" spcCol="1270" anchor="ctr" anchorCtr="0">
+          <a:noAutofit/>
+        </a:bodyPr>
+        <a:lstStyle/>
+        <a:p>
+          <a:pPr marL="0" lvl="0" indent="0" algn="ctr" defTabSz="1200150">
+            <a:lnSpc>
+              <a:spcPct val="90000"/>
+            </a:lnSpc>
+            <a:spcBef>
+              <a:spcPct val="0"/>
+            </a:spcBef>
+            <a:spcAft>
+              <a:spcPct val="35000"/>
+            </a:spcAft>
+            <a:buNone/>
+          </a:pPr>
+          <a:r>
+            <a:rPr lang="en-US" sz="2700" kern="1200" dirty="0"/>
+            <a:t>Option 2: Run on Google</a:t>
+          </a:r>
+        </a:p>
+      </dsp:txBody>
+      <dsp:txXfrm>
+        <a:off x="6235007" y="671891"/>
+        <a:ext cx="5469255" cy="777600"/>
+      </dsp:txXfrm>
+    </dsp:sp>
+    <dsp:sp modelId="{A40B2FC7-ACDE-4D89-8775-17ECEA6E6903}">
+      <dsp:nvSpPr>
+        <dsp:cNvPr id="0" name=""/>
+        <dsp:cNvSpPr/>
+      </dsp:nvSpPr>
+      <dsp:spPr>
+        <a:xfrm>
+          <a:off x="6235007" y="1449491"/>
+          <a:ext cx="5469255" cy="1185840"/>
+        </a:xfrm>
+        <a:prstGeom prst="rect">
+          <a:avLst/>
+        </a:prstGeom>
+        <a:solidFill>
+          <a:schemeClr val="accent3">
+            <a:tint val="40000"/>
+            <a:alpha val="90000"/>
+            <a:hueOff val="10941709"/>
+            <a:satOff val="20387"/>
+            <a:lumOff val="2454"/>
+            <a:alphaOff val="0"/>
+          </a:schemeClr>
+        </a:solidFill>
+        <a:ln w="12700" cap="flat" cmpd="sng" algn="ctr">
+          <a:solidFill>
+            <a:schemeClr val="accent3">
+              <a:tint val="40000"/>
+              <a:alpha val="90000"/>
+              <a:hueOff val="10941709"/>
+              <a:satOff val="20387"/>
+              <a:lumOff val="2454"/>
+              <a:alphaOff val="0"/>
+            </a:schemeClr>
+          </a:solidFill>
+          <a:prstDash val="solid"/>
+          <a:miter lim="800000"/>
+        </a:ln>
+        <a:effectLst/>
+      </dsp:spPr>
+      <dsp:style>
+        <a:lnRef idx="2">
+          <a:scrgbClr r="0" g="0" b="0"/>
+        </a:lnRef>
+        <a:fillRef idx="1">
+          <a:scrgbClr r="0" g="0" b="0"/>
+        </a:fillRef>
+        <a:effectRef idx="0">
+          <a:scrgbClr r="0" g="0" b="0"/>
+        </a:effectRef>
+        <a:fontRef idx="minor"/>
+      </dsp:style>
+      <dsp:txBody>
+        <a:bodyPr spcFirstLastPara="0" vert="horz" wrap="square" lIns="144018" tIns="144018" rIns="192024" bIns="216027" numCol="1" spcCol="1270" anchor="t" anchorCtr="0">
+          <a:noAutofit/>
+        </a:bodyPr>
+        <a:lstStyle/>
+        <a:p>
+          <a:pPr marL="228600" lvl="1" indent="-228600" algn="l" defTabSz="1200150">
+            <a:lnSpc>
+              <a:spcPct val="90000"/>
+            </a:lnSpc>
+            <a:spcBef>
+              <a:spcPct val="0"/>
+            </a:spcBef>
+            <a:spcAft>
+              <a:spcPct val="15000"/>
+            </a:spcAft>
+            <a:buChar char="•"/>
+          </a:pPr>
+          <a:r>
+            <a:rPr lang="en-US" sz="2700" kern="1200"/>
+            <a:t>Sign into </a:t>
+          </a:r>
+          <a:r>
+            <a:rPr lang="en-US" sz="2700" kern="1200">
+              <a:latin typeface="Consolas" panose="020B0609020204030204" pitchFamily="49" charset="0"/>
+            </a:rPr>
+            <a:t>colab.research.google.com</a:t>
+          </a:r>
+          <a:endParaRPr lang="en-US" sz="2700" kern="1200" dirty="0">
+            <a:latin typeface="Consolas" panose="020B0609020204030204" pitchFamily="49" charset="0"/>
+          </a:endParaRPr>
+        </a:p>
+      </dsp:txBody>
+      <dsp:txXfrm>
+        <a:off x="6235007" y="1449491"/>
+        <a:ext cx="5469255" cy="1185840"/>
+      </dsp:txXfrm>
+    </dsp:sp>
+  </dsp:spTree>
+</dsp:drawing>
+</file>
+
+<file path=ppt/diagrams/layout1.xml><?xml version="1.0" encoding="utf-8"?>
+<dgm:layoutDef xmlns:dgm="http://schemas.openxmlformats.org/drawingml/2006/diagram" xmlns:a="http://schemas.openxmlformats.org/drawingml/2006/main" uniqueId="urn:microsoft.com/office/officeart/2005/8/layout/hList1">
+  <dgm:title val=""/>
+  <dgm:desc val=""/>
+  <dgm:catLst>
+    <dgm:cat type="list" pri="5000"/>
+    <dgm:cat type="convert" pri="5000"/>
+  </dgm:catLst>
+  <dgm:sampData>
+    <dgm:dataModel>
+      <dgm:ptLst>
+        <dgm:pt modelId="0" type="doc"/>
+        <dgm:pt modelId="1">
+          <dgm:prSet phldr="1"/>
+        </dgm:pt>
+        <dgm:pt modelId="11">
+          <dgm:prSet phldr="1"/>
+        </dgm:pt>
+        <dgm:pt modelId="12">
+          <dgm:prSet phldr="1"/>
+        </dgm:pt>
+        <dgm:pt modelId="2">
+          <dgm:prSet phldr="1"/>
+        </dgm:pt>
+        <dgm:pt modelId="21">
+          <dgm:prSet phldr="1"/>
+        </dgm:pt>
+        <dgm:pt modelId="22">
+          <dgm:prSet phldr="1"/>
+        </dgm:pt>
+        <dgm:pt modelId="3">
+          <dgm:prSet phldr="1"/>
+        </dgm:pt>
+        <dgm:pt modelId="31">
+          <dgm:prSet phldr="1"/>
+        </dgm:pt>
+        <dgm:pt modelId="32">
+          <dgm:prSet phldr="1"/>
+        </dgm:pt>
+      </dgm:ptLst>
+      <dgm:cxnLst>
+        <dgm:cxn modelId="4" srcId="0" destId="1" srcOrd="0" destOrd="0"/>
+        <dgm:cxn modelId="5" srcId="0" destId="2" srcOrd="1" destOrd="0"/>
+        <dgm:cxn modelId="6" srcId="0" destId="3" srcOrd="2" destOrd="0"/>
+        <dgm:cxn modelId="13" srcId="1" destId="11" srcOrd="0" destOrd="0"/>
+        <dgm:cxn modelId="14" srcId="1" destId="12" srcOrd="1" destOrd="0"/>
+        <dgm:cxn modelId="23" srcId="2" destId="21" srcOrd="0" destOrd="0"/>
+        <dgm:cxn modelId="24" srcId="2" destId="22" srcOrd="1" destOrd="0"/>
+        <dgm:cxn modelId="33" srcId="3" destId="31" srcOrd="0" destOrd="0"/>
+        <dgm:cxn modelId="34" srcId="3" destId="32" srcOrd="1" destOrd="0"/>
+      </dgm:cxnLst>
+      <dgm:bg/>
+      <dgm:whole/>
+    </dgm:dataModel>
+  </dgm:sampData>
+  <dgm:styleData>
+    <dgm:dataModel>
+      <dgm:ptLst>
+        <dgm:pt modelId="0" type="doc"/>
+        <dgm:pt modelId="1">
+          <dgm:prSet phldr="1"/>
+        </dgm:pt>
+        <dgm:pt modelId="2">
+          <dgm:prSet phldr="1"/>
+        </dgm:pt>
+      </dgm:ptLst>
+      <dgm:cxnLst>
+        <dgm:cxn modelId="3" srcId="0" destId="1" srcOrd="0" destOrd="0"/>
+        <dgm:cxn modelId="4" srcId="0" destId="2" srcOrd="1" destOrd="0"/>
+      </dgm:cxnLst>
+      <dgm:bg/>
+      <dgm:whole/>
+    </dgm:dataModel>
+  </dgm:styleData>
+  <dgm:clrData>
+    <dgm:dataModel>
+      <dgm:ptLst>
+        <dgm:pt modelId="0" type="doc"/>
+        <dgm:pt modelId="1">
+          <dgm:prSet phldr="1"/>
+        </dgm:pt>
+        <dgm:pt modelId="2">
+          <dgm:prSet phldr="1"/>
+        </dgm:pt>
+        <dgm:pt modelId="3">
+          <dgm:prSet phldr="1"/>
+        </dgm:pt>
+        <dgm:pt modelId="4">
+          <dgm:prSet phldr="1"/>
+        </dgm:pt>
+      </dgm:ptLst>
+      <dgm:cxnLst>
+        <dgm:cxn modelId="5" srcId="0" destId="1" srcOrd="0" destOrd="0"/>
+        <dgm:cxn modelId="6" srcId="0" destId="2" srcOrd="1" destOrd="0"/>
+        <dgm:cxn modelId="7" srcId="0" destId="3" srcOrd="2" destOrd="0"/>
+        <dgm:cxn modelId="8" srcId="0" destId="4" srcOrd="3" destOrd="0"/>
+      </dgm:cxnLst>
+      <dgm:bg/>
+      <dgm:whole/>
+    </dgm:dataModel>
+  </dgm:clrData>
+  <dgm:layoutNode name="Name0">
+    <dgm:varLst>
+      <dgm:dir/>
+      <dgm:animLvl val="lvl"/>
+      <dgm:resizeHandles val="exact"/>
+    </dgm:varLst>
+    <dgm:choose name="Name1">
+      <dgm:if name="Name2" func="var" arg="dir" op="equ" val="norm">
+        <dgm:alg type="lin"/>
+      </dgm:if>
+      <dgm:else name="Name3">
+        <dgm:alg type="lin">
+          <dgm:param type="linDir" val="fromR"/>
+        </dgm:alg>
+      </dgm:else>
+    </dgm:choose>
+    <dgm:shape xmlns:r="http://schemas.openxmlformats.org/officeDocument/2006/relationships" r:blip="">
+      <dgm:adjLst/>
+    </dgm:shape>
+    <dgm:presOf/>
+    <dgm:constrLst>
+      <dgm:constr type="h" for="ch" forName="composite" refType="h"/>
+      <dgm:constr type="w" for="ch" forName="composite" refType="w"/>
+      <dgm:constr type="w" for="des" forName="parTx"/>
+      <dgm:constr type="h" for="des" forName="parTx" op="equ"/>
+      <dgm:constr type="w" for="des" forName="desTx"/>
+      <dgm:constr type="h" for="des" forName="desTx" op="equ"/>
+      <dgm:constr type="primFontSz" for="des" forName="parTx" val="65"/>
+      <dgm:constr type="secFontSz" for="des" forName="desTx" refType="primFontSz" refFor="des" refForName="parTx" op="equ"/>
+      <dgm:constr type="h" for="des" forName="parTx" refType="primFontSz" refFor="des" refForName="parTx" fact="0.8"/>
+      <dgm:constr type="h" for="des" forName="desTx" refType="primFontSz" refFor="des" refForName="parTx" fact="1.22"/>
+      <dgm:constr type="w" for="ch" forName="space" refType="w" refFor="ch" refForName="composite" op="equ" fact="0.14"/>
+    </dgm:constrLst>
+    <dgm:ruleLst>
+      <dgm:rule type="w" for="ch" forName="composite" val="0" fact="NaN" max="NaN"/>
+      <dgm:rule type="primFontSz" for="des" forName="parTx" val="5" fact="NaN" max="NaN"/>
+    </dgm:ruleLst>
+    <dgm:forEach name="Name4" axis="ch" ptType="node">
+      <dgm:layoutNode name="composite">
+        <dgm:alg type="composite"/>
+        <dgm:shape xmlns:r="http://schemas.openxmlformats.org/officeDocument/2006/relationships" r:blip="">
+          <dgm:adjLst/>
+        </dgm:shape>
+        <dgm:presOf/>
+        <dgm:constrLst>
+          <dgm:constr type="l" for="ch" forName="parTx"/>
+          <dgm:constr type="w" for="ch" forName="parTx" refType="w"/>
+          <dgm:constr type="t" for="ch" forName="parTx"/>
+          <dgm:constr type="l" for="ch" forName="desTx"/>
+          <dgm:constr type="w" for="ch" forName="desTx" refType="w" refFor="ch" refForName="parTx"/>
+          <dgm:constr type="t" for="ch" forName="desTx" refType="h" refFor="ch" refForName="parTx"/>
+        </dgm:constrLst>
+        <dgm:ruleLst>
+          <dgm:rule type="h" val="INF" fact="NaN" max="NaN"/>
+        </dgm:ruleLst>
+        <dgm:layoutNode name="parTx" styleLbl="alignNode1">
+          <dgm:varLst>
+            <dgm:chMax val="0"/>
+            <dgm:chPref val="0"/>
+            <dgm:bulletEnabled val="1"/>
+          </dgm:varLst>
+          <dgm:alg type="tx"/>
+          <dgm:shape xmlns:r="http://schemas.openxmlformats.org/officeDocument/2006/relationships" type="rect" r:blip="">
+            <dgm:adjLst/>
+          </dgm:shape>
+          <dgm:presOf axis="self" ptType="node"/>
+          <dgm:constrLst>
+            <dgm:constr type="h" refType="w" op="lte" fact="0.4"/>
+            <dgm:constr type="h"/>
+            <dgm:constr type="tMarg" refType="primFontSz" fact="0.32"/>
+            <dgm:constr type="bMarg" refType="primFontSz" fact="0.32"/>
+          </dgm:constrLst>
+          <dgm:ruleLst>
+            <dgm:rule type="h" val="INF" fact="NaN" max="NaN"/>
+          </dgm:ruleLst>
+        </dgm:layoutNode>
+        <dgm:layoutNode name="desTx" styleLbl="alignAccFollowNode1">
+          <dgm:varLst>
+            <dgm:bulletEnabled val="1"/>
+          </dgm:varLst>
+          <dgm:alg type="tx">
+            <dgm:param type="stBulletLvl" val="1"/>
+          </dgm:alg>
+          <dgm:shape xmlns:r="http://schemas.openxmlformats.org/officeDocument/2006/relationships" type="rect" r:blip="">
+            <dgm:adjLst/>
+          </dgm:shape>
+          <dgm:presOf axis="des" ptType="node"/>
+          <dgm:constrLst>
+            <dgm:constr type="secFontSz" val="65"/>
+            <dgm:constr type="primFontSz" refType="secFontSz"/>
+            <dgm:constr type="h"/>
+            <dgm:constr type="lMarg" refType="primFontSz" fact="0.42"/>
+            <dgm:constr type="tMarg" refType="primFontSz" fact="0.42"/>
+            <dgm:constr type="bMarg" refType="primFontSz" fact="0.63"/>
+          </dgm:constrLst>
+          <dgm:ruleLst>
+            <dgm:rule type="h" val="INF" fact="NaN" max="NaN"/>
+          </dgm:ruleLst>
+        </dgm:layoutNode>
+      </dgm:layoutNode>
+      <dgm:forEach name="Name5" axis="followSib" ptType="sibTrans" cnt="1">
+        <dgm:layoutNode name="space">
+          <dgm:alg type="sp"/>
+          <dgm:shape xmlns:r="http://schemas.openxmlformats.org/officeDocument/2006/relationships" r:blip="">
+            <dgm:adjLst/>
+          </dgm:shape>
+          <dgm:presOf/>
+          <dgm:constrLst/>
+          <dgm:ruleLst/>
+        </dgm:layoutNode>
+      </dgm:forEach>
+    </dgm:forEach>
+  </dgm:layoutNode>
+</dgm:layoutDef>
+</file>
+
+<file path=ppt/diagrams/quickStyle1.xml><?xml version="1.0" encoding="utf-8"?>
+<dgm:styleDef xmlns:dgm="http://schemas.openxmlformats.org/drawingml/2006/diagram" xmlns:a="http://schemas.openxmlformats.org/drawingml/2006/main" uniqueId="urn:microsoft.com/office/officeart/2005/8/quickstyle/simple1">
+  <dgm:title val=""/>
+  <dgm:desc val=""/>
+  <dgm:catLst>
+    <dgm:cat type="simple" pri="10100"/>
+  </dgm:catLst>
+  <dgm:scene3d>
+    <a:camera prst="orthographicFront"/>
+    <a:lightRig rig="threePt" dir="t"/>
+  </dgm:scene3d>
+  <dgm:styleLbl name="node0">
+    <dgm:scene3d>
+      <a:camera prst="orthographicFront"/>
+      <a:lightRig rig="threePt" dir="t"/>
+    </dgm:scene3d>
+    <dgm:sp3d/>
+    <dgm:txPr/>
+    <dgm:style>
+      <a:lnRef idx="2">
+        <a:scrgbClr r="0" g="0" b="0"/>
+      </a:lnRef>
+      <a:fillRef idx="1">
+        <a:scrgbClr r="0" g="0" b="0"/>
+      </a:fillRef>
+      <a:effectRef idx="0">
+        <a:scrgbClr r="0" g="0" b="0"/>
+      </a:effectRef>
+      <a:fontRef idx="minor">
+        <a:schemeClr val="lt1"/>
+      </a:fontRef>
+    </dgm:style>
+  </dgm:styleLbl>
+  <dgm:styleLbl name="lnNode1">
+    <dgm:scene3d>
+      <a:camera prst="orthographicFront"/>
+      <a:lightRig rig="threePt" dir="t"/>
+    </dgm:scene3d>
+    <dgm:sp3d/>
+    <dgm:txPr/>
+    <dgm:style>
+      <a:lnRef idx="2">
+        <a:scrgbClr r="0" g="0" b="0"/>
+      </a:lnRef>
+      <a:fillRef idx="1">
+        <a:scrgbClr r="0" g="0" b="0"/>
+      </a:fillRef>
+      <a:effectRef idx="0">
+        <a:scrgbClr r="0" g="0" b="0"/>
+      </a:effectRef>
+      <a:fontRef idx="minor">
+        <a:schemeClr val="lt1"/>
+      </a:fontRef>
+    </dgm:style>
+  </dgm:styleLbl>
+  <dgm:styleLbl name="vennNode1">
+    <dgm:scene3d>
+      <a:camera prst="orthographicFront"/>
+      <a:lightRig rig="threePt" dir="t"/>
+    </dgm:scene3d>
+    <dgm:sp3d/>
+    <dgm:txPr/>
+    <dgm:style>
+      <a:lnRef idx="2">
+        <a:scrgbClr r="0" g="0" b="0"/>
+      </a:lnRef>
+      <a:fillRef idx="1">
+        <a:scrgbClr r="0" g="0" b="0"/>
+      </a:fillRef>
+      <a:effectRef idx="0">
+        <a:scrgbClr r="0" g="0" b="0"/>
+      </a:effectRef>
+      <a:fontRef idx="minor">
+        <a:schemeClr val="tx1"/>
+      </a:fontRef>
+    </dgm:style>
+  </dgm:styleLbl>
+  <dgm:styleLbl name="alignNode1">
+    <dgm:scene3d>
+      <a:camera prst="orthographicFront"/>
+      <a:lightRig rig="threePt" dir="t"/>
+    </dgm:scene3d>
+    <dgm:sp3d/>
+    <dgm:txPr/>
+    <dgm:style>
+      <a:lnRef idx="2">
+        <a:scrgbClr r="0" g="0" b="0"/>
+      </a:lnRef>
+      <a:fillRef idx="1">
+        <a:scrgbClr r="0" g="0" b="0"/>
+      </a:fillRef>
+      <a:effectRef idx="0">
+        <a:scrgbClr r="0" g="0" b="0"/>
+      </a:effectRef>
+      <a:fontRef idx="minor">
+        <a:schemeClr val="lt1"/>
+      </a:fontRef>
+    </dgm:style>
+  </dgm:styleLbl>
+  <dgm:styleLbl name="node1">
+    <dgm:scene3d>
+      <a:camera prst="orthographicFront"/>
+      <a:lightRig rig="threePt" dir="t"/>
+    </dgm:scene3d>
+    <dgm:sp3d/>
+    <dgm:txPr/>
+    <dgm:style>
+      <a:lnRef idx="2">
+        <a:scrgbClr r="0" g="0" b="0"/>
+      </a:lnRef>
+      <a:fillRef idx="1">
+        <a:scrgbClr r="0" g="0" b="0"/>
+      </a:fillRef>
+      <a:effectRef idx="0">
+        <a:scrgbClr r="0" g="0" b="0"/>
+      </a:effectRef>
+      <a:fontRef idx="minor">
+        <a:schemeClr val="lt1"/>
+      </a:fontRef>
+    </dgm:style>
+  </dgm:styleLbl>
+  <dgm:styleLbl name="node2">
+    <dgm:scene3d>
+      <a:camera prst="orthographicFront"/>
+      <a:lightRig rig="threePt" dir="t"/>
+    </dgm:scene3d>
+    <dgm:sp3d/>
+    <dgm:txPr/>
+    <dgm:style>
+      <a:lnRef idx="2">
+        <a:scrgbClr r="0" g="0" b="0"/>
+      </a:lnRef>
+      <a:fillRef idx="1">
+        <a:scrgbClr r="0" g="0" b="0"/>
+      </a:fillRef>
+      <a:effectRef idx="0">
+        <a:scrgbClr r="0" g="0" b="0"/>
+      </a:effectRef>
+      <a:fontRef idx="minor">
+        <a:schemeClr val="lt1"/>
+      </a:fontRef>
+    </dgm:style>
+  </dgm:styleLbl>
+  <dgm:styleLbl name="node3">
+    <dgm:scene3d>
+      <a:camera prst="orthographicFront"/>
+      <a:lightRig rig="threePt" dir="t"/>
+    </dgm:scene3d>
+    <dgm:sp3d/>
+    <dgm:txPr/>
+    <dgm:style>
+      <a:lnRef idx="2">
+        <a:scrgbClr r="0" g="0" b="0"/>
+      </a:lnRef>
+      <a:fillRef idx="1">
+        <a:scrgbClr r="0" g="0" b="0"/>
+      </a:fillRef>
+      <a:effectRef idx="0">
+        <a:scrgbClr r="0" g="0" b="0"/>
+      </a:effectRef>
+      <a:fontRef idx="minor">
+        <a:schemeClr val="lt1"/>
+      </a:fontRef>
+    </dgm:style>
+  </dgm:styleLbl>
+  <dgm:styleLbl name="node4">
+    <dgm:scene3d>
+      <a:camera prst="orthographicFront"/>
+      <a:lightRig rig="threePt" dir="t"/>
+    </dgm:scene3d>
+    <dgm:sp3d/>
+    <dgm:txPr/>
+    <dgm:style>
+      <a:lnRef idx="2">
+        <a:scrgbClr r="0" g="0" b="0"/>
+      </a:lnRef>
+      <a:fillRef idx="1">
+        <a:scrgbClr r="0" g="0" b="0"/>
+      </a:fillRef>
+      <a:effectRef idx="0">
+        <a:scrgbClr r="0" g="0" b="0"/>
+      </a:effectRef>
+      <a:fontRef idx="minor">
+        <a:schemeClr val="lt1"/>
+      </a:fontRef>
+    </dgm:style>
+  </dgm:styleLbl>
+  <dgm:styleLbl name="fgImgPlace1">
+    <dgm:scene3d>
+      <a:camera prst="orthographicFront"/>
+      <a:lightRig rig="threePt" dir="t"/>
+    </dgm:scene3d>
+    <dgm:sp3d/>
+    <dgm:txPr/>
+    <dgm:style>
+      <a:lnRef idx="2">
+        <a:scrgbClr r="0" g="0" b="0"/>
+      </a:lnRef>
+      <a:fillRef idx="1">
+        <a:scrgbClr r="0" g="0" b="0"/>
+      </a:fillRef>
+      <a:effectRef idx="0">
+        <a:scrgbClr r="0" g="0" b="0"/>
+      </a:effectRef>
+      <a:fontRef idx="minor"/>
+    </dgm:style>
+  </dgm:styleLbl>
+  <dgm:styleLbl name="alignImgPlace1">
+    <dgm:scene3d>
+      <a:camera prst="orthographicFront"/>
+      <a:lightRig rig="threePt" dir="t"/>
+    </dgm:scene3d>
+    <dgm:sp3d/>
+    <dgm:txPr/>
+    <dgm:style>
+      <a:lnRef idx="2">
+        <a:scrgbClr r="0" g="0" b="0"/>
+      </a:lnRef>
+      <a:fillRef idx="1">
+        <a:scrgbClr r="0" g="0" b="0"/>
+      </a:fillRef>
+      <a:effectRef idx="0">
+        <a:scrgbClr r="0" g="0" b="0"/>
+      </a:effectRef>
+      <a:fontRef idx="minor"/>
+    </dgm:style>
+  </dgm:styleLbl>
+  <dgm:styleLbl name="bgImgPlace1">
+    <dgm:scene3d>
+      <a:camera prst="orthographicFront"/>
+      <a:lightRig rig="threePt" dir="t"/>
+    </dgm:scene3d>
+    <dgm:sp3d/>
+    <dgm:txPr/>
+    <dgm:style>
+      <a:lnRef idx="2">
+        <a:scrgbClr r="0" g="0" b="0"/>
+      </a:lnRef>
+      <a:fillRef idx="1">
+        <a:scrgbClr r="0" g="0" b="0"/>
+      </a:fillRef>
+      <a:effectRef idx="0">
+        <a:scrgbClr r="0" g="0" b="0"/>
+      </a:effectRef>
+      <a:fontRef idx="minor"/>
+    </dgm:style>
+  </dgm:styleLbl>
+  <dgm:styleLbl name="sibTrans2D1">
+    <dgm:scene3d>
+      <a:camera prst="orthographicFront"/>
+      <a:lightRig rig="threePt" dir="t"/>
+    </dgm:scene3d>
+    <dgm:sp3d/>
+    <dgm:txPr/>
+    <dgm:style>
+      <a:lnRef idx="0">
+        <a:scrgbClr r="0" g="0" b="0"/>
+      </a:lnRef>
+      <a:fillRef idx="1">
+        <a:scrgbClr r="0" g="0" b="0"/>
+      </a:fillRef>
+      <a:effectRef idx="0">
+        <a:scrgbClr r="0" g="0" b="0"/>
+      </a:effectRef>
+      <a:fontRef idx="minor">
+        <a:schemeClr val="lt1"/>
+      </a:fontRef>
+    </dgm:style>
+  </dgm:styleLbl>
+  <dgm:styleLbl name="fgSibTrans2D1">
+    <dgm:scene3d>
+      <a:camera prst="orthographicFront"/>
+      <a:lightRig rig="threePt" dir="t"/>
+    </dgm:scene3d>
+    <dgm:sp3d/>
+    <dgm:txPr/>
+    <dgm:style>
+      <a:lnRef idx="0">
+        <a:scrgbClr r="0" g="0" b="0"/>
+      </a:lnRef>
+      <a:fillRef idx="1">
+        <a:scrgbClr r="0" g="0" b="0"/>
+      </a:fillRef>
+      <a:effectRef idx="0">
+        <a:scrgbClr r="0" g="0" b="0"/>
+      </a:effectRef>
+      <a:fontRef idx="minor">
+        <a:schemeClr val="lt1"/>
+      </a:fontRef>
+    </dgm:style>
+  </dgm:styleLbl>
+  <dgm:styleLbl name="bgSibTrans2D1">
+    <dgm:scene3d>
+      <a:camera prst="orthographicFront"/>
+      <a:lightRig rig="threePt" dir="t"/>
+    </dgm:scene3d>
+    <dgm:sp3d/>
+    <dgm:txPr/>
+    <dgm:style>
+      <a:lnRef idx="0">
+        <a:scrgbClr r="0" g="0" b="0"/>
+      </a:lnRef>
+      <a:fillRef idx="1">
+        <a:scrgbClr r="0" g="0" b="0"/>
+      </a:fillRef>
+      <a:effectRef idx="0">
+        <a:scrgbClr r="0" g="0" b="0"/>
+      </a:effectRef>
+      <a:fontRef idx="minor">
+        <a:schemeClr val="lt1"/>
+      </a:fontRef>
+    </dgm:style>
+  </dgm:styleLbl>
+  <dgm:styleLbl name="sibTrans1D1">
+    <dgm:scene3d>
+      <a:camera prst="orthographicFront"/>
+      <a:lightRig rig="threePt" dir="t"/>
+    </dgm:scene3d>
+    <dgm:sp3d/>
+    <dgm:txPr/>
+    <dgm:style>
+      <a:lnRef idx="1">
+        <a:scrgbClr r="0" g="0" b="0"/>
+      </a:lnRef>
+      <a:fillRef idx="0">
+        <a:scrgbClr r="0" g="0" b="0"/>
+      </a:fillRef>
+      <a:effectRef idx="0">
+        <a:scrgbClr r="0" g="0" b="0"/>
+      </a:effectRef>
+      <a:fontRef idx="minor"/>
+    </dgm:style>
+  </dgm:styleLbl>
+  <dgm:styleLbl name="callout">
+    <dgm:scene3d>
+      <a:camera prst="orthographicFront"/>
+      <a:lightRig rig="threePt" dir="t"/>
+    </dgm:scene3d>
+    <dgm:sp3d/>
+    <dgm:txPr/>
+    <dgm:style>
+      <a:lnRef idx="2">
+        <a:scrgbClr r="0" g="0" b="0"/>
+      </a:lnRef>
+      <a:fillRef idx="1">
+        <a:scrgbClr r="0" g="0" b="0"/>
+      </a:fillRef>
+      <a:effectRef idx="0">
+        <a:scrgbClr r="0" g="0" b="0"/>
+      </a:effectRef>
+      <a:fontRef idx="minor"/>
+    </dgm:style>
+  </dgm:styleLbl>
+  <dgm:styleLbl name="asst0">
+    <dgm:scene3d>
+      <a:camera prst="orthographicFront"/>
+      <a:lightRig rig="threePt" dir="t"/>
+    </dgm:scene3d>
+    <dgm:sp3d/>
+    <dgm:txPr/>
+    <dgm:style>
+      <a:lnRef idx="2">
+        <a:scrgbClr r="0" g="0" b="0"/>
+      </a:lnRef>
+      <a:fillRef idx="1">
+        <a:scrgbClr r="0" g="0" b="0"/>
+      </a:fillRef>
+      <a:effectRef idx="0">
+        <a:scrgbClr r="0" g="0" b="0"/>
+      </a:effectRef>
+      <a:fontRef idx="minor">
+        <a:schemeClr val="lt1"/>
+      </a:fontRef>
+    </dgm:style>
+  </dgm:styleLbl>
+  <dgm:styleLbl name="asst1">
+    <dgm:scene3d>
+      <a:camera prst="orthographicFront"/>
+      <a:lightRig rig="threePt" dir="t"/>
+    </dgm:scene3d>
+    <dgm:sp3d/>
+    <dgm:txPr/>
+    <dgm:style>
+      <a:lnRef idx="2">
+        <a:scrgbClr r="0" g="0" b="0"/>
+      </a:lnRef>
+      <a:fillRef idx="1">
+        <a:scrgbClr r="0" g="0" b="0"/>
+      </a:fillRef>
+      <a:effectRef idx="0">
+        <a:scrgbClr r="0" g="0" b="0"/>
+      </a:effectRef>
+      <a:fontRef idx="minor">
+        <a:schemeClr val="lt1"/>
+      </a:fontRef>
+    </dgm:style>
+  </dgm:styleLbl>
+  <dgm:styleLbl name="asst2">
+    <dgm:scene3d>
+      <a:camera prst="orthographicFront"/>
+      <a:lightRig rig="threePt" dir="t"/>
+    </dgm:scene3d>
+    <dgm:sp3d/>
+    <dgm:txPr/>
+    <dgm:style>
+      <a:lnRef idx="2">
+        <a:scrgbClr r="0" g="0" b="0"/>
+      </a:lnRef>
+      <a:fillRef idx="1">
+        <a:scrgbClr r="0" g="0" b="0"/>
+      </a:fillRef>
+      <a:effectRef idx="0">
+        <a:scrgbClr r="0" g="0" b="0"/>
+      </a:effectRef>
+      <a:fontRef idx="minor">
+        <a:schemeClr val="lt1"/>
+      </a:fontRef>
+    </dgm:style>
+  </dgm:styleLbl>
+  <dgm:styleLbl name="asst3">
+    <dgm:scene3d>
+      <a:camera prst="orthographicFront"/>
+      <a:lightRig rig="threePt" dir="t"/>
+    </dgm:scene3d>
+    <dgm:sp3d/>
+    <dgm:txPr/>
+    <dgm:style>
+      <a:lnRef idx="2">
+        <a:scrgbClr r="0" g="0" b="0"/>
+      </a:lnRef>
+      <a:fillRef idx="1">
+        <a:scrgbClr r="0" g="0" b="0"/>
+      </a:fillRef>
+      <a:effectRef idx="0">
+        <a:scrgbClr r="0" g="0" b="0"/>
+      </a:effectRef>
+      <a:fontRef idx="minor">
+        <a:schemeClr val="lt1"/>
+      </a:fontRef>
+    </dgm:style>
+  </dgm:styleLbl>
+  <dgm:styleLbl name="asst4">
+    <dgm:scene3d>
+      <a:camera prst="orthographicFront"/>
+      <a:lightRig rig="threePt" dir="t"/>
+    </dgm:scene3d>
+    <dgm:sp3d/>
+    <dgm:txPr/>
+    <dgm:style>
+      <a:lnRef idx="2">
+        <a:scrgbClr r="0" g="0" b="0"/>
+      </a:lnRef>
+      <a:fillRef idx="1">
+        <a:scrgbClr r="0" g="0" b="0"/>
+      </a:fillRef>
+      <a:effectRef idx="0">
+        <a:scrgbClr r="0" g="0" b="0"/>
+      </a:effectRef>
+      <a:fontRef idx="minor">
+        <a:schemeClr val="lt1"/>
+      </a:fontRef>
+    </dgm:style>
+  </dgm:styleLbl>
+  <dgm:styleLbl name="parChTrans2D1">
+    <dgm:scene3d>
+      <a:camera prst="orthographicFront"/>
+      <a:lightRig rig="threePt" dir="t"/>
+    </dgm:scene3d>
+    <dgm:sp3d/>
+    <dgm:txPr/>
+    <dgm:style>
+      <a:lnRef idx="2">
+        <a:scrgbClr r="0" g="0" b="0"/>
+      </a:lnRef>
+      <a:fillRef idx="1">
+        <a:scrgbClr r="0" g="0" b="0"/>
+      </a:fillRef>
+      <a:effectRef idx="0">
+        <a:scrgbClr r="0" g="0" b="0"/>
+      </a:effectRef>
+      <a:fontRef idx="minor">
+        <a:schemeClr val="lt1"/>
+      </a:fontRef>
+    </dgm:style>
+  </dgm:styleLbl>
+  <dgm:styleLbl name="parChTrans2D2">
+    <dgm:scene3d>
+      <a:camera prst="orthographicFront"/>
+      <a:lightRig rig="threePt" dir="t"/>
+    </dgm:scene3d>
+    <dgm:sp3d/>
+    <dgm:txPr/>
+    <dgm:style>
+      <a:lnRef idx="2">
+        <a:scrgbClr r="0" g="0" b="0"/>
+      </a:lnRef>
+      <a:fillRef idx="1">
+        <a:scrgbClr r="0" g="0" b="0"/>
+      </a:fillRef>
+      <a:effectRef idx="0">
+        <a:scrgbClr r="0" g="0" b="0"/>
+      </a:effectRef>
+      <a:fontRef idx="minor">
+        <a:schemeClr val="lt1"/>
+      </a:fontRef>
+    </dgm:style>
+  </dgm:styleLbl>
+  <dgm:styleLbl name="parChTrans2D3">
+    <dgm:scene3d>
+      <a:camera prst="orthographicFront"/>
+      <a:lightRig rig="threePt" dir="t"/>
+    </dgm:scene3d>
+    <dgm:sp3d/>
+    <dgm:txPr/>
+    <dgm:style>
+      <a:lnRef idx="2">
+        <a:scrgbClr r="0" g="0" b="0"/>
+      </a:lnRef>
+      <a:fillRef idx="1">
+        <a:scrgbClr r="0" g="0" b="0"/>
+      </a:fillRef>
+      <a:effectRef idx="0">
+        <a:scrgbClr r="0" g="0" b="0"/>
+      </a:effectRef>
+      <a:fontRef idx="minor">
+        <a:schemeClr val="lt1"/>
+      </a:fontRef>
+    </dgm:style>
+  </dgm:styleLbl>
+  <dgm:styleLbl name="parChTrans2D4">
+    <dgm:scene3d>
+      <a:camera prst="orthographicFront"/>
+      <a:lightRig rig="threePt" dir="t"/>
+    </dgm:scene3d>
+    <dgm:sp3d/>
+    <dgm:txPr/>
+    <dgm:style>
+      <a:lnRef idx="2">
+        <a:scrgbClr r="0" g="0" b="0"/>
+      </a:lnRef>
+      <a:fillRef idx="1">
+        <a:scrgbClr r="0" g="0" b="0"/>
+      </a:fillRef>
+      <a:effectRef idx="0">
+        <a:scrgbClr r="0" g="0" b="0"/>
+      </a:effectRef>
+      <a:fontRef idx="minor">
+        <a:schemeClr val="lt1"/>
+      </a:fontRef>
+    </dgm:style>
+  </dgm:styleLbl>
+  <dgm:styleLbl name="parChTrans1D1">
+    <dgm:scene3d>
+      <a:camera prst="orthographicFront"/>
+      <a:lightRig rig="threePt" dir="t"/>
+    </dgm:scene3d>
+    <dgm:sp3d/>
+    <dgm:txPr/>
+    <dgm:style>
+      <a:lnRef idx="2">
+        <a:scrgbClr r="0" g="0" b="0"/>
+      </a:lnRef>
+      <a:fillRef idx="0">
+        <a:scrgbClr r="0" g="0" b="0"/>
+      </a:fillRef>
+      <a:effectRef idx="0">
+        <a:scrgbClr r="0" g="0" b="0"/>
+      </a:effectRef>
+      <a:fontRef idx="minor"/>
+    </dgm:style>
+  </dgm:styleLbl>
+  <dgm:styleLbl name="parChTrans1D2">
+    <dgm:scene3d>
+      <a:camera prst="orthographicFront"/>
+      <a:lightRig rig="threePt" dir="t"/>
+    </dgm:scene3d>
+    <dgm:sp3d/>
+    <dgm:txPr/>
+    <dgm:style>
+      <a:lnRef idx="2">
+        <a:scrgbClr r="0" g="0" b="0"/>
+      </a:lnRef>
+      <a:fillRef idx="0">
+        <a:scrgbClr r="0" g="0" b="0"/>
+      </a:fillRef>
+      <a:effectRef idx="0">
+        <a:scrgbClr r="0" g="0" b="0"/>
+      </a:effectRef>
+      <a:fontRef idx="minor"/>
+    </dgm:style>
+  </dgm:styleLbl>
+  <dgm:styleLbl name="parChTrans1D3">
+    <dgm:scene3d>
+      <a:camera prst="orthographicFront"/>
+      <a:lightRig rig="threePt" dir="t"/>
+    </dgm:scene3d>
+    <dgm:sp3d/>
+    <dgm:txPr/>
+    <dgm:style>
+      <a:lnRef idx="2">
+        <a:scrgbClr r="0" g="0" b="0"/>
+      </a:lnRef>
+      <a:fillRef idx="0">
+        <a:scrgbClr r="0" g="0" b="0"/>
+      </a:fillRef>
+      <a:effectRef idx="0">
+        <a:scrgbClr r="0" g="0" b="0"/>
+      </a:effectRef>
+      <a:fontRef idx="minor"/>
+    </dgm:style>
+  </dgm:styleLbl>
+  <dgm:styleLbl name="parChTrans1D4">
+    <dgm:scene3d>
+      <a:camera prst="orthographicFront"/>
+      <a:lightRig rig="threePt" dir="t"/>
+    </dgm:scene3d>
+    <dgm:sp3d/>
+    <dgm:txPr/>
+    <dgm:style>
+      <a:lnRef idx="2">
+        <a:scrgbClr r="0" g="0" b="0"/>
+      </a:lnRef>
+      <a:fillRef idx="0">
+        <a:scrgbClr r="0" g="0" b="0"/>
+      </a:fillRef>
+      <a:effectRef idx="0">
+        <a:scrgbClr r="0" g="0" b="0"/>
+      </a:effectRef>
+      <a:fontRef idx="minor"/>
+    </dgm:style>
+  </dgm:styleLbl>
+  <dgm:styleLbl name="fgAcc1">
+    <dgm:scene3d>
+      <a:camera prst="orthographicFront"/>
+      <a:lightRig rig="threePt" dir="t"/>
+    </dgm:scene3d>
+    <dgm:sp3d/>
+    <dgm:txPr/>
+    <dgm:style>
+      <a:lnRef idx="2">
+        <a:scrgbClr r="0" g="0" b="0"/>
+      </a:lnRef>
+      <a:fillRef idx="1">
+        <a:scrgbClr r="0" g="0" b="0"/>
+      </a:fillRef>
+      <a:effectRef idx="0">
+        <a:scrgbClr r="0" g="0" b="0"/>
+      </a:effectRef>
+      <a:fontRef idx="minor"/>
+    </dgm:style>
+  </dgm:styleLbl>
+  <dgm:styleLbl name="conFgAcc1">
+    <dgm:scene3d>
+      <a:camera prst="orthographicFront"/>
+      <a:lightRig rig="threePt" dir="t"/>
+    </dgm:scene3d>
+    <dgm:sp3d/>
+    <dgm:txPr/>
+    <dgm:style>
+      <a:lnRef idx="2">
+        <a:scrgbClr r="0" g="0" b="0"/>
+      </a:lnRef>
+      <a:fillRef idx="1">
+        <a:scrgbClr r="0" g="0" b="0"/>
+      </a:fillRef>
+      <a:effectRef idx="0">
+        <a:scrgbClr r="0" g="0" b="0"/>
+      </a:effectRef>
+      <a:fontRef idx="minor"/>
+    </dgm:style>
+  </dgm:styleLbl>
+  <dgm:styleLbl name="alignAcc1">
+    <dgm:scene3d>
+      <a:camera prst="orthographicFront"/>
+      <a:lightRig rig="threePt" dir="t"/>
+    </dgm:scene3d>
+    <dgm:sp3d/>
+    <dgm:txPr/>
+    <dgm:style>
+      <a:lnRef idx="2">
+        <a:scrgbClr r="0" g="0" b="0"/>
+      </a:lnRef>
+      <a:fillRef idx="1">
+        <a:scrgbClr r="0" g="0" b="0"/>
+      </a:fillRef>
+      <a:effectRef idx="0">
+        <a:scrgbClr r="0" g="0" b="0"/>
+      </a:effectRef>
+      <a:fontRef idx="minor"/>
+    </dgm:style>
+  </dgm:styleLbl>
+  <dgm:styleLbl name="trAlignAcc1">
+    <dgm:scene3d>
+      <a:camera prst="orthographicFront"/>
+      <a:lightRig rig="threePt" dir="t"/>
+    </dgm:scene3d>
+    <dgm:sp3d/>
+    <dgm:txPr/>
+    <dgm:style>
+      <a:lnRef idx="1">
+        <a:scrgbClr r="0" g="0" b="0"/>
+      </a:lnRef>
+      <a:fillRef idx="1">
+        <a:scrgbClr r="0" g="0" b="0"/>
+      </a:fillRef>
+      <a:effectRef idx="0">
+        <a:scrgbClr r="0" g="0" b="0"/>
+      </a:effectRef>
+      <a:fontRef idx="minor"/>
+    </dgm:style>
+  </dgm:styleLbl>
+  <dgm:styleLbl name="bgAcc1">
+    <dgm:scene3d>
+      <a:camera prst="orthographicFront"/>
+      <a:lightRig rig="threePt" dir="t"/>
+    </dgm:scene3d>
+    <dgm:sp3d/>
+    <dgm:txPr/>
+    <dgm:style>
+      <a:lnRef idx="2">
+        <a:scrgbClr r="0" g="0" b="0"/>
+      </a:lnRef>
+      <a:fillRef idx="1">
+        <a:scrgbClr r="0" g="0" b="0"/>
+      </a:fillRef>
+      <a:effectRef idx="0">
+        <a:scrgbClr r="0" g="0" b="0"/>
+      </a:effectRef>
+      <a:fontRef idx="minor"/>
+    </dgm:style>
+  </dgm:styleLbl>
+  <dgm:styleLbl name="solidFgAcc1">
+    <dgm:scene3d>
+      <a:camera prst="orthographicFront"/>
+      <a:lightRig rig="threePt" dir="t"/>
+    </dgm:scene3d>
+    <dgm:sp3d/>
+    <dgm:txPr/>
+    <dgm:style>
+      <a:lnRef idx="2">
+        <a:scrgbClr r="0" g="0" b="0"/>
+      </a:lnRef>
+      <a:fillRef idx="1">
+        <a:scrgbClr r="0" g="0" b="0"/>
+      </a:fillRef>
+      <a:effectRef idx="0">
+        <a:scrgbClr r="0" g="0" b="0"/>
+      </a:effectRef>
+      <a:fontRef idx="minor"/>
+    </dgm:style>
+  </dgm:styleLbl>
+  <dgm:styleLbl name="solidAlignAcc1">
+    <dgm:scene3d>
+      <a:camera prst="orthographicFront"/>
+      <a:lightRig rig="threePt" dir="t"/>
+    </dgm:scene3d>
+    <dgm:sp3d/>
+    <dgm:txPr/>
+    <dgm:style>
+      <a:lnRef idx="2">
+        <a:scrgbClr r="0" g="0" b="0"/>
+      </a:lnRef>
+      <a:fillRef idx="1">
+        <a:scrgbClr r="0" g="0" b="0"/>
+      </a:fillRef>
+      <a:effectRef idx="0">
+        <a:scrgbClr r="0" g="0" b="0"/>
+      </a:effectRef>
+      <a:fontRef idx="minor"/>
+    </dgm:style>
+  </dgm:styleLbl>
+  <dgm:styleLbl name="solidBgAcc1">
+    <dgm:scene3d>
+      <a:camera prst="orthographicFront"/>
+      <a:lightRig rig="threePt" dir="t"/>
+    </dgm:scene3d>
+    <dgm:sp3d/>
+    <dgm:txPr/>
+    <dgm:style>
+      <a:lnRef idx="2">
+        <a:scrgbClr r="0" g="0" b="0"/>
+      </a:lnRef>
+      <a:fillRef idx="1">
+        <a:scrgbClr r="0" g="0" b="0"/>
+      </a:fillRef>
+      <a:effectRef idx="0">
+        <a:scrgbClr r="0" g="0" b="0"/>
+      </a:effectRef>
+      <a:fontRef idx="minor"/>
+    </dgm:style>
+  </dgm:styleLbl>
+  <dgm:styleLbl name="fgAccFollowNode1">
+    <dgm:scene3d>
+      <a:camera prst="orthographicFront"/>
+      <a:lightRig rig="threePt" dir="t"/>
+    </dgm:scene3d>
+    <dgm:sp3d/>
+    <dgm:txPr/>
+    <dgm:style>
+      <a:lnRef idx="2">
+        <a:scrgbClr r="0" g="0" b="0"/>
+      </a:lnRef>
+      <a:fillRef idx="1">
+        <a:scrgbClr r="0" g="0" b="0"/>
+      </a:fillRef>
+      <a:effectRef idx="0">
+        <a:scrgbClr r="0" g="0" b="0"/>
+      </a:effectRef>
+      <a:fontRef idx="minor"/>
+    </dgm:style>
+  </dgm:styleLbl>
+  <dgm:styleLbl name="alignAccFollowNode1">
+    <dgm:scene3d>
+      <a:camera prst="orthographicFront"/>
+      <a:lightRig rig="threePt" dir="t"/>
+    </dgm:scene3d>
+    <dgm:sp3d/>
+    <dgm:txPr/>
+    <dgm:style>
+      <a:lnRef idx="2">
+        <a:scrgbClr r="0" g="0" b="0"/>
+      </a:lnRef>
+      <a:fillRef idx="1">
+        <a:scrgbClr r="0" g="0" b="0"/>
+      </a:fillRef>
+      <a:effectRef idx="0">
+        <a:scrgbClr r="0" g="0" b="0"/>
+      </a:effectRef>
+      <a:fontRef idx="minor"/>
+    </dgm:style>
+  </dgm:styleLbl>
+  <dgm:styleLbl name="bgAccFollowNode1">
+    <dgm:scene3d>
+      <a:camera prst="orthographicFront"/>
+      <a:lightRig rig="threePt" dir="t"/>
+    </dgm:scene3d>
+    <dgm:sp3d/>
+    <dgm:txPr/>
+    <dgm:style>
+      <a:lnRef idx="2">
+        <a:scrgbClr r="0" g="0" b="0"/>
+      </a:lnRef>
+      <a:fillRef idx="1">
+        <a:scrgbClr r="0" g="0" b="0"/>
+      </a:fillRef>
+      <a:effectRef idx="0">
+        <a:scrgbClr r="0" g="0" b="0"/>
+      </a:effectRef>
+      <a:fontRef idx="minor"/>
+    </dgm:style>
+  </dgm:styleLbl>
+  <dgm:styleLbl name="fgAcc0">
+    <dgm:scene3d>
+      <a:camera prst="orthographicFront"/>
+      <a:lightRig rig="threePt" dir="t"/>
+    </dgm:scene3d>
+    <dgm:sp3d/>
+    <dgm:txPr/>
+    <dgm:style>
+      <a:lnRef idx="2">
+        <a:scrgbClr r="0" g="0" b="0"/>
+      </a:lnRef>
+      <a:fillRef idx="1">
+        <a:scrgbClr r="0" g="0" b="0"/>
+      </a:fillRef>
+      <a:effectRef idx="0">
+        <a:scrgbClr r="0" g="0" b="0"/>
+      </a:effectRef>
+      <a:fontRef idx="minor"/>
+    </dgm:style>
+  </dgm:styleLbl>
+  <dgm:styleLbl name="fgAcc2">
+    <dgm:scene3d>
+      <a:camera prst="orthographicFront"/>
+      <a:lightRig rig="threePt" dir="t"/>
+    </dgm:scene3d>
+    <dgm:sp3d/>
+    <dgm:txPr/>
+    <dgm:style>
+      <a:lnRef idx="2">
+        <a:scrgbClr r="0" g="0" b="0"/>
+      </a:lnRef>
+      <a:fillRef idx="1">
+        <a:scrgbClr r="0" g="0" b="0"/>
+      </a:fillRef>
+      <a:effectRef idx="0">
+        <a:scrgbClr r="0" g="0" b="0"/>
+      </a:effectRef>
+      <a:fontRef idx="minor"/>
+    </dgm:style>
+  </dgm:styleLbl>
+  <dgm:styleLbl name="fgAcc3">
+    <dgm:scene3d>
+      <a:camera prst="orthographicFront"/>
+      <a:lightRig rig="threePt" dir="t"/>
+    </dgm:scene3d>
+    <dgm:sp3d/>
+    <dgm:txPr/>
+    <dgm:style>
+      <a:lnRef idx="2">
+        <a:scrgbClr r="0" g="0" b="0"/>
+      </a:lnRef>
+      <a:fillRef idx="1">
+        <a:scrgbClr r="0" g="0" b="0"/>
+      </a:fillRef>
+      <a:effectRef idx="0">
+        <a:scrgbClr r="0" g="0" b="0"/>
+      </a:effectRef>
+      <a:fontRef idx="minor"/>
+    </dgm:style>
+  </dgm:styleLbl>
+  <dgm:styleLbl name="fgAcc4">
+    <dgm:scene3d>
+      <a:camera prst="orthographicFront"/>
+      <a:lightRig rig="threePt" dir="t"/>
+    </dgm:scene3d>
+    <dgm:sp3d/>
+    <dgm:txPr/>
+    <dgm:style>
+      <a:lnRef idx="2">
+        <a:scrgbClr r="0" g="0" b="0"/>
+      </a:lnRef>
+      <a:fillRef idx="1">
+        <a:scrgbClr r="0" g="0" b="0"/>
+      </a:fillRef>
+      <a:effectRef idx="0">
+        <a:scrgbClr r="0" g="0" b="0"/>
+      </a:effectRef>
+      <a:fontRef idx="minor"/>
+    </dgm:style>
+  </dgm:styleLbl>
+  <dgm:styleLbl name="bgShp">
+    <dgm:scene3d>
+      <a:camera prst="orthographicFront"/>
+      <a:lightRig rig="threePt" dir="t"/>
+    </dgm:scene3d>
+    <dgm:sp3d/>
+    <dgm:txPr/>
+    <dgm:style>
+      <a:lnRef idx="0">
+        <a:scrgbClr r="0" g="0" b="0"/>
+      </a:lnRef>
+      <a:fillRef idx="1">
+        <a:scrgbClr r="0" g="0" b="0"/>
+      </a:fillRef>
+      <a:effectRef idx="0">
+        <a:scrgbClr r="0" g="0" b="0"/>
+      </a:effectRef>
+      <a:fontRef idx="minor"/>
+    </dgm:style>
+  </dgm:styleLbl>
+  <dgm:styleLbl name="dkBgShp">
+    <dgm:scene3d>
+      <a:camera prst="orthographicFront"/>
+      <a:lightRig rig="threePt" dir="t"/>
+    </dgm:scene3d>
+    <dgm:sp3d/>
+    <dgm:txPr/>
+    <dgm:style>
+      <a:lnRef idx="0">
+        <a:scrgbClr r="0" g="0" b="0"/>
+      </a:lnRef>
+      <a:fillRef idx="1">
+        <a:scrgbClr r="0" g="0" b="0"/>
+      </a:fillRef>
+      <a:effectRef idx="0">
+        <a:scrgbClr r="0" g="0" b="0"/>
+      </a:effectRef>
+      <a:fontRef idx="minor"/>
+    </dgm:style>
+  </dgm:styleLbl>
+  <dgm:styleLbl name="trBgShp">
+    <dgm:scene3d>
+      <a:camera prst="orthographicFront"/>
+      <a:lightRig rig="threePt" dir="t"/>
+    </dgm:scene3d>
+    <dgm:sp3d/>
+    <dgm:txPr/>
+    <dgm:style>
+      <a:lnRef idx="0">
+        <a:scrgbClr r="0" g="0" b="0"/>
+      </a:lnRef>
+      <a:fillRef idx="1">
+        <a:scrgbClr r="0" g="0" b="0"/>
+      </a:fillRef>
+      <a:effectRef idx="0">
+        <a:scrgbClr r="0" g="0" b="0"/>
+      </a:effectRef>
+      <a:fontRef idx="minor"/>
+    </dgm:style>
+  </dgm:styleLbl>
+  <dgm:styleLbl name="fgShp">
+    <dgm:scene3d>
+      <a:camera prst="orthographicFront"/>
+      <a:lightRig rig="threePt" dir="t"/>
+    </dgm:scene3d>
+    <dgm:sp3d/>
+    <dgm:txPr/>
+    <dgm:style>
+      <a:lnRef idx="2">
+        <a:scrgbClr r="0" g="0" b="0"/>
+      </a:lnRef>
+      <a:fillRef idx="1">
+        <a:scrgbClr r="0" g="0" b="0"/>
+      </a:fillRef>
+      <a:effectRef idx="0">
+        <a:scrgbClr r="0" g="0" b="0"/>
+      </a:effectRef>
+      <a:fontRef idx="minor"/>
+    </dgm:style>
+  </dgm:styleLbl>
+  <dgm:styleLbl name="revTx">
+    <dgm:scene3d>
+      <a:camera prst="orthographicFront"/>
+      <a:lightRig rig="threePt" dir="t"/>
+    </dgm:scene3d>
+    <dgm:sp3d/>
+    <dgm:txPr/>
+    <dgm:style>
+      <a:lnRef idx="0">
+        <a:scrgbClr r="0" g="0" b="0"/>
+      </a:lnRef>
+      <a:fillRef idx="0">
+        <a:scrgbClr r="0" g="0" b="0"/>
+      </a:fillRef>
+      <a:effectRef idx="0">
+        <a:scrgbClr r="0" g="0" b="0"/>
+      </a:effectRef>
+      <a:fontRef idx="minor"/>
+    </dgm:style>
+  </dgm:styleLbl>
+</dgm:styleDef>
 </file>
 
 <file path=ppt/notesMasters/notesMaster1.xml><?xml version="1.0" encoding="utf-8"?>
@@ -9762,13 +12461,13 @@
   <p:clrMapOvr>
     <a:masterClrMapping/>
   </p:clrMapOvr>
-  <mc:AlternateContent xmlns:mc="http://schemas.openxmlformats.org/markup-compatibility/2006">
-    <mc:Choice xmlns:p159="http://schemas.microsoft.com/office/powerpoint/2015/09/main" Requires="p159">
+  <mc:AlternateContent xmlns:mc="http://schemas.openxmlformats.org/markup-compatibility/2006" xmlns:p159="http://schemas.microsoft.com/office/powerpoint/2015/09/main">
+    <mc:Choice Requires="p159">
       <p:transition xmlns:p14="http://schemas.microsoft.com/office/powerpoint/2010/main" p14:dur="300">
         <p159:morph option="byObject"/>
       </p:transition>
     </mc:Choice>
-    <mc:Fallback>
+    <mc:Fallback xmlns="">
       <p:transition>
         <p:fade/>
       </p:transition>
@@ -9778,6 +12477,175 @@
 </file>
 
 <file path=ppt/slides/slide10.xml><?xml version="1.0" encoding="utf-8"?>
+<p:sld xmlns:a="http://schemas.openxmlformats.org/drawingml/2006/main" xmlns:r="http://schemas.openxmlformats.org/officeDocument/2006/relationships" xmlns:p="http://schemas.openxmlformats.org/presentationml/2006/main">
+  <p:cSld>
+    <p:spTree>
+      <p:nvGrpSpPr>
+        <p:cNvPr id="1" name=""/>
+        <p:cNvGrpSpPr/>
+        <p:nvPr/>
+      </p:nvGrpSpPr>
+      <p:grpSpPr>
+        <a:xfrm>
+          <a:off x="0" y="0"/>
+          <a:ext cx="0" cy="0"/>
+          <a:chOff x="0" y="0"/>
+          <a:chExt cx="0" cy="0"/>
+        </a:xfrm>
+      </p:grpSpPr>
+      <p:sp>
+        <p:nvSpPr>
+          <p:cNvPr id="11" name="Title 10">
+            <a:extLst>
+              <a:ext uri="{FF2B5EF4-FFF2-40B4-BE49-F238E27FC236}">
+                <a16:creationId xmlns:a16="http://schemas.microsoft.com/office/drawing/2014/main" id="{8381F386-2CA3-4700-9107-A7CB73797E11}"/>
+              </a:ext>
+            </a:extLst>
+          </p:cNvPr>
+          <p:cNvSpPr>
+            <a:spLocks noGrp="1"/>
+          </p:cNvSpPr>
+          <p:nvPr>
+            <p:ph type="title"/>
+          </p:nvPr>
+        </p:nvSpPr>
+        <p:spPr>
+          <a:xfrm>
+            <a:off x="243840" y="2191825"/>
+            <a:ext cx="11704320" cy="2220821"/>
+          </a:xfrm>
+        </p:spPr>
+        <p:txBody>
+          <a:bodyPr>
+            <a:normAutofit/>
+          </a:bodyPr>
+          <a:lstStyle/>
+          <a:p>
+            <a:pPr algn="ctr"/>
+            <a:r>
+              <a:rPr lang="en-US" sz="4000" dirty="0"/>
+              <a:t>The core of this is open-source</a:t>
+            </a:r>
+          </a:p>
+        </p:txBody>
+      </p:sp>
+      <p:sp>
+        <p:nvSpPr>
+          <p:cNvPr id="4" name="Title 10">
+            <a:extLst>
+              <a:ext uri="{FF2B5EF4-FFF2-40B4-BE49-F238E27FC236}">
+                <a16:creationId xmlns:a16="http://schemas.microsoft.com/office/drawing/2014/main" id="{328BC537-038D-454C-8722-FA777F723155}"/>
+              </a:ext>
+            </a:extLst>
+          </p:cNvPr>
+          <p:cNvSpPr txBox="1">
+            <a:spLocks/>
+          </p:cNvSpPr>
+          <p:nvPr/>
+        </p:nvSpPr>
+        <p:spPr>
+          <a:xfrm>
+            <a:off x="243840" y="4733747"/>
+            <a:ext cx="11704320" cy="862944"/>
+          </a:xfrm>
+          <a:prstGeom prst="rect">
+            <a:avLst/>
+          </a:prstGeom>
+        </p:spPr>
+        <p:txBody>
+          <a:bodyPr vert="horz" lIns="91440" tIns="45720" rIns="91440" bIns="45720" rtlCol="0" anchor="ctr">
+            <a:normAutofit/>
+          </a:bodyPr>
+          <a:lstStyle>
+            <a:lvl1pPr algn="l" defTabSz="914400" rtl="0" eaLnBrk="1" latinLnBrk="0" hangingPunct="1">
+              <a:lnSpc>
+                <a:spcPct val="100000"/>
+              </a:lnSpc>
+              <a:spcBef>
+                <a:spcPct val="0"/>
+              </a:spcBef>
+              <a:buNone/>
+              <a:defRPr sz="2400" b="1" kern="1200" cap="none" baseline="0">
+                <a:solidFill>
+                  <a:schemeClr val="bg1"/>
+                </a:solidFill>
+                <a:latin typeface="+mj-lt"/>
+                <a:ea typeface="+mj-ea"/>
+                <a:cs typeface="+mj-cs"/>
+              </a:defRPr>
+            </a:lvl1pPr>
+          </a:lstStyle>
+          <a:p>
+            <a:pPr algn="ctr"/>
+            <a:r>
+              <a:rPr lang="en-US" sz="2800" dirty="0">
+                <a:latin typeface="Consolas" panose="020B0609020204030204" pitchFamily="49" charset="0"/>
+              </a:rPr>
+              <a:t>pip install </a:t>
+            </a:r>
+            <a:r>
+              <a:rPr lang="en-US" sz="2800" dirty="0" err="1">
+                <a:latin typeface="Consolas" panose="020B0609020204030204" pitchFamily="49" charset="0"/>
+              </a:rPr>
+              <a:t>gramex</a:t>
+            </a:r>
+            <a:endParaRPr lang="en-US" sz="2800" dirty="0">
+              <a:latin typeface="Consolas" panose="020B0609020204030204" pitchFamily="49" charset="0"/>
+            </a:endParaRPr>
+          </a:p>
+        </p:txBody>
+      </p:sp>
+      <p:sp>
+        <p:nvSpPr>
+          <p:cNvPr id="3" name="Text Placeholder 2">
+            <a:extLst>
+              <a:ext uri="{FF2B5EF4-FFF2-40B4-BE49-F238E27FC236}">
+                <a16:creationId xmlns:a16="http://schemas.microsoft.com/office/drawing/2014/main" id="{B67BDA3F-6A07-4B85-B994-03778FEE7BAD}"/>
+              </a:ext>
+            </a:extLst>
+          </p:cNvPr>
+          <p:cNvSpPr>
+            <a:spLocks noGrp="1"/>
+          </p:cNvSpPr>
+          <p:nvPr>
+            <p:ph type="body" sz="quarter" idx="20"/>
+          </p:nvPr>
+        </p:nvSpPr>
+        <p:spPr/>
+        <p:txBody>
+          <a:bodyPr/>
+          <a:lstStyle/>
+          <a:p>
+            <a:endParaRPr lang="en-US"/>
+          </a:p>
+        </p:txBody>
+      </p:sp>
+    </p:spTree>
+    <p:extLst>
+      <p:ext uri="{BB962C8B-B14F-4D97-AF65-F5344CB8AC3E}">
+        <p14:creationId xmlns:p14="http://schemas.microsoft.com/office/powerpoint/2010/main" val="2275617073"/>
+      </p:ext>
+    </p:extLst>
+  </p:cSld>
+  <p:clrMapOvr>
+    <a:masterClrMapping/>
+  </p:clrMapOvr>
+  <mc:AlternateContent xmlns:mc="http://schemas.openxmlformats.org/markup-compatibility/2006" xmlns:p159="http://schemas.microsoft.com/office/powerpoint/2015/09/main">
+    <mc:Choice Requires="p159">
+      <p:transition xmlns:p14="http://schemas.microsoft.com/office/powerpoint/2010/main" p14:dur="300">
+        <p159:morph option="byObject"/>
+      </p:transition>
+    </mc:Choice>
+    <mc:Fallback xmlns="">
+      <p:transition>
+        <p:fade/>
+      </p:transition>
+    </mc:Fallback>
+  </mc:AlternateContent>
+</p:sld>
+</file>
+
+<file path=ppt/slides/slide11.xml><?xml version="1.0" encoding="utf-8"?>
 <p:sld xmlns:a="http://schemas.openxmlformats.org/drawingml/2006/main" xmlns:r="http://schemas.openxmlformats.org/officeDocument/2006/relationships" xmlns:p="http://schemas.openxmlformats.org/presentationml/2006/main">
   <p:cSld>
     <p:spTree>
@@ -10876,13 +13744,13 @@
   <p:clrMapOvr>
     <a:masterClrMapping/>
   </p:clrMapOvr>
-  <mc:AlternateContent xmlns:mc="http://schemas.openxmlformats.org/markup-compatibility/2006">
-    <mc:Choice xmlns:p159="http://schemas.microsoft.com/office/powerpoint/2015/09/main" Requires="p159">
+  <mc:AlternateContent xmlns:mc="http://schemas.openxmlformats.org/markup-compatibility/2006" xmlns:p159="http://schemas.microsoft.com/office/powerpoint/2015/09/main">
+    <mc:Choice Requires="p159">
       <p:transition xmlns:p14="http://schemas.microsoft.com/office/powerpoint/2010/main" p14:dur="300">
         <p159:morph option="byObject"/>
       </p:transition>
     </mc:Choice>
-    <mc:Fallback>
+    <mc:Fallback xmlns="">
       <p:transition>
         <p:fade/>
       </p:transition>
@@ -10891,7 +13759,7 @@
 </p:sld>
 </file>
 
-<file path=ppt/slides/slide11.xml><?xml version="1.0" encoding="utf-8"?>
+<file path=ppt/slides/slide12.xml><?xml version="1.0" encoding="utf-8"?>
 <p:sld xmlns:a="http://schemas.openxmlformats.org/drawingml/2006/main" xmlns:r="http://schemas.openxmlformats.org/officeDocument/2006/relationships" xmlns:p="http://schemas.openxmlformats.org/presentationml/2006/main">
   <p:cSld>
     <p:spTree>
@@ -10985,8 +13853,13 @@
           <a:p>
             <a:r>
               <a:rPr lang="en-US" dirty="0"/>
-              <a:t>Let’s take a look at a simple example</a:t>
-            </a:r>
+              <a:t>Let’s take a look at a simple example: bit.ly/</a:t>
+            </a:r>
+            <a:r>
+              <a:rPr lang="en-US" dirty="0" err="1"/>
+              <a:t>pyconpptlab</a:t>
+            </a:r>
+            <a:endParaRPr lang="en-US" dirty="0"/>
           </a:p>
         </p:txBody>
       </p:sp>
@@ -11230,6 +14103,7 @@
                 </a:solidFill>
                 <a:effectLst/>
                 <a:cs typeface="Open Sans" panose="020B0606030504020204" pitchFamily="34" charset="0"/>
+                <a:hlinkClick r:id="rId4"/>
               </a:rPr>
               <a:t>Demo</a:t>
             </a:r>
@@ -11256,7 +14130,7 @@
                 </a:solidFill>
                 <a:effectLst/>
                 <a:cs typeface="Open Sans" panose="020B0606030504020204" pitchFamily="34" charset="0"/>
-                <a:hlinkClick r:id="rId4"/>
+                <a:hlinkClick r:id="rId5"/>
               </a:rPr>
               <a:t>Automate certificates in PowerPoint with </a:t>
             </a:r>
@@ -11271,7 +14145,7 @@
                 <a:effectLst/>
                 <a:latin typeface="Consolas" panose="020B0609020204030204" pitchFamily="49" charset="0"/>
                 <a:cs typeface="Open Sans" panose="020B0606030504020204" pitchFamily="34" charset="0"/>
-                <a:hlinkClick r:id="rId4"/>
+                <a:hlinkClick r:id="rId5"/>
               </a:rPr>
               <a:t>slidesense</a:t>
             </a:r>
@@ -11396,7 +14270,7 @@
                 </a:solidFill>
                 <a:effectLst/>
                 <a:cs typeface="Open Sans" panose="020B0606030504020204" pitchFamily="34" charset="0"/>
-                <a:hlinkClick r:id="rId5"/>
+                <a:hlinkClick r:id="rId6"/>
               </a:rPr>
               <a:t>Google </a:t>
             </a:r>
@@ -11410,7 +14284,7 @@
                 </a:solidFill>
                 <a:effectLst/>
                 <a:cs typeface="Open Sans" panose="020B0606030504020204" pitchFamily="34" charset="0"/>
-                <a:hlinkClick r:id="rId5"/>
+                <a:hlinkClick r:id="rId6"/>
               </a:rPr>
               <a:t>Colab</a:t>
             </a:r>
@@ -11496,7 +14370,7 @@
                 </a:solidFill>
                 <a:effectLst/>
                 <a:cs typeface="Open Sans" panose="020B0606030504020204" pitchFamily="34" charset="0"/>
-                <a:hlinkClick r:id="rId4"/>
+                <a:hlinkClick r:id="rId5"/>
               </a:rPr>
               <a:t>automate certificates in PowerPoint with </a:t>
             </a:r>
@@ -11510,7 +14384,7 @@
                 </a:solidFill>
                 <a:effectLst/>
                 <a:cs typeface="Open Sans" panose="020B0606030504020204" pitchFamily="34" charset="0"/>
-                <a:hlinkClick r:id="rId4"/>
+                <a:hlinkClick r:id="rId5"/>
               </a:rPr>
               <a:t>slidesense</a:t>
             </a:r>
@@ -11610,7 +14484,7 @@
                 </a:solidFill>
                 <a:effectLst/>
                 <a:cs typeface="Open Sans" panose="020B0606030504020204" pitchFamily="34" charset="0"/>
-                <a:hlinkClick r:id="rId6"/>
+                <a:hlinkClick r:id="rId7"/>
               </a:rPr>
               <a:t>Create certificates using the Python API</a:t>
             </a:r>
@@ -11688,7 +14562,7 @@
                 </a:solidFill>
                 <a:effectLst/>
                 <a:cs typeface="Open Sans" panose="020B0606030504020204" pitchFamily="34" charset="0"/>
-                <a:hlinkClick r:id="rId7"/>
+                <a:hlinkClick r:id="rId8"/>
               </a:rPr>
               <a:t>Shifting causes of death</a:t>
             </a:r>
@@ -11822,7 +14696,7 @@
                 </a:solidFill>
                 <a:effectLst/>
                 <a:cs typeface="Open Sans" panose="020B0606030504020204" pitchFamily="34" charset="0"/>
-                <a:hlinkClick r:id="rId7"/>
+                <a:hlinkClick r:id="rId8"/>
               </a:rPr>
               <a:t>shifting causes of death</a:t>
             </a:r>
@@ -11905,7 +14779,7 @@
                 </a:solidFill>
                 <a:effectLst/>
                 <a:cs typeface="Open Sans" panose="020B0606030504020204" pitchFamily="34" charset="0"/>
-                <a:hlinkClick r:id="rId8"/>
+                <a:hlinkClick r:id="rId9"/>
               </a:rPr>
               <a:t>Contest &amp; </a:t>
             </a:r>
@@ -11915,7 +14789,7 @@
                   <a:srgbClr val="333333"/>
                 </a:solidFill>
                 <a:cs typeface="Open Sans" panose="020B0606030504020204" pitchFamily="34" charset="0"/>
-                <a:hlinkClick r:id="rId8"/>
+                <a:hlinkClick r:id="rId9"/>
               </a:rPr>
               <a:t>workshop</a:t>
             </a:r>
@@ -11990,13 +14864,13 @@
   <p:clrMapOvr>
     <a:masterClrMapping/>
   </p:clrMapOvr>
-  <mc:AlternateContent xmlns:mc="http://schemas.openxmlformats.org/markup-compatibility/2006">
-    <mc:Choice xmlns:p159="http://schemas.microsoft.com/office/powerpoint/2015/09/main" Requires="p159">
+  <mc:AlternateContent xmlns:mc="http://schemas.openxmlformats.org/markup-compatibility/2006" xmlns:p159="http://schemas.microsoft.com/office/powerpoint/2015/09/main">
+    <mc:Choice Requires="p159">
       <p:transition xmlns:p14="http://schemas.microsoft.com/office/powerpoint/2010/main" p14:dur="300">
         <p159:morph option="byObject"/>
       </p:transition>
     </mc:Choice>
-    <mc:Fallback>
+    <mc:Fallback xmlns="">
       <p:transition>
         <p:fade/>
       </p:transition>
@@ -12005,7 +14879,7 @@
 </p:sld>
 </file>
 
-<file path=ppt/slides/slide12.xml><?xml version="1.0" encoding="utf-8"?>
+<file path=ppt/slides/slide13.xml><?xml version="1.0" encoding="utf-8"?>
 <p:sld xmlns:a="http://schemas.openxmlformats.org/drawingml/2006/main" xmlns:r="http://schemas.openxmlformats.org/officeDocument/2006/relationships" xmlns:p="http://schemas.openxmlformats.org/presentationml/2006/main">
   <p:cSld>
     <p:spTree>
@@ -13109,13 +15983,13 @@
   <p:clrMapOvr>
     <a:masterClrMapping/>
   </p:clrMapOvr>
-  <mc:AlternateContent xmlns:mc="http://schemas.openxmlformats.org/markup-compatibility/2006">
-    <mc:Choice xmlns:p159="http://schemas.microsoft.com/office/powerpoint/2015/09/main" Requires="p159">
+  <mc:AlternateContent xmlns:mc="http://schemas.openxmlformats.org/markup-compatibility/2006" xmlns:p159="http://schemas.microsoft.com/office/powerpoint/2015/09/main">
+    <mc:Choice Requires="p159">
       <p:transition xmlns:p14="http://schemas.microsoft.com/office/powerpoint/2010/main" p14:dur="300">
         <p159:morph option="byObject"/>
       </p:transition>
     </mc:Choice>
-    <mc:Fallback>
+    <mc:Fallback xmlns="">
       <p:transition>
         <p:fade/>
       </p:transition>
@@ -13124,7 +15998,7 @@
 </p:sld>
 </file>
 
-<file path=ppt/slides/slide13.xml><?xml version="1.0" encoding="utf-8"?>
+<file path=ppt/slides/slide14.xml><?xml version="1.0" encoding="utf-8"?>
 <p:sld xmlns:a="http://schemas.openxmlformats.org/drawingml/2006/main" xmlns:r="http://schemas.openxmlformats.org/officeDocument/2006/relationships" xmlns:p="http://schemas.openxmlformats.org/presentationml/2006/main">
   <p:cSld>
     <p:spTree>
@@ -14231,13 +17105,13 @@
   <p:clrMapOvr>
     <a:masterClrMapping/>
   </p:clrMapOvr>
-  <mc:AlternateContent xmlns:mc="http://schemas.openxmlformats.org/markup-compatibility/2006">
-    <mc:Choice xmlns:p159="http://schemas.microsoft.com/office/powerpoint/2015/09/main" Requires="p159">
+  <mc:AlternateContent xmlns:mc="http://schemas.openxmlformats.org/markup-compatibility/2006" xmlns:p159="http://schemas.microsoft.com/office/powerpoint/2015/09/main">
+    <mc:Choice Requires="p159">
       <p:transition xmlns:p14="http://schemas.microsoft.com/office/powerpoint/2010/main" p14:dur="300">
         <p159:morph option="byObject"/>
       </p:transition>
     </mc:Choice>
-    <mc:Fallback>
+    <mc:Fallback xmlns="">
       <p:transition>
         <p:fade/>
       </p:transition>
@@ -14246,7 +17120,7 @@
 </p:sld>
 </file>
 
-<file path=ppt/slides/slide14.xml><?xml version="1.0" encoding="utf-8"?>
+<file path=ppt/slides/slide15.xml><?xml version="1.0" encoding="utf-8"?>
 <p:sld xmlns:a="http://schemas.openxmlformats.org/drawingml/2006/main" xmlns:r="http://schemas.openxmlformats.org/officeDocument/2006/relationships" xmlns:p="http://schemas.openxmlformats.org/presentationml/2006/main">
   <p:cSld>
     <p:spTree>
@@ -14315,7 +17189,7 @@
             <a:fld id="{E08A2EAE-61F0-4E80-AF13-6C345B2B49E7}" type="slidenum">
               <a:rPr lang="en-US" smtClean="0"/>
               <a:pPr/>
-              <a:t>14</a:t>
+              <a:t>15</a:t>
             </a:fld>
             <a:endParaRPr lang="en-US" dirty="0"/>
           </a:p>
@@ -15174,13 +18048,13 @@
   <p:clrMapOvr>
     <a:masterClrMapping/>
   </p:clrMapOvr>
-  <mc:AlternateContent xmlns:mc="http://schemas.openxmlformats.org/markup-compatibility/2006">
-    <mc:Choice xmlns:p159="http://schemas.microsoft.com/office/powerpoint/2015/09/main" Requires="p159">
+  <mc:AlternateContent xmlns:mc="http://schemas.openxmlformats.org/markup-compatibility/2006" xmlns:p159="http://schemas.microsoft.com/office/powerpoint/2015/09/main">
+    <mc:Choice Requires="p159">
       <p:transition xmlns:p14="http://schemas.microsoft.com/office/powerpoint/2010/main" p14:dur="300">
         <p159:morph option="byObject"/>
       </p:transition>
     </mc:Choice>
-    <mc:Fallback>
+    <mc:Fallback xmlns="">
       <p:transition>
         <p:fade/>
       </p:transition>
@@ -15189,7 +18063,7 @@
 </p:sld>
 </file>
 
-<file path=ppt/slides/slide15.xml><?xml version="1.0" encoding="utf-8"?>
+<file path=ppt/slides/slide16.xml><?xml version="1.0" encoding="utf-8"?>
 <p:sld xmlns:a="http://schemas.openxmlformats.org/drawingml/2006/main" xmlns:r="http://schemas.openxmlformats.org/officeDocument/2006/relationships" xmlns:p="http://schemas.openxmlformats.org/presentationml/2006/main">
   <p:cSld>
     <p:spTree>
@@ -16293,13 +19167,13 @@
   <p:clrMapOvr>
     <a:masterClrMapping/>
   </p:clrMapOvr>
-  <mc:AlternateContent xmlns:mc="http://schemas.openxmlformats.org/markup-compatibility/2006">
-    <mc:Choice xmlns:p159="http://schemas.microsoft.com/office/powerpoint/2015/09/main" Requires="p159">
+  <mc:AlternateContent xmlns:mc="http://schemas.openxmlformats.org/markup-compatibility/2006" xmlns:p159="http://schemas.microsoft.com/office/powerpoint/2015/09/main">
+    <mc:Choice Requires="p159">
       <p:transition xmlns:p14="http://schemas.microsoft.com/office/powerpoint/2010/main" p14:dur="300">
         <p159:morph option="byObject"/>
       </p:transition>
     </mc:Choice>
-    <mc:Fallback>
+    <mc:Fallback xmlns="">
       <p:transition>
         <p:fade/>
       </p:transition>
@@ -16308,7 +19182,7 @@
 </p:sld>
 </file>
 
-<file path=ppt/slides/slide16.xml><?xml version="1.0" encoding="utf-8"?>
+<file path=ppt/slides/slide17.xml><?xml version="1.0" encoding="utf-8"?>
 <p:sld xmlns:a="http://schemas.openxmlformats.org/drawingml/2006/main" xmlns:r="http://schemas.openxmlformats.org/officeDocument/2006/relationships" xmlns:p="http://schemas.openxmlformats.org/presentationml/2006/main">
   <p:cSld>
     <p:spTree>
@@ -16374,7 +19248,7 @@
             <a:fld id="{E08A2EAE-61F0-4E80-AF13-6C345B2B49E7}" type="slidenum">
               <a:rPr lang="en-US" smtClean="0"/>
               <a:pPr/>
-              <a:t>16</a:t>
+              <a:t>17</a:t>
             </a:fld>
             <a:endParaRPr lang="en-US" dirty="0"/>
           </a:p>
@@ -26302,13 +29176,13 @@
   <p:clrMapOvr>
     <a:masterClrMapping/>
   </p:clrMapOvr>
-  <mc:AlternateContent xmlns:mc="http://schemas.openxmlformats.org/markup-compatibility/2006">
-    <mc:Choice xmlns:p159="http://schemas.microsoft.com/office/powerpoint/2015/09/main" Requires="p159">
+  <mc:AlternateContent xmlns:mc="http://schemas.openxmlformats.org/markup-compatibility/2006" xmlns:p159="http://schemas.microsoft.com/office/powerpoint/2015/09/main">
+    <mc:Choice Requires="p159">
       <p:transition xmlns:p14="http://schemas.microsoft.com/office/powerpoint/2010/main" p14:dur="300">
         <p159:morph option="byObject"/>
       </p:transition>
     </mc:Choice>
-    <mc:Fallback>
+    <mc:Fallback xmlns="">
       <p:transition>
         <p:fade/>
       </p:transition>
@@ -26317,7 +29191,7 @@
 </p:sld>
 </file>
 
-<file path=ppt/slides/slide17.xml><?xml version="1.0" encoding="utf-8"?>
+<file path=ppt/slides/slide18.xml><?xml version="1.0" encoding="utf-8"?>
 <p:sld xmlns:a="http://schemas.openxmlformats.org/drawingml/2006/main" xmlns:r="http://schemas.openxmlformats.org/officeDocument/2006/relationships" xmlns:p="http://schemas.openxmlformats.org/presentationml/2006/main">
   <p:cSld>
     <p:spTree>
@@ -27420,13 +30294,13 @@
   <p:clrMapOvr>
     <a:masterClrMapping/>
   </p:clrMapOvr>
-  <mc:AlternateContent xmlns:mc="http://schemas.openxmlformats.org/markup-compatibility/2006">
-    <mc:Choice xmlns:p159="http://schemas.microsoft.com/office/powerpoint/2015/09/main" Requires="p159">
+  <mc:AlternateContent xmlns:mc="http://schemas.openxmlformats.org/markup-compatibility/2006" xmlns:p159="http://schemas.microsoft.com/office/powerpoint/2015/09/main">
+    <mc:Choice Requires="p159">
       <p:transition xmlns:p14="http://schemas.microsoft.com/office/powerpoint/2010/main" p14:dur="300">
         <p159:morph option="byObject"/>
       </p:transition>
     </mc:Choice>
-    <mc:Fallback>
+    <mc:Fallback xmlns="">
       <p:transition>
         <p:fade/>
       </p:transition>
@@ -27435,7 +30309,7 @@
 </p:sld>
 </file>
 
-<file path=ppt/slides/slide18.xml><?xml version="1.0" encoding="utf-8"?>
+<file path=ppt/slides/slide19.xml><?xml version="1.0" encoding="utf-8"?>
 <p:sld xmlns:a="http://schemas.openxmlformats.org/drawingml/2006/main" xmlns:r="http://schemas.openxmlformats.org/officeDocument/2006/relationships" xmlns:p="http://schemas.openxmlformats.org/presentationml/2006/main">
   <p:cSld>
     <p:spTree>
@@ -28535,524 +31409,13 @@
   <p:clrMapOvr>
     <a:masterClrMapping/>
   </p:clrMapOvr>
-  <mc:AlternateContent xmlns:mc="http://schemas.openxmlformats.org/markup-compatibility/2006">
-    <mc:Choice xmlns:p159="http://schemas.microsoft.com/office/powerpoint/2015/09/main" Requires="p159">
+  <mc:AlternateContent xmlns:mc="http://schemas.openxmlformats.org/markup-compatibility/2006" xmlns:p159="http://schemas.microsoft.com/office/powerpoint/2015/09/main">
+    <mc:Choice Requires="p159">
       <p:transition xmlns:p14="http://schemas.microsoft.com/office/powerpoint/2010/main" p14:dur="300">
         <p159:morph option="byObject"/>
       </p:transition>
     </mc:Choice>
-    <mc:Fallback>
-      <p:transition>
-        <p:fade/>
-      </p:transition>
-    </mc:Fallback>
-  </mc:AlternateContent>
-</p:sld>
-</file>
-
-<file path=ppt/slides/slide19.xml><?xml version="1.0" encoding="utf-8"?>
-<p:sld xmlns:a="http://schemas.openxmlformats.org/drawingml/2006/main" xmlns:r="http://schemas.openxmlformats.org/officeDocument/2006/relationships" xmlns:p="http://schemas.openxmlformats.org/presentationml/2006/main">
-  <p:cSld>
-    <p:spTree>
-      <p:nvGrpSpPr>
-        <p:cNvPr id="1" name=""/>
-        <p:cNvGrpSpPr/>
-        <p:nvPr/>
-      </p:nvGrpSpPr>
-      <p:grpSpPr>
-        <a:xfrm>
-          <a:off x="0" y="0"/>
-          <a:ext cx="0" cy="0"/>
-          <a:chOff x="0" y="0"/>
-          <a:chExt cx="0" cy="0"/>
-        </a:xfrm>
-      </p:grpSpPr>
-      <p:sp>
-        <p:nvSpPr>
-          <p:cNvPr id="2" name="Title 1">
-            <a:extLst>
-              <a:ext uri="{FF2B5EF4-FFF2-40B4-BE49-F238E27FC236}">
-                <a16:creationId xmlns:a16="http://schemas.microsoft.com/office/drawing/2014/main" id="{9DE79D1A-054E-4CDD-88E9-68C335105687}"/>
-              </a:ext>
-            </a:extLst>
-          </p:cNvPr>
-          <p:cNvSpPr>
-            <a:spLocks noGrp="1"/>
-          </p:cNvSpPr>
-          <p:nvPr>
-            <p:ph type="title"/>
-          </p:nvPr>
-        </p:nvSpPr>
-        <p:spPr/>
-        <p:txBody>
-          <a:bodyPr/>
-          <a:lstStyle/>
-          <a:p>
-            <a:r>
-              <a:rPr lang="en-US" dirty="0"/>
-              <a:t>Show off your skills. Win a small prize.</a:t>
-            </a:r>
-          </a:p>
-        </p:txBody>
-      </p:sp>
-      <p:sp>
-        <p:nvSpPr>
-          <p:cNvPr id="3" name="Slide Number Placeholder 2">
-            <a:extLst>
-              <a:ext uri="{FF2B5EF4-FFF2-40B4-BE49-F238E27FC236}">
-                <a16:creationId xmlns:a16="http://schemas.microsoft.com/office/drawing/2014/main" id="{77DD8A66-C96D-41F1-B02C-16BF7B057FE8}"/>
-              </a:ext>
-            </a:extLst>
-          </p:cNvPr>
-          <p:cNvSpPr>
-            <a:spLocks noGrp="1"/>
-          </p:cNvSpPr>
-          <p:nvPr>
-            <p:ph type="sldNum" sz="quarter" idx="12"/>
-          </p:nvPr>
-        </p:nvSpPr>
-        <p:spPr/>
-        <p:txBody>
-          <a:bodyPr/>
-          <a:lstStyle/>
-          <a:p>
-            <a:fld id="{E08A2EAE-61F0-4E80-AF13-6C345B2B49E7}" type="slidenum">
-              <a:rPr lang="en-US" smtClean="0"/>
-              <a:pPr/>
-              <a:t>19</a:t>
-            </a:fld>
-            <a:endParaRPr lang="en-US" dirty="0"/>
-          </a:p>
-        </p:txBody>
-      </p:sp>
-      <p:sp>
-        <p:nvSpPr>
-          <p:cNvPr id="4" name="Text Placeholder 3">
-            <a:extLst>
-              <a:ext uri="{FF2B5EF4-FFF2-40B4-BE49-F238E27FC236}">
-                <a16:creationId xmlns:a16="http://schemas.microsoft.com/office/drawing/2014/main" id="{A61DFA69-4843-4BC5-8F90-133717AEF0C6}"/>
-              </a:ext>
-            </a:extLst>
-          </p:cNvPr>
-          <p:cNvSpPr>
-            <a:spLocks noGrp="1"/>
-          </p:cNvSpPr>
-          <p:nvPr>
-            <p:ph type="body" sz="quarter" idx="20"/>
-          </p:nvPr>
-        </p:nvSpPr>
-        <p:spPr/>
-        <p:txBody>
-          <a:bodyPr/>
-          <a:lstStyle/>
-          <a:p>
-            <a:endParaRPr lang="en-US"/>
-          </a:p>
-        </p:txBody>
-      </p:sp>
-      <p:pic>
-        <p:nvPicPr>
-          <p:cNvPr id="5" name="Picture 4">
-            <a:extLst>
-              <a:ext uri="{FF2B5EF4-FFF2-40B4-BE49-F238E27FC236}">
-                <a16:creationId xmlns:a16="http://schemas.microsoft.com/office/drawing/2014/main" id="{C5494DAF-3769-4966-B2E8-13CECDA7ADC9}"/>
-              </a:ext>
-            </a:extLst>
-          </p:cNvPr>
-          <p:cNvPicPr>
-            <a:picLocks noChangeAspect="1"/>
-          </p:cNvPicPr>
-          <p:nvPr/>
-        </p:nvPicPr>
-        <p:blipFill>
-          <a:blip r:embed="rId2"/>
-          <a:stretch>
-            <a:fillRect/>
-          </a:stretch>
-        </p:blipFill>
-        <p:spPr>
-          <a:xfrm>
-            <a:off x="243840" y="1081905"/>
-            <a:ext cx="8054126" cy="5117652"/>
-          </a:xfrm>
-          <a:prstGeom prst="rect">
-            <a:avLst/>
-          </a:prstGeom>
-        </p:spPr>
-      </p:pic>
-      <p:sp>
-        <p:nvSpPr>
-          <p:cNvPr id="7" name="TextBox 6">
-            <a:extLst>
-              <a:ext uri="{FF2B5EF4-FFF2-40B4-BE49-F238E27FC236}">
-                <a16:creationId xmlns:a16="http://schemas.microsoft.com/office/drawing/2014/main" id="{E8DB2ACA-D4BF-4FFA-9CE8-9F603AF2F246}"/>
-              </a:ext>
-            </a:extLst>
-          </p:cNvPr>
-          <p:cNvSpPr txBox="1"/>
-          <p:nvPr/>
-        </p:nvSpPr>
-        <p:spPr>
-          <a:xfrm>
-            <a:off x="6016238" y="1668376"/>
-            <a:ext cx="5931921" cy="4047262"/>
-          </a:xfrm>
-          <a:prstGeom prst="rect">
-            <a:avLst/>
-          </a:prstGeom>
-          <a:noFill/>
-        </p:spPr>
-        <p:txBody>
-          <a:bodyPr wrap="square">
-            <a:spAutoFit/>
-          </a:bodyPr>
-          <a:lstStyle/>
-          <a:p>
-            <a:pPr marL="0" marR="0" lvl="0" indent="0" algn="l" defTabSz="914400" rtl="0" eaLnBrk="0" fontAlgn="base" latinLnBrk="0" hangingPunct="0">
-              <a:lnSpc>
-                <a:spcPct val="100000"/>
-              </a:lnSpc>
-              <a:spcBef>
-                <a:spcPts val="1800"/>
-              </a:spcBef>
-              <a:spcAft>
-                <a:spcPct val="0"/>
-              </a:spcAft>
-              <a:buClrTx/>
-              <a:buSzTx/>
-              <a:tabLst/>
-            </a:pPr>
-            <a:r>
-              <a:rPr kumimoji="0" lang="en-US" altLang="en-US" sz="1600" b="0" i="0" u="none" strike="noStrike" cap="none" normalizeH="0" baseline="0" dirty="0">
-                <a:ln>
-                  <a:noFill/>
-                </a:ln>
-                <a:solidFill>
-                  <a:srgbClr val="000000"/>
-                </a:solidFill>
-                <a:effectLst/>
-              </a:rPr>
-              <a:t>See the visualization </a:t>
-            </a:r>
-            <a:r>
-              <a:rPr kumimoji="0" lang="en-US" altLang="en-US" sz="1600" b="0" i="0" u="none" strike="noStrike" cap="none" normalizeH="0" baseline="0" dirty="0">
-                <a:ln>
-                  <a:noFill/>
-                </a:ln>
-                <a:solidFill>
-                  <a:srgbClr val="000000"/>
-                </a:solidFill>
-                <a:effectLst/>
-                <a:hlinkClick r:id="rId3" tooltip="https://gramener.com/readability/"/>
-              </a:rPr>
-              <a:t>Readability of Constitutions</a:t>
-            </a:r>
-            <a:endParaRPr kumimoji="0" lang="en-US" altLang="en-US" sz="1600" b="0" i="0" u="none" strike="noStrike" cap="none" normalizeH="0" baseline="0" dirty="0">
-              <a:ln>
-                <a:noFill/>
-              </a:ln>
-              <a:solidFill>
-                <a:srgbClr val="000000"/>
-              </a:solidFill>
-              <a:effectLst/>
-            </a:endParaRPr>
-          </a:p>
-          <a:p>
-            <a:pPr marL="0" marR="0" lvl="0" indent="0" algn="l" defTabSz="914400" rtl="0" eaLnBrk="0" fontAlgn="base" latinLnBrk="0" hangingPunct="0">
-              <a:lnSpc>
-                <a:spcPct val="100000"/>
-              </a:lnSpc>
-              <a:spcBef>
-                <a:spcPts val="1800"/>
-              </a:spcBef>
-              <a:spcAft>
-                <a:spcPct val="0"/>
-              </a:spcAft>
-              <a:buClrTx/>
-              <a:buSzTx/>
-              <a:tabLst/>
-            </a:pPr>
-            <a:r>
-              <a:rPr kumimoji="0" lang="en-US" altLang="en-US" sz="1600" b="0" i="0" u="none" strike="noStrike" cap="none" normalizeH="0" baseline="0" dirty="0">
-                <a:ln>
-                  <a:noFill/>
-                </a:ln>
-                <a:solidFill>
-                  <a:srgbClr val="000000"/>
-                </a:solidFill>
-                <a:effectLst/>
-              </a:rPr>
-              <a:t>Download the </a:t>
-            </a:r>
-            <a:r>
-              <a:rPr kumimoji="0" lang="en-US" altLang="en-US" sz="1600" b="0" i="0" u="none" strike="noStrike" cap="none" normalizeH="0" baseline="0" dirty="0">
-                <a:ln>
-                  <a:noFill/>
-                </a:ln>
-                <a:solidFill>
-                  <a:srgbClr val="000000"/>
-                </a:solidFill>
-                <a:effectLst/>
-                <a:hlinkClick r:id="rId4" tooltip="https://gramener.com/readability/data.csv"/>
-              </a:rPr>
-              <a:t>dataset</a:t>
-            </a:r>
-            <a:endParaRPr kumimoji="0" lang="en-US" altLang="en-US" sz="1600" b="0" i="0" u="none" strike="noStrike" cap="none" normalizeH="0" baseline="0" dirty="0">
-              <a:ln>
-                <a:noFill/>
-              </a:ln>
-              <a:solidFill>
-                <a:srgbClr val="000000"/>
-              </a:solidFill>
-              <a:effectLst/>
-            </a:endParaRPr>
-          </a:p>
-          <a:p>
-            <a:pPr marL="0" marR="0" lvl="0" indent="0" algn="l" defTabSz="914400" rtl="0" eaLnBrk="0" fontAlgn="base" latinLnBrk="0" hangingPunct="0">
-              <a:lnSpc>
-                <a:spcPct val="100000"/>
-              </a:lnSpc>
-              <a:spcBef>
-                <a:spcPts val="1800"/>
-              </a:spcBef>
-              <a:spcAft>
-                <a:spcPct val="0"/>
-              </a:spcAft>
-              <a:buClrTx/>
-              <a:buSzTx/>
-              <a:tabLst/>
-            </a:pPr>
-            <a:r>
-              <a:rPr kumimoji="0" lang="en-US" altLang="en-US" sz="1600" b="0" i="0" u="none" strike="noStrike" cap="none" normalizeH="0" baseline="0" dirty="0">
-                <a:ln>
-                  <a:noFill/>
-                </a:ln>
-                <a:solidFill>
-                  <a:srgbClr val="000000"/>
-                </a:solidFill>
-                <a:effectLst/>
-              </a:rPr>
-              <a:t>Use the country flags from https://gramener.com/readability/png/Country.png, e.g. </a:t>
-            </a:r>
-            <a:r>
-              <a:rPr kumimoji="0" lang="en-US" altLang="en-US" sz="1600" b="0" i="0" u="none" strike="noStrike" cap="none" normalizeH="0" baseline="0" dirty="0">
-                <a:ln>
-                  <a:noFill/>
-                </a:ln>
-                <a:solidFill>
-                  <a:srgbClr val="000000"/>
-                </a:solidFill>
-                <a:effectLst/>
-                <a:hlinkClick r:id="rId5" tooltip="https://gramener.com/readability/png/Afghanistan.png"/>
-              </a:rPr>
-              <a:t>Afghanistan</a:t>
-            </a:r>
-            <a:r>
-              <a:rPr kumimoji="0" lang="en-US" altLang="en-US" sz="1600" b="0" i="0" u="none" strike="noStrike" cap="none" normalizeH="0" baseline="0" dirty="0">
-                <a:ln>
-                  <a:noFill/>
-                </a:ln>
-                <a:solidFill>
-                  <a:srgbClr val="000000"/>
-                </a:solidFill>
-                <a:effectLst/>
-              </a:rPr>
-              <a:t>, </a:t>
-            </a:r>
-            <a:r>
-              <a:rPr kumimoji="0" lang="en-US" altLang="en-US" sz="1600" b="0" i="0" u="none" strike="noStrike" cap="none" normalizeH="0" baseline="0" dirty="0">
-                <a:ln>
-                  <a:noFill/>
-                </a:ln>
-                <a:solidFill>
-                  <a:srgbClr val="000000"/>
-                </a:solidFill>
-                <a:effectLst/>
-                <a:hlinkClick r:id="rId6" tooltip="https://gramener.com/readability/png/Bolivia.png"/>
-              </a:rPr>
-              <a:t>Bolivia</a:t>
-            </a:r>
-            <a:r>
-              <a:rPr kumimoji="0" lang="en-US" altLang="en-US" sz="1600" b="0" i="0" u="none" strike="noStrike" cap="none" normalizeH="0" baseline="0" dirty="0">
-                <a:ln>
-                  <a:noFill/>
-                </a:ln>
-                <a:solidFill>
-                  <a:srgbClr val="000000"/>
-                </a:solidFill>
-                <a:effectLst/>
-              </a:rPr>
-              <a:t>, </a:t>
-            </a:r>
-            <a:r>
-              <a:rPr kumimoji="0" lang="en-US" altLang="en-US" sz="1600" b="0" i="0" u="none" strike="noStrike" cap="none" normalizeH="0" baseline="0" dirty="0">
-                <a:ln>
-                  <a:noFill/>
-                </a:ln>
-                <a:solidFill>
-                  <a:srgbClr val="000000"/>
-                </a:solidFill>
-                <a:effectLst/>
-                <a:hlinkClick r:id="rId7" tooltip="https://gramener.com/readability/png/Chat.png"/>
-              </a:rPr>
-              <a:t>Chat</a:t>
-            </a:r>
-            <a:r>
-              <a:rPr kumimoji="0" lang="en-US" altLang="en-US" sz="1600" b="0" i="0" u="none" strike="noStrike" cap="none" normalizeH="0" baseline="0" dirty="0">
-                <a:ln>
-                  <a:noFill/>
-                </a:ln>
-                <a:solidFill>
-                  <a:srgbClr val="000000"/>
-                </a:solidFill>
-                <a:effectLst/>
-              </a:rPr>
-              <a:t>, etc.</a:t>
-            </a:r>
-          </a:p>
-          <a:p>
-            <a:pPr marL="0" marR="0" lvl="0" indent="0" algn="l" defTabSz="914400" rtl="0" eaLnBrk="0" fontAlgn="base" latinLnBrk="0" hangingPunct="0">
-              <a:lnSpc>
-                <a:spcPct val="100000"/>
-              </a:lnSpc>
-              <a:spcBef>
-                <a:spcPts val="1800"/>
-              </a:spcBef>
-              <a:spcAft>
-                <a:spcPct val="0"/>
-              </a:spcAft>
-              <a:buClrTx/>
-              <a:buSzTx/>
-              <a:tabLst/>
-            </a:pPr>
-            <a:r>
-              <a:rPr kumimoji="0" lang="en-US" altLang="en-US" sz="1600" b="0" i="0" u="none" strike="noStrike" cap="none" normalizeH="0" baseline="0" dirty="0">
-                <a:ln>
-                  <a:noFill/>
-                </a:ln>
-                <a:solidFill>
-                  <a:srgbClr val="000000"/>
-                </a:solidFill>
-                <a:effectLst/>
-              </a:rPr>
-              <a:t>Create 4 slides, each showing the scatterplot of words (X-axis) vs ease (Y-axis). The slides show:</a:t>
-            </a:r>
-          </a:p>
-          <a:p>
-            <a:pPr marL="800100" lvl="1" indent="-342900" eaLnBrk="0" fontAlgn="base" hangingPunct="0">
-              <a:spcBef>
-                <a:spcPts val="600"/>
-              </a:spcBef>
-              <a:spcAft>
-                <a:spcPct val="0"/>
-              </a:spcAft>
-              <a:buFont typeface="+mj-lt"/>
-              <a:buAutoNum type="arabicPeriod"/>
-            </a:pPr>
-            <a:r>
-              <a:rPr kumimoji="0" lang="en-US" altLang="en-US" sz="1600" b="0" i="0" u="none" strike="noStrike" cap="none" normalizeH="0" baseline="0" dirty="0">
-                <a:ln>
-                  <a:noFill/>
-                </a:ln>
-                <a:solidFill>
-                  <a:srgbClr val="000000"/>
-                </a:solidFill>
-                <a:effectLst/>
-              </a:rPr>
-              <a:t>Libya with the shortest constitution</a:t>
-            </a:r>
-          </a:p>
-          <a:p>
-            <a:pPr marL="800100" lvl="1" indent="-342900" eaLnBrk="0" fontAlgn="base" hangingPunct="0">
-              <a:spcBef>
-                <a:spcPts val="600"/>
-              </a:spcBef>
-              <a:spcAft>
-                <a:spcPct val="0"/>
-              </a:spcAft>
-              <a:buFont typeface="+mj-lt"/>
-              <a:buAutoNum type="arabicPeriod"/>
-            </a:pPr>
-            <a:r>
-              <a:rPr kumimoji="0" lang="en-US" altLang="en-US" sz="1600" b="0" i="0" u="none" strike="noStrike" cap="none" normalizeH="0" baseline="0" dirty="0">
-                <a:ln>
-                  <a:noFill/>
-                </a:ln>
-                <a:solidFill>
-                  <a:srgbClr val="000000"/>
-                </a:solidFill>
-                <a:effectLst/>
-              </a:rPr>
-              <a:t>India with the longest constitution</a:t>
-            </a:r>
-          </a:p>
-          <a:p>
-            <a:pPr marL="800100" lvl="1" indent="-342900" eaLnBrk="0" fontAlgn="base" hangingPunct="0">
-              <a:spcBef>
-                <a:spcPts val="600"/>
-              </a:spcBef>
-              <a:spcAft>
-                <a:spcPct val="0"/>
-              </a:spcAft>
-              <a:buFont typeface="+mj-lt"/>
-              <a:buAutoNum type="arabicPeriod"/>
-            </a:pPr>
-            <a:r>
-              <a:rPr kumimoji="0" lang="en-US" altLang="en-US" sz="1600" b="0" i="0" u="none" strike="noStrike" cap="none" normalizeH="0" baseline="0" dirty="0">
-                <a:ln>
-                  <a:noFill/>
-                </a:ln>
-                <a:solidFill>
-                  <a:srgbClr val="000000"/>
-                </a:solidFill>
-                <a:effectLst/>
-              </a:rPr>
-              <a:t>Luxembourg with the most readable constitution</a:t>
-            </a:r>
-          </a:p>
-          <a:p>
-            <a:pPr marL="800100" lvl="1" indent="-342900" eaLnBrk="0" fontAlgn="base" hangingPunct="0">
-              <a:spcBef>
-                <a:spcPts val="600"/>
-              </a:spcBef>
-              <a:spcAft>
-                <a:spcPct val="0"/>
-              </a:spcAft>
-              <a:buFont typeface="+mj-lt"/>
-              <a:buAutoNum type="arabicPeriod"/>
-            </a:pPr>
-            <a:r>
-              <a:rPr kumimoji="0" lang="en-US" altLang="en-US" sz="1600" b="0" i="0" u="none" strike="noStrike" cap="none" normalizeH="0" baseline="0" dirty="0">
-                <a:ln>
-                  <a:noFill/>
-                </a:ln>
-                <a:solidFill>
-                  <a:srgbClr val="000000"/>
-                </a:solidFill>
-                <a:effectLst/>
-              </a:rPr>
-              <a:t>St Vincent and the Grenadines with the least readable constitution</a:t>
-            </a:r>
-          </a:p>
-        </p:txBody>
-      </p:sp>
-    </p:spTree>
-    <p:extLst>
-      <p:ext uri="{BB962C8B-B14F-4D97-AF65-F5344CB8AC3E}">
-        <p14:creationId xmlns:p14="http://schemas.microsoft.com/office/powerpoint/2010/main" val="2078968202"/>
-      </p:ext>
-    </p:extLst>
-  </p:cSld>
-  <p:clrMapOvr>
-    <a:masterClrMapping/>
-  </p:clrMapOvr>
-  <mc:AlternateContent xmlns:mc="http://schemas.openxmlformats.org/markup-compatibility/2006">
-    <mc:Choice xmlns:p159="http://schemas.microsoft.com/office/powerpoint/2015/09/main" Requires="p159">
-      <p:transition xmlns:p14="http://schemas.microsoft.com/office/powerpoint/2010/main" p14:dur="300">
-        <p159:morph option="byObject"/>
-      </p:transition>
-    </mc:Choice>
-    <mc:Fallback>
+    <mc:Fallback xmlns="">
       <p:transition>
         <p:fade/>
       </p:transition>
@@ -30160,13 +32523,13 @@
   <p:clrMapOvr>
     <a:masterClrMapping/>
   </p:clrMapOvr>
-  <mc:AlternateContent xmlns:mc="http://schemas.openxmlformats.org/markup-compatibility/2006">
-    <mc:Choice xmlns:p159="http://schemas.microsoft.com/office/powerpoint/2015/09/main" Requires="p159">
+  <mc:AlternateContent xmlns:mc="http://schemas.openxmlformats.org/markup-compatibility/2006" xmlns:p159="http://schemas.microsoft.com/office/powerpoint/2015/09/main">
+    <mc:Choice Requires="p159">
       <p:transition xmlns:p14="http://schemas.microsoft.com/office/powerpoint/2010/main" p14:dur="300">
         <p159:morph option="byObject"/>
       </p:transition>
     </mc:Choice>
-    <mc:Fallback>
+    <mc:Fallback xmlns="">
       <p:transition>
         <p:fade/>
       </p:transition>
@@ -30275,6 +32638,517 @@
           </a:p>
         </p:txBody>
       </p:sp>
+      <p:pic>
+        <p:nvPicPr>
+          <p:cNvPr id="5" name="Picture 4">
+            <a:extLst>
+              <a:ext uri="{FF2B5EF4-FFF2-40B4-BE49-F238E27FC236}">
+                <a16:creationId xmlns:a16="http://schemas.microsoft.com/office/drawing/2014/main" id="{C5494DAF-3769-4966-B2E8-13CECDA7ADC9}"/>
+              </a:ext>
+            </a:extLst>
+          </p:cNvPr>
+          <p:cNvPicPr>
+            <a:picLocks noChangeAspect="1"/>
+          </p:cNvPicPr>
+          <p:nvPr/>
+        </p:nvPicPr>
+        <p:blipFill>
+          <a:blip r:embed="rId2"/>
+          <a:stretch>
+            <a:fillRect/>
+          </a:stretch>
+        </p:blipFill>
+        <p:spPr>
+          <a:xfrm>
+            <a:off x="243840" y="1081905"/>
+            <a:ext cx="8054126" cy="5117652"/>
+          </a:xfrm>
+          <a:prstGeom prst="rect">
+            <a:avLst/>
+          </a:prstGeom>
+        </p:spPr>
+      </p:pic>
+      <p:sp>
+        <p:nvSpPr>
+          <p:cNvPr id="7" name="TextBox 6">
+            <a:extLst>
+              <a:ext uri="{FF2B5EF4-FFF2-40B4-BE49-F238E27FC236}">
+                <a16:creationId xmlns:a16="http://schemas.microsoft.com/office/drawing/2014/main" id="{E8DB2ACA-D4BF-4FFA-9CE8-9F603AF2F246}"/>
+              </a:ext>
+            </a:extLst>
+          </p:cNvPr>
+          <p:cNvSpPr txBox="1"/>
+          <p:nvPr/>
+        </p:nvSpPr>
+        <p:spPr>
+          <a:xfrm>
+            <a:off x="6016238" y="1668376"/>
+            <a:ext cx="5931921" cy="4047262"/>
+          </a:xfrm>
+          <a:prstGeom prst="rect">
+            <a:avLst/>
+          </a:prstGeom>
+          <a:noFill/>
+        </p:spPr>
+        <p:txBody>
+          <a:bodyPr wrap="square">
+            <a:spAutoFit/>
+          </a:bodyPr>
+          <a:lstStyle/>
+          <a:p>
+            <a:pPr marL="0" marR="0" lvl="0" indent="0" algn="l" defTabSz="914400" rtl="0" eaLnBrk="0" fontAlgn="base" latinLnBrk="0" hangingPunct="0">
+              <a:lnSpc>
+                <a:spcPct val="100000"/>
+              </a:lnSpc>
+              <a:spcBef>
+                <a:spcPts val="1800"/>
+              </a:spcBef>
+              <a:spcAft>
+                <a:spcPct val="0"/>
+              </a:spcAft>
+              <a:buClrTx/>
+              <a:buSzTx/>
+              <a:tabLst/>
+            </a:pPr>
+            <a:r>
+              <a:rPr kumimoji="0" lang="en-US" altLang="en-US" sz="1600" b="0" i="0" u="none" strike="noStrike" cap="none" normalizeH="0" baseline="0" dirty="0">
+                <a:ln>
+                  <a:noFill/>
+                </a:ln>
+                <a:solidFill>
+                  <a:srgbClr val="000000"/>
+                </a:solidFill>
+                <a:effectLst/>
+              </a:rPr>
+              <a:t>See the visualization </a:t>
+            </a:r>
+            <a:r>
+              <a:rPr kumimoji="0" lang="en-US" altLang="en-US" sz="1600" b="0" i="0" u="none" strike="noStrike" cap="none" normalizeH="0" baseline="0" dirty="0">
+                <a:ln>
+                  <a:noFill/>
+                </a:ln>
+                <a:solidFill>
+                  <a:srgbClr val="000000"/>
+                </a:solidFill>
+                <a:effectLst/>
+                <a:hlinkClick r:id="rId3" tooltip="https://gramener.com/readability/"/>
+              </a:rPr>
+              <a:t>Readability of Constitutions</a:t>
+            </a:r>
+            <a:endParaRPr kumimoji="0" lang="en-US" altLang="en-US" sz="1600" b="0" i="0" u="none" strike="noStrike" cap="none" normalizeH="0" baseline="0" dirty="0">
+              <a:ln>
+                <a:noFill/>
+              </a:ln>
+              <a:solidFill>
+                <a:srgbClr val="000000"/>
+              </a:solidFill>
+              <a:effectLst/>
+            </a:endParaRPr>
+          </a:p>
+          <a:p>
+            <a:pPr marL="0" marR="0" lvl="0" indent="0" algn="l" defTabSz="914400" rtl="0" eaLnBrk="0" fontAlgn="base" latinLnBrk="0" hangingPunct="0">
+              <a:lnSpc>
+                <a:spcPct val="100000"/>
+              </a:lnSpc>
+              <a:spcBef>
+                <a:spcPts val="1800"/>
+              </a:spcBef>
+              <a:spcAft>
+                <a:spcPct val="0"/>
+              </a:spcAft>
+              <a:buClrTx/>
+              <a:buSzTx/>
+              <a:tabLst/>
+            </a:pPr>
+            <a:r>
+              <a:rPr kumimoji="0" lang="en-US" altLang="en-US" sz="1600" b="0" i="0" u="none" strike="noStrike" cap="none" normalizeH="0" baseline="0" dirty="0">
+                <a:ln>
+                  <a:noFill/>
+                </a:ln>
+                <a:solidFill>
+                  <a:srgbClr val="000000"/>
+                </a:solidFill>
+                <a:effectLst/>
+              </a:rPr>
+              <a:t>Download the </a:t>
+            </a:r>
+            <a:r>
+              <a:rPr kumimoji="0" lang="en-US" altLang="en-US" sz="1600" b="0" i="0" u="none" strike="noStrike" cap="none" normalizeH="0" baseline="0" dirty="0">
+                <a:ln>
+                  <a:noFill/>
+                </a:ln>
+                <a:solidFill>
+                  <a:srgbClr val="000000"/>
+                </a:solidFill>
+                <a:effectLst/>
+                <a:hlinkClick r:id="rId4" tooltip="https://gramener.com/readability/data.csv"/>
+              </a:rPr>
+              <a:t>dataset</a:t>
+            </a:r>
+            <a:endParaRPr kumimoji="0" lang="en-US" altLang="en-US" sz="1600" b="0" i="0" u="none" strike="noStrike" cap="none" normalizeH="0" baseline="0" dirty="0">
+              <a:ln>
+                <a:noFill/>
+              </a:ln>
+              <a:solidFill>
+                <a:srgbClr val="000000"/>
+              </a:solidFill>
+              <a:effectLst/>
+            </a:endParaRPr>
+          </a:p>
+          <a:p>
+            <a:pPr marL="0" marR="0" lvl="0" indent="0" algn="l" defTabSz="914400" rtl="0" eaLnBrk="0" fontAlgn="base" latinLnBrk="0" hangingPunct="0">
+              <a:lnSpc>
+                <a:spcPct val="100000"/>
+              </a:lnSpc>
+              <a:spcBef>
+                <a:spcPts val="1800"/>
+              </a:spcBef>
+              <a:spcAft>
+                <a:spcPct val="0"/>
+              </a:spcAft>
+              <a:buClrTx/>
+              <a:buSzTx/>
+              <a:tabLst/>
+            </a:pPr>
+            <a:r>
+              <a:rPr kumimoji="0" lang="en-US" altLang="en-US" sz="1600" b="0" i="0" u="none" strike="noStrike" cap="none" normalizeH="0" baseline="0" dirty="0">
+                <a:ln>
+                  <a:noFill/>
+                </a:ln>
+                <a:solidFill>
+                  <a:srgbClr val="000000"/>
+                </a:solidFill>
+                <a:effectLst/>
+              </a:rPr>
+              <a:t>Use the country flags from https://gramener.com/readability/png/Country.png, e.g. </a:t>
+            </a:r>
+            <a:r>
+              <a:rPr kumimoji="0" lang="en-US" altLang="en-US" sz="1600" b="0" i="0" u="none" strike="noStrike" cap="none" normalizeH="0" baseline="0" dirty="0">
+                <a:ln>
+                  <a:noFill/>
+                </a:ln>
+                <a:solidFill>
+                  <a:srgbClr val="000000"/>
+                </a:solidFill>
+                <a:effectLst/>
+                <a:hlinkClick r:id="rId5" tooltip="https://gramener.com/readability/png/Afghanistan.png"/>
+              </a:rPr>
+              <a:t>Afghanistan</a:t>
+            </a:r>
+            <a:r>
+              <a:rPr kumimoji="0" lang="en-US" altLang="en-US" sz="1600" b="0" i="0" u="none" strike="noStrike" cap="none" normalizeH="0" baseline="0" dirty="0">
+                <a:ln>
+                  <a:noFill/>
+                </a:ln>
+                <a:solidFill>
+                  <a:srgbClr val="000000"/>
+                </a:solidFill>
+                <a:effectLst/>
+              </a:rPr>
+              <a:t>, </a:t>
+            </a:r>
+            <a:r>
+              <a:rPr kumimoji="0" lang="en-US" altLang="en-US" sz="1600" b="0" i="0" u="none" strike="noStrike" cap="none" normalizeH="0" baseline="0" dirty="0">
+                <a:ln>
+                  <a:noFill/>
+                </a:ln>
+                <a:solidFill>
+                  <a:srgbClr val="000000"/>
+                </a:solidFill>
+                <a:effectLst/>
+                <a:hlinkClick r:id="rId6" tooltip="https://gramener.com/readability/png/Bolivia.png"/>
+              </a:rPr>
+              <a:t>Bolivia</a:t>
+            </a:r>
+            <a:r>
+              <a:rPr kumimoji="0" lang="en-US" altLang="en-US" sz="1600" b="0" i="0" u="none" strike="noStrike" cap="none" normalizeH="0" baseline="0" dirty="0">
+                <a:ln>
+                  <a:noFill/>
+                </a:ln>
+                <a:solidFill>
+                  <a:srgbClr val="000000"/>
+                </a:solidFill>
+                <a:effectLst/>
+              </a:rPr>
+              <a:t>, </a:t>
+            </a:r>
+            <a:r>
+              <a:rPr kumimoji="0" lang="en-US" altLang="en-US" sz="1600" b="0" i="0" u="none" strike="noStrike" cap="none" normalizeH="0" baseline="0" dirty="0">
+                <a:ln>
+                  <a:noFill/>
+                </a:ln>
+                <a:solidFill>
+                  <a:srgbClr val="000000"/>
+                </a:solidFill>
+                <a:effectLst/>
+                <a:hlinkClick r:id="rId7" tooltip="https://gramener.com/readability/png/Chat.png"/>
+              </a:rPr>
+              <a:t>Chat</a:t>
+            </a:r>
+            <a:r>
+              <a:rPr kumimoji="0" lang="en-US" altLang="en-US" sz="1600" b="0" i="0" u="none" strike="noStrike" cap="none" normalizeH="0" baseline="0" dirty="0">
+                <a:ln>
+                  <a:noFill/>
+                </a:ln>
+                <a:solidFill>
+                  <a:srgbClr val="000000"/>
+                </a:solidFill>
+                <a:effectLst/>
+              </a:rPr>
+              <a:t>, etc.</a:t>
+            </a:r>
+          </a:p>
+          <a:p>
+            <a:pPr marL="0" marR="0" lvl="0" indent="0" algn="l" defTabSz="914400" rtl="0" eaLnBrk="0" fontAlgn="base" latinLnBrk="0" hangingPunct="0">
+              <a:lnSpc>
+                <a:spcPct val="100000"/>
+              </a:lnSpc>
+              <a:spcBef>
+                <a:spcPts val="1800"/>
+              </a:spcBef>
+              <a:spcAft>
+                <a:spcPct val="0"/>
+              </a:spcAft>
+              <a:buClrTx/>
+              <a:buSzTx/>
+              <a:tabLst/>
+            </a:pPr>
+            <a:r>
+              <a:rPr kumimoji="0" lang="en-US" altLang="en-US" sz="1600" b="0" i="0" u="none" strike="noStrike" cap="none" normalizeH="0" baseline="0" dirty="0">
+                <a:ln>
+                  <a:noFill/>
+                </a:ln>
+                <a:solidFill>
+                  <a:srgbClr val="000000"/>
+                </a:solidFill>
+                <a:effectLst/>
+              </a:rPr>
+              <a:t>Create 4 slides, each showing the scatterplot of words (X-axis) vs ease (Y-axis). The slides show:</a:t>
+            </a:r>
+          </a:p>
+          <a:p>
+            <a:pPr marL="800100" lvl="1" indent="-342900" eaLnBrk="0" fontAlgn="base" hangingPunct="0">
+              <a:spcBef>
+                <a:spcPts val="600"/>
+              </a:spcBef>
+              <a:spcAft>
+                <a:spcPct val="0"/>
+              </a:spcAft>
+              <a:buFont typeface="+mj-lt"/>
+              <a:buAutoNum type="arabicPeriod"/>
+            </a:pPr>
+            <a:r>
+              <a:rPr kumimoji="0" lang="en-US" altLang="en-US" sz="1600" b="0" i="0" u="none" strike="noStrike" cap="none" normalizeH="0" baseline="0" dirty="0">
+                <a:ln>
+                  <a:noFill/>
+                </a:ln>
+                <a:solidFill>
+                  <a:srgbClr val="000000"/>
+                </a:solidFill>
+                <a:effectLst/>
+              </a:rPr>
+              <a:t>Libya with the shortest constitution</a:t>
+            </a:r>
+          </a:p>
+          <a:p>
+            <a:pPr marL="800100" lvl="1" indent="-342900" eaLnBrk="0" fontAlgn="base" hangingPunct="0">
+              <a:spcBef>
+                <a:spcPts val="600"/>
+              </a:spcBef>
+              <a:spcAft>
+                <a:spcPct val="0"/>
+              </a:spcAft>
+              <a:buFont typeface="+mj-lt"/>
+              <a:buAutoNum type="arabicPeriod"/>
+            </a:pPr>
+            <a:r>
+              <a:rPr kumimoji="0" lang="en-US" altLang="en-US" sz="1600" b="0" i="0" u="none" strike="noStrike" cap="none" normalizeH="0" baseline="0" dirty="0">
+                <a:ln>
+                  <a:noFill/>
+                </a:ln>
+                <a:solidFill>
+                  <a:srgbClr val="000000"/>
+                </a:solidFill>
+                <a:effectLst/>
+              </a:rPr>
+              <a:t>India with the longest constitution</a:t>
+            </a:r>
+          </a:p>
+          <a:p>
+            <a:pPr marL="800100" lvl="1" indent="-342900" eaLnBrk="0" fontAlgn="base" hangingPunct="0">
+              <a:spcBef>
+                <a:spcPts val="600"/>
+              </a:spcBef>
+              <a:spcAft>
+                <a:spcPct val="0"/>
+              </a:spcAft>
+              <a:buFont typeface="+mj-lt"/>
+              <a:buAutoNum type="arabicPeriod"/>
+            </a:pPr>
+            <a:r>
+              <a:rPr kumimoji="0" lang="en-US" altLang="en-US" sz="1600" b="0" i="0" u="none" strike="noStrike" cap="none" normalizeH="0" baseline="0" dirty="0">
+                <a:ln>
+                  <a:noFill/>
+                </a:ln>
+                <a:solidFill>
+                  <a:srgbClr val="000000"/>
+                </a:solidFill>
+                <a:effectLst/>
+              </a:rPr>
+              <a:t>Luxembourg with the most readable constitution</a:t>
+            </a:r>
+          </a:p>
+          <a:p>
+            <a:pPr marL="800100" lvl="1" indent="-342900" eaLnBrk="0" fontAlgn="base" hangingPunct="0">
+              <a:spcBef>
+                <a:spcPts val="600"/>
+              </a:spcBef>
+              <a:spcAft>
+                <a:spcPct val="0"/>
+              </a:spcAft>
+              <a:buFont typeface="+mj-lt"/>
+              <a:buAutoNum type="arabicPeriod"/>
+            </a:pPr>
+            <a:r>
+              <a:rPr kumimoji="0" lang="en-US" altLang="en-US" sz="1600" b="0" i="0" u="none" strike="noStrike" cap="none" normalizeH="0" baseline="0" dirty="0">
+                <a:ln>
+                  <a:noFill/>
+                </a:ln>
+                <a:solidFill>
+                  <a:srgbClr val="000000"/>
+                </a:solidFill>
+                <a:effectLst/>
+              </a:rPr>
+              <a:t>St Vincent and the Grenadines with the least readable constitution</a:t>
+            </a:r>
+          </a:p>
+        </p:txBody>
+      </p:sp>
+    </p:spTree>
+    <p:extLst>
+      <p:ext uri="{BB962C8B-B14F-4D97-AF65-F5344CB8AC3E}">
+        <p14:creationId xmlns:p14="http://schemas.microsoft.com/office/powerpoint/2010/main" val="2078968202"/>
+      </p:ext>
+    </p:extLst>
+  </p:cSld>
+  <p:clrMapOvr>
+    <a:masterClrMapping/>
+  </p:clrMapOvr>
+  <mc:AlternateContent xmlns:mc="http://schemas.openxmlformats.org/markup-compatibility/2006" xmlns:p159="http://schemas.microsoft.com/office/powerpoint/2015/09/main">
+    <mc:Choice Requires="p159">
+      <p:transition xmlns:p14="http://schemas.microsoft.com/office/powerpoint/2010/main" p14:dur="300">
+        <p159:morph option="byObject"/>
+      </p:transition>
+    </mc:Choice>
+    <mc:Fallback xmlns="">
+      <p:transition>
+        <p:fade/>
+      </p:transition>
+    </mc:Fallback>
+  </mc:AlternateContent>
+</p:sld>
+</file>
+
+<file path=ppt/slides/slide21.xml><?xml version="1.0" encoding="utf-8"?>
+<p:sld xmlns:a="http://schemas.openxmlformats.org/drawingml/2006/main" xmlns:r="http://schemas.openxmlformats.org/officeDocument/2006/relationships" xmlns:p="http://schemas.openxmlformats.org/presentationml/2006/main">
+  <p:cSld>
+    <p:spTree>
+      <p:nvGrpSpPr>
+        <p:cNvPr id="1" name=""/>
+        <p:cNvGrpSpPr/>
+        <p:nvPr/>
+      </p:nvGrpSpPr>
+      <p:grpSpPr>
+        <a:xfrm>
+          <a:off x="0" y="0"/>
+          <a:ext cx="0" cy="0"/>
+          <a:chOff x="0" y="0"/>
+          <a:chExt cx="0" cy="0"/>
+        </a:xfrm>
+      </p:grpSpPr>
+      <p:sp>
+        <p:nvSpPr>
+          <p:cNvPr id="2" name="Title 1">
+            <a:extLst>
+              <a:ext uri="{FF2B5EF4-FFF2-40B4-BE49-F238E27FC236}">
+                <a16:creationId xmlns:a16="http://schemas.microsoft.com/office/drawing/2014/main" id="{9DE79D1A-054E-4CDD-88E9-68C335105687}"/>
+              </a:ext>
+            </a:extLst>
+          </p:cNvPr>
+          <p:cNvSpPr>
+            <a:spLocks noGrp="1"/>
+          </p:cNvSpPr>
+          <p:nvPr>
+            <p:ph type="title"/>
+          </p:nvPr>
+        </p:nvSpPr>
+        <p:spPr/>
+        <p:txBody>
+          <a:bodyPr/>
+          <a:lstStyle/>
+          <a:p>
+            <a:r>
+              <a:rPr lang="en-US" dirty="0"/>
+              <a:t>Show off your skills. Win a small prize.</a:t>
+            </a:r>
+          </a:p>
+        </p:txBody>
+      </p:sp>
+      <p:sp>
+        <p:nvSpPr>
+          <p:cNvPr id="3" name="Slide Number Placeholder 2">
+            <a:extLst>
+              <a:ext uri="{FF2B5EF4-FFF2-40B4-BE49-F238E27FC236}">
+                <a16:creationId xmlns:a16="http://schemas.microsoft.com/office/drawing/2014/main" id="{77DD8A66-C96D-41F1-B02C-16BF7B057FE8}"/>
+              </a:ext>
+            </a:extLst>
+          </p:cNvPr>
+          <p:cNvSpPr>
+            <a:spLocks noGrp="1"/>
+          </p:cNvSpPr>
+          <p:nvPr>
+            <p:ph type="sldNum" sz="quarter" idx="12"/>
+          </p:nvPr>
+        </p:nvSpPr>
+        <p:spPr/>
+        <p:txBody>
+          <a:bodyPr/>
+          <a:lstStyle/>
+          <a:p>
+            <a:fld id="{E08A2EAE-61F0-4E80-AF13-6C345B2B49E7}" type="slidenum">
+              <a:rPr lang="en-US" smtClean="0"/>
+              <a:pPr/>
+              <a:t>21</a:t>
+            </a:fld>
+            <a:endParaRPr lang="en-US" dirty="0"/>
+          </a:p>
+        </p:txBody>
+      </p:sp>
+      <p:sp>
+        <p:nvSpPr>
+          <p:cNvPr id="4" name="Text Placeholder 3">
+            <a:extLst>
+              <a:ext uri="{FF2B5EF4-FFF2-40B4-BE49-F238E27FC236}">
+                <a16:creationId xmlns:a16="http://schemas.microsoft.com/office/drawing/2014/main" id="{A61DFA69-4843-4BC5-8F90-133717AEF0C6}"/>
+              </a:ext>
+            </a:extLst>
+          </p:cNvPr>
+          <p:cNvSpPr>
+            <a:spLocks noGrp="1"/>
+          </p:cNvSpPr>
+          <p:nvPr>
+            <p:ph type="body" sz="quarter" idx="20"/>
+          </p:nvPr>
+        </p:nvSpPr>
+        <p:spPr/>
+        <p:txBody>
+          <a:bodyPr/>
+          <a:lstStyle/>
+          <a:p>
+            <a:endParaRPr lang="en-US"/>
+          </a:p>
+        </p:txBody>
+      </p:sp>
       <p:sp>
         <p:nvSpPr>
           <p:cNvPr id="6" name="TextBox 5">
@@ -30591,7 +33465,23 @@
                   <a:srgbClr val="000000"/>
                 </a:solidFill>
               </a:rPr>
-              <a:t>Everyone who submits can join a free workshop on automating presentations with Python.</a:t>
+              <a:t>Everyone who submits can join a free </a:t>
+            </a:r>
+            <a:r>
+              <a:rPr lang="en-US" altLang="en-US" dirty="0">
+                <a:solidFill>
+                  <a:schemeClr val="accent6"/>
+                </a:solidFill>
+              </a:rPr>
+              <a:t>workshop on automating presentations</a:t>
+            </a:r>
+            <a:r>
+              <a:rPr lang="en-US" altLang="en-US" dirty="0">
+                <a:solidFill>
+                  <a:srgbClr val="000000"/>
+                </a:solidFill>
+              </a:rPr>
+              <a:t> with Python.</a:t>
             </a:r>
             <a:endParaRPr kumimoji="0" lang="en-US" altLang="en-US" b="0" i="0" u="none" strike="noStrike" cap="none" normalizeH="0" baseline="0" dirty="0">
               <a:ln>
@@ -30653,7 +33543,78 @@
                 </a:solidFill>
                 <a:effectLst/>
               </a:rPr>
-              <a:t> gift voucher for Rs 3,000, Rs 2,000, and Rs 1,000, and the option to interview with Gramener to work on </a:t>
+              <a:t> </a:t>
+            </a:r>
+            <a:r>
+              <a:rPr kumimoji="0" lang="en-US" altLang="en-US" b="0" i="0" u="none" strike="noStrike" cap="none" normalizeH="0" baseline="0" dirty="0">
+                <a:ln>
+                  <a:noFill/>
+                </a:ln>
+                <a:solidFill>
+                  <a:schemeClr val="accent6"/>
+                </a:solidFill>
+                <a:effectLst/>
+              </a:rPr>
+              <a:t>gift voucher</a:t>
+            </a:r>
+            <a:r>
+              <a:rPr kumimoji="0" lang="en-US" altLang="en-US" b="0" i="0" u="none" strike="noStrike" cap="none" normalizeH="0" baseline="0" dirty="0">
+                <a:ln>
+                  <a:noFill/>
+                </a:ln>
+                <a:solidFill>
+                  <a:srgbClr val="000000"/>
+                </a:solidFill>
+                <a:effectLst/>
+              </a:rPr>
+              <a:t> for Rs 3,000, Rs 2,000, and Rs 1,000,</a:t>
+            </a:r>
+            <a:br>
+              <a:rPr kumimoji="0" lang="en-US" altLang="en-US" b="0" i="0" u="none" strike="noStrike" cap="none" normalizeH="0" baseline="0" dirty="0">
+                <a:ln>
+                  <a:noFill/>
+                </a:ln>
+                <a:solidFill>
+                  <a:srgbClr val="000000"/>
+                </a:solidFill>
+                <a:effectLst/>
+              </a:rPr>
+            </a:br>
+            <a:r>
+              <a:rPr kumimoji="0" lang="en-US" altLang="en-US" b="0" i="0" u="none" strike="noStrike" cap="none" normalizeH="0" baseline="0" dirty="0">
+                <a:ln>
+                  <a:noFill/>
+                </a:ln>
+                <a:solidFill>
+                  <a:srgbClr val="000000"/>
+                </a:solidFill>
+                <a:effectLst/>
+              </a:rPr>
+              <a:t>and an </a:t>
+            </a:r>
+            <a:r>
+              <a:rPr kumimoji="0" lang="en-US" altLang="en-US" b="0" i="0" u="none" strike="noStrike" cap="none" normalizeH="0" baseline="0" dirty="0">
+                <a:ln>
+                  <a:noFill/>
+                </a:ln>
+                <a:solidFill>
+                  <a:schemeClr val="accent6"/>
+                </a:solidFill>
+                <a:effectLst/>
+              </a:rPr>
+              <a:t>interview</a:t>
+            </a:r>
+            <a:r>
+              <a:rPr kumimoji="0" lang="en-US" altLang="en-US" b="0" i="0" u="none" strike="noStrike" cap="none" normalizeH="0" baseline="0" dirty="0">
+                <a:ln>
+                  <a:noFill/>
+                </a:ln>
+                <a:solidFill>
+                  <a:srgbClr val="000000"/>
+                </a:solidFill>
+                <a:effectLst/>
+              </a:rPr>
+              <a:t> with Gramener to work on </a:t>
             </a:r>
             <a:r>
               <a:rPr kumimoji="0" lang="en-US" altLang="en-US" b="0" i="0" u="none" strike="noStrike" cap="none" normalizeH="0" baseline="0" dirty="0" err="1">
@@ -30668,17 +33629,22 @@
               <a:t>SlideSense</a:t>
             </a:r>
             <a:r>
-              <a:rPr kumimoji="0" lang="en-US" altLang="en-US" b="0" i="0" u="none" strike="noStrike" cap="none" normalizeH="0" baseline="0" dirty="0">
-                <a:ln>
-                  <a:noFill/>
-                </a:ln>
+              <a:rPr lang="en-US" altLang="en-US" dirty="0">
                 <a:solidFill>
                   <a:srgbClr val="000000"/>
                 </a:solidFill>
-                <a:effectLst/>
-              </a:rPr>
-              <a:t>.</a:t>
-            </a:r>
+              </a:rPr>
+              <a:t>, if you wish.</a:t>
+            </a:r>
+            <a:endParaRPr kumimoji="0" lang="en-US" altLang="en-US" b="0" i="0" u="none" strike="noStrike" cap="none" normalizeH="0" baseline="0" dirty="0">
+              <a:ln>
+                <a:noFill/>
+              </a:ln>
+              <a:solidFill>
+                <a:srgbClr val="000000"/>
+              </a:solidFill>
+              <a:effectLst/>
+            </a:endParaRPr>
           </a:p>
         </p:txBody>
       </p:sp>
@@ -30692,13 +33658,13 @@
   <p:clrMapOvr>
     <a:masterClrMapping/>
   </p:clrMapOvr>
-  <mc:AlternateContent xmlns:mc="http://schemas.openxmlformats.org/markup-compatibility/2006">
-    <mc:Choice xmlns:p159="http://schemas.microsoft.com/office/powerpoint/2015/09/main" Requires="p159">
+  <mc:AlternateContent xmlns:mc="http://schemas.openxmlformats.org/markup-compatibility/2006" xmlns:p159="http://schemas.microsoft.com/office/powerpoint/2015/09/main">
+    <mc:Choice Requires="p159">
       <p:transition xmlns:p14="http://schemas.microsoft.com/office/powerpoint/2010/main" p14:dur="300">
         <p159:morph option="byObject"/>
       </p:transition>
     </mc:Choice>
-    <mc:Fallback>
+    <mc:Fallback xmlns="">
       <p:transition>
         <p:fade/>
       </p:transition>
@@ -30707,7 +33673,7 @@
 </p:sld>
 </file>
 
-<file path=ppt/slides/slide21.xml><?xml version="1.0" encoding="utf-8"?>
+<file path=ppt/slides/slide22.xml><?xml version="1.0" encoding="utf-8"?>
 <p:sld xmlns:a="http://schemas.openxmlformats.org/drawingml/2006/main" xmlns:r="http://schemas.openxmlformats.org/officeDocument/2006/relationships" xmlns:p="http://schemas.openxmlformats.org/presentationml/2006/main">
   <p:cSld>
     <p:spTree>
@@ -31806,13 +34772,13 @@
   <p:clrMapOvr>
     <a:masterClrMapping/>
   </p:clrMapOvr>
-  <mc:AlternateContent xmlns:mc="http://schemas.openxmlformats.org/markup-compatibility/2006">
-    <mc:Choice xmlns:p159="http://schemas.microsoft.com/office/powerpoint/2015/09/main" Requires="p159">
+  <mc:AlternateContent xmlns:mc="http://schemas.openxmlformats.org/markup-compatibility/2006" xmlns:p159="http://schemas.microsoft.com/office/powerpoint/2015/09/main">
+    <mc:Choice Requires="p159">
       <p:transition xmlns:p14="http://schemas.microsoft.com/office/powerpoint/2010/main" p14:dur="300">
         <p159:morph option="byObject"/>
       </p:transition>
     </mc:Choice>
-    <mc:Fallback>
+    <mc:Fallback xmlns="">
       <p:transition>
         <p:fade/>
       </p:transition>
@@ -32920,13 +35886,13 @@
   <p:clrMapOvr>
     <a:masterClrMapping/>
   </p:clrMapOvr>
-  <mc:AlternateContent xmlns:mc="http://schemas.openxmlformats.org/markup-compatibility/2006">
-    <mc:Choice xmlns:p159="http://schemas.microsoft.com/office/powerpoint/2015/09/main" Requires="p159">
+  <mc:AlternateContent xmlns:mc="http://schemas.openxmlformats.org/markup-compatibility/2006" xmlns:p159="http://schemas.microsoft.com/office/powerpoint/2015/09/main">
+    <mc:Choice Requires="p159">
       <p:transition xmlns:p14="http://schemas.microsoft.com/office/powerpoint/2010/main" p14:dur="300">
         <p159:morph option="byObject"/>
       </p:transition>
     </mc:Choice>
-    <mc:Fallback>
+    <mc:Fallback xmlns="">
       <p:transition>
         <p:fade/>
       </p:transition>
@@ -32954,10 +35920,10 @@
       </p:grpSpPr>
       <p:sp>
         <p:nvSpPr>
-          <p:cNvPr id="11" name="Title 10">
-            <a:extLst>
-              <a:ext uri="{FF2B5EF4-FFF2-40B4-BE49-F238E27FC236}">
-                <a16:creationId xmlns:a16="http://schemas.microsoft.com/office/drawing/2014/main" id="{8381F386-2CA3-4700-9107-A7CB73797E11}"/>
+          <p:cNvPr id="2" name="Title 1">
+            <a:extLst>
+              <a:ext uri="{FF2B5EF4-FFF2-40B4-BE49-F238E27FC236}">
+                <a16:creationId xmlns:a16="http://schemas.microsoft.com/office/drawing/2014/main" id="{66377320-D424-4608-8615-719C48BD9E12}"/>
               </a:ext>
             </a:extLst>
           </p:cNvPr>
@@ -32968,51 +35934,89 @@
             <p:ph type="title"/>
           </p:nvPr>
         </p:nvSpPr>
-        <p:spPr>
-          <a:xfrm>
-            <a:off x="243840" y="2208917"/>
-            <a:ext cx="11704320" cy="2220821"/>
-          </a:xfrm>
-        </p:spPr>
-        <p:txBody>
-          <a:bodyPr>
-            <a:normAutofit/>
-          </a:bodyPr>
+        <p:spPr/>
+        <p:txBody>
+          <a:bodyPr/>
           <a:lstStyle/>
           <a:p>
-            <a:pPr algn="ctr"/>
-            <a:r>
-              <a:rPr lang="en-US" sz="4000" dirty="0"/>
-              <a:t>With almost </a:t>
-            </a:r>
-            <a:r>
-              <a:rPr lang="en-US" sz="4000" dirty="0">
-                <a:solidFill>
-                  <a:schemeClr val="accent6"/>
-                </a:solidFill>
-              </a:rPr>
-              <a:t>1 billion users</a:t>
-            </a:r>
-            <a:r>
-              <a:rPr lang="en-US" sz="4000" dirty="0"/>
-              <a:t>, PowerPoint is the</a:t>
-            </a:r>
-            <a:br>
-              <a:rPr lang="en-US" sz="4000" dirty="0"/>
-            </a:br>
-            <a:r>
-              <a:rPr lang="en-US" sz="4000" dirty="0"/>
-              <a:t>largest medium to communicate data</a:t>
-            </a:r>
-          </a:p>
-        </p:txBody>
-      </p:sp>
-      <p:sp>
-        <p:nvSpPr>
-          <p:cNvPr id="12" name="Text Placeholder 11">
-            <a:extLst>
-              <a:ext uri="{FF2B5EF4-FFF2-40B4-BE49-F238E27FC236}">
-                <a16:creationId xmlns:a16="http://schemas.microsoft.com/office/drawing/2014/main" id="{C820E8A4-FCB4-4D73-B7AF-5B428DF6878D}"/>
+            <a:r>
+              <a:rPr lang="en-US" dirty="0"/>
+              <a:t>While I talk, you can set up your machine</a:t>
+            </a:r>
+          </a:p>
+        </p:txBody>
+      </p:sp>
+      <p:sp>
+        <p:nvSpPr>
+          <p:cNvPr id="3" name="Text Placeholder 2">
+            <a:extLst>
+              <a:ext uri="{FF2B5EF4-FFF2-40B4-BE49-F238E27FC236}">
+                <a16:creationId xmlns:a16="http://schemas.microsoft.com/office/drawing/2014/main" id="{24DB21F8-A052-4DDD-89BF-6547A62AEC2E}"/>
+              </a:ext>
+            </a:extLst>
+          </p:cNvPr>
+          <p:cNvSpPr>
+            <a:spLocks noGrp="1"/>
+          </p:cNvSpPr>
+          <p:nvPr>
+            <p:ph type="body" sz="quarter" idx="16"/>
+          </p:nvPr>
+        </p:nvSpPr>
+        <p:spPr/>
+        <p:txBody>
+          <a:bodyPr/>
+          <a:lstStyle/>
+          <a:p>
+            <a:r>
+              <a:rPr lang="en-US" dirty="0"/>
+              <a:t>You can do this while I talk </a:t>
+            </a:r>
+            <a:r>
+              <a:rPr lang="en-US" dirty="0">
+                <a:sym typeface="Wingdings" panose="05000000000000000000" pitchFamily="2" charset="2"/>
+              </a:rPr>
+              <a:t></a:t>
+            </a:r>
+            <a:endParaRPr lang="en-US" dirty="0"/>
+          </a:p>
+        </p:txBody>
+      </p:sp>
+      <p:sp>
+        <p:nvSpPr>
+          <p:cNvPr id="4" name="Slide Number Placeholder 3">
+            <a:extLst>
+              <a:ext uri="{FF2B5EF4-FFF2-40B4-BE49-F238E27FC236}">
+                <a16:creationId xmlns:a16="http://schemas.microsoft.com/office/drawing/2014/main" id="{122487F7-F222-4122-82C3-F08887EDD174}"/>
+              </a:ext>
+            </a:extLst>
+          </p:cNvPr>
+          <p:cNvSpPr>
+            <a:spLocks noGrp="1"/>
+          </p:cNvSpPr>
+          <p:nvPr>
+            <p:ph type="sldNum" sz="quarter" idx="19"/>
+          </p:nvPr>
+        </p:nvSpPr>
+        <p:spPr/>
+        <p:txBody>
+          <a:bodyPr/>
+          <a:lstStyle/>
+          <a:p>
+            <a:fld id="{E08A2EAE-61F0-4E80-AF13-6C345B2B49E7}" type="slidenum">
+              <a:rPr lang="en-US" smtClean="0"/>
+              <a:pPr/>
+              <a:t>4</a:t>
+            </a:fld>
+            <a:endParaRPr lang="en-US" dirty="0"/>
+          </a:p>
+        </p:txBody>
+      </p:sp>
+      <p:sp>
+        <p:nvSpPr>
+          <p:cNvPr id="5" name="Text Placeholder 4">
+            <a:extLst>
+              <a:ext uri="{FF2B5EF4-FFF2-40B4-BE49-F238E27FC236}">
+                <a16:creationId xmlns:a16="http://schemas.microsoft.com/office/drawing/2014/main" id="{CB0FB89F-DD2F-4F6A-8F3B-C59CCEA15ECF}"/>
               </a:ext>
             </a:extLst>
           </p:cNvPr>
@@ -33028,107 +36032,48 @@
           <a:bodyPr/>
           <a:lstStyle/>
           <a:p>
-            <a:pPr marL="0" indent="0">
-              <a:buNone/>
-            </a:pPr>
-            <a:r>
-              <a:rPr lang="en-US" dirty="0"/>
-              <a:t>Source: </a:t>
-            </a:r>
-            <a:r>
-              <a:rPr lang="en-US" dirty="0">
-                <a:hlinkClick r:id="rId2"/>
-              </a:rPr>
-              <a:t>https://www.zdnet.com/article/about-that-1-billion-microsoft-office-figure/</a:t>
-            </a:r>
-            <a:endParaRPr lang="en-US" dirty="0"/>
-          </a:p>
-        </p:txBody>
-      </p:sp>
-      <p:sp>
-        <p:nvSpPr>
-          <p:cNvPr id="4" name="Title 10">
-            <a:extLst>
-              <a:ext uri="{FF2B5EF4-FFF2-40B4-BE49-F238E27FC236}">
-                <a16:creationId xmlns:a16="http://schemas.microsoft.com/office/drawing/2014/main" id="{328BC537-038D-454C-8722-FA777F723155}"/>
-              </a:ext>
-            </a:extLst>
-          </p:cNvPr>
-          <p:cNvSpPr txBox="1">
-            <a:spLocks/>
-          </p:cNvSpPr>
-          <p:nvPr/>
-        </p:nvSpPr>
-        <p:spPr>
-          <a:xfrm>
-            <a:off x="243840" y="4054809"/>
-            <a:ext cx="11704320" cy="2220821"/>
-          </a:xfrm>
-          <a:prstGeom prst="rect">
-            <a:avLst/>
-          </a:prstGeom>
-        </p:spPr>
-        <p:txBody>
-          <a:bodyPr vert="horz" lIns="91440" tIns="45720" rIns="91440" bIns="45720" rtlCol="0" anchor="ctr">
-            <a:normAutofit/>
-          </a:bodyPr>
-          <a:lstStyle>
-            <a:lvl1pPr algn="l" defTabSz="914400" rtl="0" eaLnBrk="1" latinLnBrk="0" hangingPunct="1">
-              <a:lnSpc>
-                <a:spcPct val="100000"/>
-              </a:lnSpc>
-              <a:spcBef>
-                <a:spcPct val="0"/>
-              </a:spcBef>
-              <a:buNone/>
-              <a:defRPr sz="2400" b="1" kern="1200" cap="none" baseline="0">
-                <a:solidFill>
-                  <a:schemeClr val="bg1"/>
-                </a:solidFill>
-                <a:latin typeface="+mj-lt"/>
-                <a:ea typeface="+mj-ea"/>
-                <a:cs typeface="+mj-cs"/>
-              </a:defRPr>
-            </a:lvl1pPr>
-          </a:lstStyle>
-          <a:p>
-            <a:pPr algn="ctr"/>
-            <a:r>
-              <a:rPr lang="en-US" sz="2800" dirty="0"/>
-              <a:t>Almost everyone has PowerPoint. No extra cost.</a:t>
-            </a:r>
-          </a:p>
-          <a:p>
-            <a:pPr algn="ctr"/>
-            <a:r>
-              <a:rPr lang="en-US" sz="2800" dirty="0"/>
-              <a:t>Almost everyone can use PowerPoint. No extra training.</a:t>
-            </a:r>
-          </a:p>
-        </p:txBody>
-      </p:sp>
+            <a:endParaRPr lang="en-US"/>
+          </a:p>
+        </p:txBody>
+      </p:sp>
+      <p:graphicFrame>
+        <p:nvGraphicFramePr>
+          <p:cNvPr id="7" name="Diagram 6">
+            <a:extLst>
+              <a:ext uri="{FF2B5EF4-FFF2-40B4-BE49-F238E27FC236}">
+                <a16:creationId xmlns:a16="http://schemas.microsoft.com/office/drawing/2014/main" id="{33AE7EAE-0F1F-409D-9DCA-E90C14149E2D}"/>
+              </a:ext>
+            </a:extLst>
+          </p:cNvPr>
+          <p:cNvGraphicFramePr/>
+          <p:nvPr>
+            <p:extLst>
+              <p:ext uri="{D42A27DB-BD31-4B8C-83A1-F6EECF244321}">
+                <p14:modId xmlns:p14="http://schemas.microsoft.com/office/powerpoint/2010/main" val="240883036"/>
+              </p:ext>
+            </p:extLst>
+          </p:nvPr>
+        </p:nvGraphicFramePr>
+        <p:xfrm>
+          <a:off x="243840" y="1418601"/>
+          <a:ext cx="11704320" cy="3307223"/>
+        </p:xfrm>
+        <a:graphic>
+          <a:graphicData uri="http://schemas.openxmlformats.org/drawingml/2006/diagram">
+            <dgm:relIds xmlns:dgm="http://schemas.openxmlformats.org/drawingml/2006/diagram" xmlns:r="http://schemas.openxmlformats.org/officeDocument/2006/relationships" r:dm="rId2" r:lo="rId3" r:qs="rId4" r:cs="rId5"/>
+          </a:graphicData>
+        </a:graphic>
+      </p:graphicFrame>
     </p:spTree>
     <p:extLst>
       <p:ext uri="{BB962C8B-B14F-4D97-AF65-F5344CB8AC3E}">
-        <p14:creationId xmlns:p14="http://schemas.microsoft.com/office/powerpoint/2010/main" val="1184167957"/>
+        <p14:creationId xmlns:p14="http://schemas.microsoft.com/office/powerpoint/2010/main" val="1300813921"/>
       </p:ext>
     </p:extLst>
   </p:cSld>
   <p:clrMapOvr>
     <a:masterClrMapping/>
   </p:clrMapOvr>
-  <mc:AlternateContent xmlns:mc="http://schemas.openxmlformats.org/markup-compatibility/2006">
-    <mc:Choice xmlns:p159="http://schemas.microsoft.com/office/powerpoint/2015/09/main" Requires="p159">
-      <p:transition xmlns:p14="http://schemas.microsoft.com/office/powerpoint/2010/main" p14:dur="300">
-        <p159:morph option="byObject"/>
-      </p:transition>
-    </mc:Choice>
-    <mc:Fallback>
-      <p:transition>
-        <p:fade/>
-      </p:transition>
-    </mc:Fallback>
-  </mc:AlternateContent>
 </p:sld>
 </file>
 
@@ -33167,7 +36112,7 @@
         </p:nvSpPr>
         <p:spPr>
           <a:xfrm>
-            <a:off x="243840" y="2191825"/>
+            <a:off x="243840" y="2208917"/>
             <a:ext cx="11704320" cy="2220821"/>
           </a:xfrm>
         </p:spPr>
@@ -33180,8 +36125,65 @@
             <a:pPr algn="ctr"/>
             <a:r>
               <a:rPr lang="en-US" sz="4000" dirty="0"/>
-              <a:t>PowerPoint uses an open format: Office XML</a:t>
-            </a:r>
+              <a:t>With almost </a:t>
+            </a:r>
+            <a:r>
+              <a:rPr lang="en-US" sz="4000" dirty="0">
+                <a:solidFill>
+                  <a:schemeClr val="accent6"/>
+                </a:solidFill>
+              </a:rPr>
+              <a:t>1 billion users</a:t>
+            </a:r>
+            <a:r>
+              <a:rPr lang="en-US" sz="4000" dirty="0"/>
+              <a:t>, PowerPoint is the</a:t>
+            </a:r>
+            <a:br>
+              <a:rPr lang="en-US" sz="4000" dirty="0"/>
+            </a:br>
+            <a:r>
+              <a:rPr lang="en-US" sz="4000" dirty="0"/>
+              <a:t>largest medium to communicate data</a:t>
+            </a:r>
+          </a:p>
+        </p:txBody>
+      </p:sp>
+      <p:sp>
+        <p:nvSpPr>
+          <p:cNvPr id="12" name="Text Placeholder 11">
+            <a:extLst>
+              <a:ext uri="{FF2B5EF4-FFF2-40B4-BE49-F238E27FC236}">
+                <a16:creationId xmlns:a16="http://schemas.microsoft.com/office/drawing/2014/main" id="{C820E8A4-FCB4-4D73-B7AF-5B428DF6878D}"/>
+              </a:ext>
+            </a:extLst>
+          </p:cNvPr>
+          <p:cNvSpPr>
+            <a:spLocks noGrp="1"/>
+          </p:cNvSpPr>
+          <p:nvPr>
+            <p:ph type="body" sz="quarter" idx="20"/>
+          </p:nvPr>
+        </p:nvSpPr>
+        <p:spPr/>
+        <p:txBody>
+          <a:bodyPr/>
+          <a:lstStyle/>
+          <a:p>
+            <a:pPr marL="0" indent="0">
+              <a:buNone/>
+            </a:pPr>
+            <a:r>
+              <a:rPr lang="en-US" dirty="0"/>
+              <a:t>Source: </a:t>
+            </a:r>
+            <a:r>
+              <a:rPr lang="en-US" dirty="0">
+                <a:hlinkClick r:id="rId2"/>
+              </a:rPr>
+              <a:t>https://www.zdnet.com/article/about-that-1-billion-microsoft-office-figure/</a:t>
+            </a:r>
+            <a:endParaRPr lang="en-US" dirty="0"/>
           </a:p>
         </p:txBody>
       </p:sp>
@@ -33235,60 +36237,35 @@
             <a:pPr algn="ctr"/>
             <a:r>
               <a:rPr lang="en-US" sz="2800" dirty="0"/>
-              <a:t>You don’t need PowerPoint to create/read PPTX file.</a:t>
+              <a:t>Almost everyone has PowerPoint. No extra cost.</a:t>
             </a:r>
           </a:p>
           <a:p>
             <a:pPr algn="ctr"/>
             <a:r>
               <a:rPr lang="en-US" sz="2800" dirty="0"/>
-              <a:t>You can use Python for this.</a:t>
-            </a:r>
-          </a:p>
-        </p:txBody>
-      </p:sp>
-      <p:sp>
-        <p:nvSpPr>
-          <p:cNvPr id="3" name="Text Placeholder 2">
-            <a:extLst>
-              <a:ext uri="{FF2B5EF4-FFF2-40B4-BE49-F238E27FC236}">
-                <a16:creationId xmlns:a16="http://schemas.microsoft.com/office/drawing/2014/main" id="{B67BDA3F-6A07-4B85-B994-03778FEE7BAD}"/>
-              </a:ext>
-            </a:extLst>
-          </p:cNvPr>
-          <p:cNvSpPr>
-            <a:spLocks noGrp="1"/>
-          </p:cNvSpPr>
-          <p:nvPr>
-            <p:ph type="body" sz="quarter" idx="20"/>
-          </p:nvPr>
-        </p:nvSpPr>
-        <p:spPr/>
-        <p:txBody>
-          <a:bodyPr/>
-          <a:lstStyle/>
-          <a:p>
-            <a:endParaRPr lang="en-US"/>
+              <a:t>Almost everyone can use PowerPoint. No extra training.</a:t>
+            </a:r>
           </a:p>
         </p:txBody>
       </p:sp>
     </p:spTree>
     <p:extLst>
       <p:ext uri="{BB962C8B-B14F-4D97-AF65-F5344CB8AC3E}">
-        <p14:creationId xmlns:p14="http://schemas.microsoft.com/office/powerpoint/2010/main" val="371693149"/>
+        <p14:creationId xmlns:p14="http://schemas.microsoft.com/office/powerpoint/2010/main" val="1802941078"/>
       </p:ext>
     </p:extLst>
   </p:cSld>
   <p:clrMapOvr>
     <a:masterClrMapping/>
   </p:clrMapOvr>
-  <mc:AlternateContent xmlns:mc="http://schemas.openxmlformats.org/markup-compatibility/2006">
-    <mc:Choice xmlns:p159="http://schemas.microsoft.com/office/powerpoint/2015/09/main" Requires="p159">
+  <mc:AlternateContent xmlns:mc="http://schemas.openxmlformats.org/markup-compatibility/2006" xmlns:p159="http://schemas.microsoft.com/office/powerpoint/2015/09/main">
+    <mc:Choice Requires="p159">
       <p:transition xmlns:p14="http://schemas.microsoft.com/office/powerpoint/2010/main" p14:dur="300">
         <p159:morph option="byObject"/>
       </p:transition>
     </mc:Choice>
-    <mc:Fallback>
+    <mc:Fallback xmlns="">
       <p:transition>
         <p:fade/>
       </p:transition>
@@ -33316,10 +36293,10 @@
       </p:grpSpPr>
       <p:sp>
         <p:nvSpPr>
-          <p:cNvPr id="6" name="Title 5">
-            <a:extLst>
-              <a:ext uri="{FF2B5EF4-FFF2-40B4-BE49-F238E27FC236}">
-                <a16:creationId xmlns:a16="http://schemas.microsoft.com/office/drawing/2014/main" id="{2C6E0128-C51B-48C3-A3F5-7267CD11A60F}"/>
+          <p:cNvPr id="11" name="Title 10">
+            <a:extLst>
+              <a:ext uri="{FF2B5EF4-FFF2-40B4-BE49-F238E27FC236}">
+                <a16:creationId xmlns:a16="http://schemas.microsoft.com/office/drawing/2014/main" id="{8381F386-2CA3-4700-9107-A7CB73797E11}"/>
               </a:ext>
             </a:extLst>
           </p:cNvPr>
@@ -33330,54 +36307,94 @@
             <p:ph type="title"/>
           </p:nvPr>
         </p:nvSpPr>
-        <p:spPr/>
-        <p:txBody>
-          <a:bodyPr/>
+        <p:spPr>
+          <a:xfrm>
+            <a:off x="243840" y="2191825"/>
+            <a:ext cx="11704320" cy="2220821"/>
+          </a:xfrm>
+        </p:spPr>
+        <p:txBody>
+          <a:bodyPr>
+            <a:normAutofit/>
+          </a:bodyPr>
           <a:lstStyle/>
           <a:p>
-            <a:r>
-              <a:rPr lang="en-US" dirty="0"/>
-              <a:t>Here’s a simple example of how to edit text in PowerPoint</a:t>
-            </a:r>
-          </a:p>
-        </p:txBody>
-      </p:sp>
-      <p:sp>
-        <p:nvSpPr>
-          <p:cNvPr id="4" name="Slide Number Placeholder 3">
-            <a:extLst>
-              <a:ext uri="{FF2B5EF4-FFF2-40B4-BE49-F238E27FC236}">
-                <a16:creationId xmlns:a16="http://schemas.microsoft.com/office/drawing/2014/main" id="{D7EC6F2D-E716-44BC-91DD-1E574C588AC2}"/>
-              </a:ext>
-            </a:extLst>
-          </p:cNvPr>
-          <p:cNvSpPr>
-            <a:spLocks noGrp="1"/>
+            <a:pPr algn="ctr"/>
+            <a:r>
+              <a:rPr lang="en-US" sz="4000" dirty="0"/>
+              <a:t>PowerPoint uses an open format: Office XML</a:t>
+            </a:r>
+          </a:p>
+        </p:txBody>
+      </p:sp>
+      <p:sp>
+        <p:nvSpPr>
+          <p:cNvPr id="4" name="Title 10">
+            <a:extLst>
+              <a:ext uri="{FF2B5EF4-FFF2-40B4-BE49-F238E27FC236}">
+                <a16:creationId xmlns:a16="http://schemas.microsoft.com/office/drawing/2014/main" id="{328BC537-038D-454C-8722-FA777F723155}"/>
+              </a:ext>
+            </a:extLst>
+          </p:cNvPr>
+          <p:cNvSpPr txBox="1">
+            <a:spLocks/>
           </p:cNvSpPr>
-          <p:nvPr>
-            <p:ph type="sldNum" sz="quarter" idx="19"/>
-          </p:nvPr>
-        </p:nvSpPr>
-        <p:spPr/>
-        <p:txBody>
-          <a:bodyPr/>
-          <a:lstStyle/>
-          <a:p>
-            <a:fld id="{E08A2EAE-61F0-4E80-AF13-6C345B2B49E7}" type="slidenum">
-              <a:rPr lang="en-US" smtClean="0"/>
-              <a:pPr/>
-              <a:t>6</a:t>
-            </a:fld>
-            <a:endParaRPr lang="en-US" dirty="0"/>
-          </a:p>
-        </p:txBody>
-      </p:sp>
-      <p:sp>
-        <p:nvSpPr>
-          <p:cNvPr id="8" name="Text Placeholder 7">
-            <a:extLst>
-              <a:ext uri="{FF2B5EF4-FFF2-40B4-BE49-F238E27FC236}">
-                <a16:creationId xmlns:a16="http://schemas.microsoft.com/office/drawing/2014/main" id="{058169D0-B0B1-4BB7-9094-A15D35C9276A}"/>
+          <p:nvPr/>
+        </p:nvSpPr>
+        <p:spPr>
+          <a:xfrm>
+            <a:off x="243840" y="4054809"/>
+            <a:ext cx="11704320" cy="2220821"/>
+          </a:xfrm>
+          <a:prstGeom prst="rect">
+            <a:avLst/>
+          </a:prstGeom>
+        </p:spPr>
+        <p:txBody>
+          <a:bodyPr vert="horz" lIns="91440" tIns="45720" rIns="91440" bIns="45720" rtlCol="0" anchor="ctr">
+            <a:normAutofit/>
+          </a:bodyPr>
+          <a:lstStyle>
+            <a:lvl1pPr algn="l" defTabSz="914400" rtl="0" eaLnBrk="1" latinLnBrk="0" hangingPunct="1">
+              <a:lnSpc>
+                <a:spcPct val="100000"/>
+              </a:lnSpc>
+              <a:spcBef>
+                <a:spcPct val="0"/>
+              </a:spcBef>
+              <a:buNone/>
+              <a:defRPr sz="2400" b="1" kern="1200" cap="none" baseline="0">
+                <a:solidFill>
+                  <a:schemeClr val="bg1"/>
+                </a:solidFill>
+                <a:latin typeface="+mj-lt"/>
+                <a:ea typeface="+mj-ea"/>
+                <a:cs typeface="+mj-cs"/>
+              </a:defRPr>
+            </a:lvl1pPr>
+          </a:lstStyle>
+          <a:p>
+            <a:pPr algn="ctr"/>
+            <a:r>
+              <a:rPr lang="en-US" sz="2800" dirty="0"/>
+              <a:t>You don’t need PowerPoint to create/read PPTX file.</a:t>
+            </a:r>
+          </a:p>
+          <a:p>
+            <a:pPr algn="ctr"/>
+            <a:r>
+              <a:rPr lang="en-US" sz="2800" dirty="0"/>
+              <a:t>You can use Python for this.</a:t>
+            </a:r>
+          </a:p>
+        </p:txBody>
+      </p:sp>
+      <p:sp>
+        <p:nvSpPr>
+          <p:cNvPr id="3" name="Text Placeholder 2">
+            <a:extLst>
+              <a:ext uri="{FF2B5EF4-FFF2-40B4-BE49-F238E27FC236}">
+                <a16:creationId xmlns:a16="http://schemas.microsoft.com/office/drawing/2014/main" id="{B67BDA3F-6A07-4B85-B994-03778FEE7BAD}"/>
               </a:ext>
             </a:extLst>
           </p:cNvPr>
@@ -33397,348 +36414,23 @@
           </a:p>
         </p:txBody>
       </p:sp>
-      <p:sp>
-        <p:nvSpPr>
-          <p:cNvPr id="10" name="TextBox 9">
-            <a:extLst>
-              <a:ext uri="{FF2B5EF4-FFF2-40B4-BE49-F238E27FC236}">
-                <a16:creationId xmlns:a16="http://schemas.microsoft.com/office/drawing/2014/main" id="{CCDA87F0-B8BA-4A13-9275-1F01E8293468}"/>
-              </a:ext>
-            </a:extLst>
-          </p:cNvPr>
-          <p:cNvSpPr txBox="1"/>
-          <p:nvPr/>
-        </p:nvSpPr>
-        <p:spPr>
-          <a:xfrm>
-            <a:off x="243840" y="2217409"/>
-            <a:ext cx="8519160" cy="1477328"/>
-          </a:xfrm>
-          <a:prstGeom prst="rect">
-            <a:avLst/>
-          </a:prstGeom>
-          <a:solidFill>
-            <a:schemeClr val="tx1">
-              <a:lumMod val="85000"/>
-              <a:lumOff val="15000"/>
-            </a:schemeClr>
-          </a:solidFill>
-        </p:spPr>
-        <p:txBody>
-          <a:bodyPr wrap="square">
-            <a:spAutoFit/>
-          </a:bodyPr>
-          <a:lstStyle/>
-          <a:p>
-            <a:r>
-              <a:rPr lang="en-US" b="0" dirty="0">
-                <a:solidFill>
-                  <a:srgbClr val="C586C0"/>
-                </a:solidFill>
-                <a:effectLst/>
-                <a:latin typeface="Inconsolata, Consolas,  Fira Code"/>
-              </a:rPr>
-              <a:t>from</a:t>
-            </a:r>
-            <a:r>
-              <a:rPr lang="en-US" b="0" dirty="0">
-                <a:solidFill>
-                  <a:srgbClr val="D4D4D4"/>
-                </a:solidFill>
-                <a:effectLst/>
-                <a:latin typeface="Inconsolata, Consolas,  Fira Code"/>
-              </a:rPr>
-              <a:t> pptx </a:t>
-            </a:r>
-            <a:r>
-              <a:rPr lang="en-US" b="0" dirty="0">
-                <a:solidFill>
-                  <a:srgbClr val="C586C0"/>
-                </a:solidFill>
-                <a:effectLst/>
-                <a:latin typeface="Inconsolata, Consolas,  Fira Code"/>
-              </a:rPr>
-              <a:t>import</a:t>
-            </a:r>
-            <a:r>
-              <a:rPr lang="en-US" b="0" dirty="0">
-                <a:solidFill>
-                  <a:srgbClr val="D4D4D4"/>
-                </a:solidFill>
-                <a:effectLst/>
-                <a:latin typeface="Inconsolata, Consolas,  Fira Code"/>
-              </a:rPr>
-              <a:t> Presentation</a:t>
-            </a:r>
-          </a:p>
-          <a:p>
-            <a:br>
-              <a:rPr lang="en-US" b="0" dirty="0">
-                <a:solidFill>
-                  <a:srgbClr val="D4D4D4"/>
-                </a:solidFill>
-                <a:effectLst/>
-                <a:latin typeface="Inconsolata, Consolas,  Fira Code"/>
-              </a:rPr>
-            </a:br>
-            <a:r>
-              <a:rPr lang="en-US" b="0" dirty="0">
-                <a:solidFill>
-                  <a:srgbClr val="D4D4D4"/>
-                </a:solidFill>
-                <a:effectLst/>
-                <a:latin typeface="Inconsolata, Consolas,  Fira Code"/>
-              </a:rPr>
-              <a:t>prs = Presentation(</a:t>
-            </a:r>
-            <a:r>
-              <a:rPr lang="en-US" b="0" dirty="0">
-                <a:solidFill>
-                  <a:srgbClr val="CE9178"/>
-                </a:solidFill>
-                <a:effectLst/>
-                <a:latin typeface="Inconsolata, Consolas,  Fira Code"/>
-              </a:rPr>
-              <a:t>'input.pptx'</a:t>
-            </a:r>
-            <a:r>
-              <a:rPr lang="en-US" b="0" dirty="0">
-                <a:solidFill>
-                  <a:srgbClr val="D4D4D4"/>
-                </a:solidFill>
-                <a:effectLst/>
-                <a:latin typeface="Inconsolata, Consolas,  Fira Code"/>
-              </a:rPr>
-              <a:t>)</a:t>
-            </a:r>
-          </a:p>
-          <a:p>
-            <a:r>
-              <a:rPr lang="en-US" b="0" dirty="0" err="1">
-                <a:solidFill>
-                  <a:srgbClr val="D4D4D4"/>
-                </a:solidFill>
-                <a:effectLst/>
-                <a:latin typeface="Inconsolata, Consolas,  Fira Code"/>
-              </a:rPr>
-              <a:t>prs.slides</a:t>
-            </a:r>
-            <a:r>
-              <a:rPr lang="en-US" b="0" dirty="0">
-                <a:solidFill>
-                  <a:srgbClr val="D4D4D4"/>
-                </a:solidFill>
-                <a:effectLst/>
-                <a:latin typeface="Inconsolata, Consolas,  Fira Code"/>
-              </a:rPr>
-              <a:t>[</a:t>
-            </a:r>
-            <a:r>
-              <a:rPr lang="en-US" b="0" dirty="0">
-                <a:solidFill>
-                  <a:srgbClr val="B5CEA8"/>
-                </a:solidFill>
-                <a:effectLst/>
-                <a:latin typeface="Inconsolata, Consolas,  Fira Code"/>
-              </a:rPr>
-              <a:t>0</a:t>
-            </a:r>
-            <a:r>
-              <a:rPr lang="en-US" b="0" dirty="0">
-                <a:solidFill>
-                  <a:srgbClr val="D4D4D4"/>
-                </a:solidFill>
-                <a:effectLst/>
-                <a:latin typeface="Inconsolata, Consolas,  Fira Code"/>
-              </a:rPr>
-              <a:t>].shapes[</a:t>
-            </a:r>
-            <a:r>
-              <a:rPr lang="en-US" b="0" dirty="0">
-                <a:solidFill>
-                  <a:srgbClr val="B5CEA8"/>
-                </a:solidFill>
-                <a:effectLst/>
-                <a:latin typeface="Inconsolata, Consolas,  Fira Code"/>
-              </a:rPr>
-              <a:t>0</a:t>
-            </a:r>
-            <a:r>
-              <a:rPr lang="en-US" b="0" dirty="0">
-                <a:solidFill>
-                  <a:srgbClr val="D4D4D4"/>
-                </a:solidFill>
-                <a:effectLst/>
-                <a:latin typeface="Inconsolata, Consolas,  Fira Code"/>
-              </a:rPr>
-              <a:t>].text = </a:t>
-            </a:r>
-            <a:r>
-              <a:rPr lang="en-US" b="0" dirty="0">
-                <a:solidFill>
-                  <a:srgbClr val="CE9178"/>
-                </a:solidFill>
-                <a:effectLst/>
-                <a:latin typeface="Inconsolata, Consolas,  Fira Code"/>
-              </a:rPr>
-              <a:t>'Hello world'</a:t>
-            </a:r>
-            <a:endParaRPr lang="en-US" b="0" dirty="0">
-              <a:solidFill>
-                <a:srgbClr val="D4D4D4"/>
-              </a:solidFill>
-              <a:effectLst/>
-              <a:latin typeface="Inconsolata, Consolas,  Fira Code"/>
-            </a:endParaRPr>
-          </a:p>
-          <a:p>
-            <a:r>
-              <a:rPr lang="en-US" b="0" dirty="0" err="1">
-                <a:solidFill>
-                  <a:srgbClr val="D4D4D4"/>
-                </a:solidFill>
-                <a:effectLst/>
-                <a:latin typeface="Inconsolata, Consolas,  Fira Code"/>
-              </a:rPr>
-              <a:t>prs.save</a:t>
-            </a:r>
-            <a:r>
-              <a:rPr lang="en-US" b="0" dirty="0">
-                <a:solidFill>
-                  <a:srgbClr val="D4D4D4"/>
-                </a:solidFill>
-                <a:effectLst/>
-                <a:latin typeface="Inconsolata, Consolas,  Fira Code"/>
-              </a:rPr>
-              <a:t>(</a:t>
-            </a:r>
-            <a:r>
-              <a:rPr lang="en-US" b="0" dirty="0">
-                <a:solidFill>
-                  <a:srgbClr val="CE9178"/>
-                </a:solidFill>
-                <a:effectLst/>
-                <a:latin typeface="Inconsolata, Consolas,  Fira Code"/>
-              </a:rPr>
-              <a:t>'output.pptx'</a:t>
-            </a:r>
-            <a:r>
-              <a:rPr lang="en-US" b="0" dirty="0">
-                <a:solidFill>
-                  <a:srgbClr val="D4D4D4"/>
-                </a:solidFill>
-                <a:effectLst/>
-                <a:latin typeface="Inconsolata, Consolas,  Fira Code"/>
-              </a:rPr>
-              <a:t>)</a:t>
-            </a:r>
-          </a:p>
-        </p:txBody>
-      </p:sp>
-      <p:sp>
-        <p:nvSpPr>
-          <p:cNvPr id="11" name="TextBox 10">
-            <a:extLst>
-              <a:ext uri="{FF2B5EF4-FFF2-40B4-BE49-F238E27FC236}">
-                <a16:creationId xmlns:a16="http://schemas.microsoft.com/office/drawing/2014/main" id="{26C66B76-DFA3-4C6E-B327-242B2E90699B}"/>
-              </a:ext>
-            </a:extLst>
-          </p:cNvPr>
-          <p:cNvSpPr txBox="1"/>
-          <p:nvPr/>
-        </p:nvSpPr>
-        <p:spPr>
-          <a:xfrm>
-            <a:off x="243840" y="1288279"/>
-            <a:ext cx="8519160" cy="369332"/>
-          </a:xfrm>
-          <a:prstGeom prst="rect">
-            <a:avLst/>
-          </a:prstGeom>
-          <a:solidFill>
-            <a:schemeClr val="tx1">
-              <a:lumMod val="85000"/>
-              <a:lumOff val="15000"/>
-            </a:schemeClr>
-          </a:solidFill>
-        </p:spPr>
-        <p:txBody>
-          <a:bodyPr wrap="square">
-            <a:spAutoFit/>
-          </a:bodyPr>
-          <a:lstStyle/>
-          <a:p>
-            <a:r>
-              <a:rPr lang="en-US" b="0" dirty="0">
-                <a:solidFill>
-                  <a:srgbClr val="D4D4D4"/>
-                </a:solidFill>
-                <a:effectLst/>
-                <a:latin typeface="Inconsolata, Consolas,  Fira Code"/>
-              </a:rPr>
-              <a:t>pip install python-pptx</a:t>
-            </a:r>
-          </a:p>
-        </p:txBody>
-      </p:sp>
-      <p:sp>
-        <p:nvSpPr>
-          <p:cNvPr id="13" name="TextBox 12">
-            <a:extLst>
-              <a:ext uri="{FF2B5EF4-FFF2-40B4-BE49-F238E27FC236}">
-                <a16:creationId xmlns:a16="http://schemas.microsoft.com/office/drawing/2014/main" id="{E4D65A5D-800D-4941-878D-7914F4BA4278}"/>
-              </a:ext>
-            </a:extLst>
-          </p:cNvPr>
-          <p:cNvSpPr txBox="1"/>
-          <p:nvPr/>
-        </p:nvSpPr>
-        <p:spPr>
-          <a:xfrm>
-            <a:off x="243840" y="2001965"/>
-            <a:ext cx="2743200" cy="215444"/>
-          </a:xfrm>
-          <a:prstGeom prst="rect">
-            <a:avLst/>
-          </a:prstGeom>
-          <a:solidFill>
-            <a:schemeClr val="bg1">
-              <a:lumMod val="85000"/>
-            </a:schemeClr>
-          </a:solidFill>
-        </p:spPr>
-        <p:txBody>
-          <a:bodyPr wrap="square" tIns="0" bIns="0" rtlCol="0">
-            <a:spAutoFit/>
-          </a:bodyPr>
-          <a:lstStyle/>
-          <a:p>
-            <a:r>
-              <a:rPr lang="en-US" sz="1400" dirty="0">
-                <a:latin typeface="Consolas" panose="020B0609020204030204" pitchFamily="49" charset="0"/>
-              </a:rPr>
-              <a:t>edit-pptx.py</a:t>
-            </a:r>
-          </a:p>
-        </p:txBody>
-      </p:sp>
     </p:spTree>
     <p:extLst>
       <p:ext uri="{BB962C8B-B14F-4D97-AF65-F5344CB8AC3E}">
-        <p14:creationId xmlns:p14="http://schemas.microsoft.com/office/powerpoint/2010/main" val="1728342020"/>
+        <p14:creationId xmlns:p14="http://schemas.microsoft.com/office/powerpoint/2010/main" val="371693149"/>
       </p:ext>
     </p:extLst>
   </p:cSld>
   <p:clrMapOvr>
     <a:masterClrMapping/>
   </p:clrMapOvr>
-  <mc:AlternateContent xmlns:mc="http://schemas.openxmlformats.org/markup-compatibility/2006">
-    <mc:Choice xmlns:p159="http://schemas.microsoft.com/office/powerpoint/2015/09/main" Requires="p159">
+  <mc:AlternateContent xmlns:mc="http://schemas.openxmlformats.org/markup-compatibility/2006" xmlns:p159="http://schemas.microsoft.com/office/powerpoint/2015/09/main">
+    <mc:Choice Requires="p159">
       <p:transition xmlns:p14="http://schemas.microsoft.com/office/powerpoint/2010/main" p14:dur="300">
         <p159:morph option="byObject"/>
       </p:transition>
     </mc:Choice>
-    <mc:Fallback>
+    <mc:Fallback xmlns="">
       <p:transition>
         <p:fade/>
       </p:transition>
@@ -33766,10 +36458,10 @@
       </p:grpSpPr>
       <p:sp>
         <p:nvSpPr>
-          <p:cNvPr id="2" name="Title 1">
-            <a:extLst>
-              <a:ext uri="{FF2B5EF4-FFF2-40B4-BE49-F238E27FC236}">
-                <a16:creationId xmlns:a16="http://schemas.microsoft.com/office/drawing/2014/main" id="{F782D3CB-AF18-44F6-8C13-41C9CDD2FB8B}"/>
+          <p:cNvPr id="6" name="Title 5">
+            <a:extLst>
+              <a:ext uri="{FF2B5EF4-FFF2-40B4-BE49-F238E27FC236}">
+                <a16:creationId xmlns:a16="http://schemas.microsoft.com/office/drawing/2014/main" id="{2C6E0128-C51B-48C3-A3F5-7267CD11A60F}"/>
               </a:ext>
             </a:extLst>
           </p:cNvPr>
@@ -33787,7 +36479,7 @@
           <a:p>
             <a:r>
               <a:rPr lang="en-US" dirty="0"/>
-              <a:t>Here’s a sophisticated example of creating animations in PowerPoint</a:t>
+              <a:t>Here’s a simple example of how to edit text in PowerPoint</a:t>
             </a:r>
           </a:p>
         </p:txBody>
@@ -33797,7 +36489,7 @@
           <p:cNvPr id="4" name="Slide Number Placeholder 3">
             <a:extLst>
               <a:ext uri="{FF2B5EF4-FFF2-40B4-BE49-F238E27FC236}">
-                <a16:creationId xmlns:a16="http://schemas.microsoft.com/office/drawing/2014/main" id="{D5AF7986-8F68-437D-BC9B-0687FCF3BCE3}"/>
+                <a16:creationId xmlns:a16="http://schemas.microsoft.com/office/drawing/2014/main" id="{D7EC6F2D-E716-44BC-91DD-1E574C588AC2}"/>
               </a:ext>
             </a:extLst>
           </p:cNvPr>
@@ -33817,6 +36509,456 @@
               <a:rPr lang="en-US" smtClean="0"/>
               <a:pPr/>
               <a:t>7</a:t>
+            </a:fld>
+            <a:endParaRPr lang="en-US" dirty="0"/>
+          </a:p>
+        </p:txBody>
+      </p:sp>
+      <p:sp>
+        <p:nvSpPr>
+          <p:cNvPr id="8" name="Text Placeholder 7">
+            <a:extLst>
+              <a:ext uri="{FF2B5EF4-FFF2-40B4-BE49-F238E27FC236}">
+                <a16:creationId xmlns:a16="http://schemas.microsoft.com/office/drawing/2014/main" id="{058169D0-B0B1-4BB7-9094-A15D35C9276A}"/>
+              </a:ext>
+            </a:extLst>
+          </p:cNvPr>
+          <p:cNvSpPr>
+            <a:spLocks noGrp="1"/>
+          </p:cNvSpPr>
+          <p:nvPr>
+            <p:ph type="body" sz="quarter" idx="20"/>
+          </p:nvPr>
+        </p:nvSpPr>
+        <p:spPr/>
+        <p:txBody>
+          <a:bodyPr/>
+          <a:lstStyle/>
+          <a:p>
+            <a:endParaRPr lang="en-US"/>
+          </a:p>
+        </p:txBody>
+      </p:sp>
+      <p:sp>
+        <p:nvSpPr>
+          <p:cNvPr id="10" name="TextBox 9">
+            <a:extLst>
+              <a:ext uri="{FF2B5EF4-FFF2-40B4-BE49-F238E27FC236}">
+                <a16:creationId xmlns:a16="http://schemas.microsoft.com/office/drawing/2014/main" id="{CCDA87F0-B8BA-4A13-9275-1F01E8293468}"/>
+              </a:ext>
+            </a:extLst>
+          </p:cNvPr>
+          <p:cNvSpPr txBox="1"/>
+          <p:nvPr/>
+        </p:nvSpPr>
+        <p:spPr>
+          <a:xfrm>
+            <a:off x="243840" y="2217409"/>
+            <a:ext cx="8519160" cy="1477328"/>
+          </a:xfrm>
+          <a:prstGeom prst="rect">
+            <a:avLst/>
+          </a:prstGeom>
+          <a:solidFill>
+            <a:schemeClr val="tx1">
+              <a:lumMod val="85000"/>
+              <a:lumOff val="15000"/>
+            </a:schemeClr>
+          </a:solidFill>
+        </p:spPr>
+        <p:txBody>
+          <a:bodyPr wrap="square">
+            <a:spAutoFit/>
+          </a:bodyPr>
+          <a:lstStyle/>
+          <a:p>
+            <a:r>
+              <a:rPr lang="en-US" b="0" dirty="0">
+                <a:solidFill>
+                  <a:srgbClr val="C586C0"/>
+                </a:solidFill>
+                <a:effectLst/>
+                <a:latin typeface="Inconsolata, Consolas,  Fira Code"/>
+              </a:rPr>
+              <a:t>from</a:t>
+            </a:r>
+            <a:r>
+              <a:rPr lang="en-US" b="0" dirty="0">
+                <a:solidFill>
+                  <a:srgbClr val="D4D4D4"/>
+                </a:solidFill>
+                <a:effectLst/>
+                <a:latin typeface="Inconsolata, Consolas,  Fira Code"/>
+              </a:rPr>
+              <a:t> pptx </a:t>
+            </a:r>
+            <a:r>
+              <a:rPr lang="en-US" b="0" dirty="0">
+                <a:solidFill>
+                  <a:srgbClr val="C586C0"/>
+                </a:solidFill>
+                <a:effectLst/>
+                <a:latin typeface="Inconsolata, Consolas,  Fira Code"/>
+              </a:rPr>
+              <a:t>import</a:t>
+            </a:r>
+            <a:r>
+              <a:rPr lang="en-US" b="0" dirty="0">
+                <a:solidFill>
+                  <a:srgbClr val="D4D4D4"/>
+                </a:solidFill>
+                <a:effectLst/>
+                <a:latin typeface="Inconsolata, Consolas,  Fira Code"/>
+              </a:rPr>
+              <a:t> Presentation</a:t>
+            </a:r>
+          </a:p>
+          <a:p>
+            <a:br>
+              <a:rPr lang="en-US" b="0" dirty="0">
+                <a:solidFill>
+                  <a:srgbClr val="D4D4D4"/>
+                </a:solidFill>
+                <a:effectLst/>
+                <a:latin typeface="Inconsolata, Consolas,  Fira Code"/>
+              </a:rPr>
+            </a:br>
+            <a:r>
+              <a:rPr lang="en-US" b="0" dirty="0">
+                <a:solidFill>
+                  <a:srgbClr val="D4D4D4"/>
+                </a:solidFill>
+                <a:effectLst/>
+                <a:latin typeface="Inconsolata, Consolas,  Fira Code"/>
+              </a:rPr>
+              <a:t>prs = Presentation(</a:t>
+            </a:r>
+            <a:r>
+              <a:rPr lang="en-US" b="0" dirty="0">
+                <a:solidFill>
+                  <a:srgbClr val="CE9178"/>
+                </a:solidFill>
+                <a:effectLst/>
+                <a:latin typeface="Inconsolata, Consolas,  Fira Code"/>
+              </a:rPr>
+              <a:t>'input.pptx'</a:t>
+            </a:r>
+            <a:r>
+              <a:rPr lang="en-US" b="0" dirty="0">
+                <a:solidFill>
+                  <a:srgbClr val="D4D4D4"/>
+                </a:solidFill>
+                <a:effectLst/>
+                <a:latin typeface="Inconsolata, Consolas,  Fira Code"/>
+              </a:rPr>
+              <a:t>)</a:t>
+            </a:r>
+          </a:p>
+          <a:p>
+            <a:r>
+              <a:rPr lang="en-US" b="0" dirty="0" err="1">
+                <a:solidFill>
+                  <a:srgbClr val="D4D4D4"/>
+                </a:solidFill>
+                <a:effectLst/>
+                <a:latin typeface="Inconsolata, Consolas,  Fira Code"/>
+              </a:rPr>
+              <a:t>prs.slides</a:t>
+            </a:r>
+            <a:r>
+              <a:rPr lang="en-US" b="0" dirty="0">
+                <a:solidFill>
+                  <a:srgbClr val="D4D4D4"/>
+                </a:solidFill>
+                <a:effectLst/>
+                <a:latin typeface="Inconsolata, Consolas,  Fira Code"/>
+              </a:rPr>
+              <a:t>[</a:t>
+            </a:r>
+            <a:r>
+              <a:rPr lang="en-US" b="0" dirty="0">
+                <a:solidFill>
+                  <a:srgbClr val="B5CEA8"/>
+                </a:solidFill>
+                <a:effectLst/>
+                <a:latin typeface="Inconsolata, Consolas,  Fira Code"/>
+              </a:rPr>
+              <a:t>0</a:t>
+            </a:r>
+            <a:r>
+              <a:rPr lang="en-US" b="0" dirty="0">
+                <a:solidFill>
+                  <a:srgbClr val="D4D4D4"/>
+                </a:solidFill>
+                <a:effectLst/>
+                <a:latin typeface="Inconsolata, Consolas,  Fira Code"/>
+              </a:rPr>
+              <a:t>].shapes[</a:t>
+            </a:r>
+            <a:r>
+              <a:rPr lang="en-US" b="0" dirty="0">
+                <a:solidFill>
+                  <a:srgbClr val="B5CEA8"/>
+                </a:solidFill>
+                <a:effectLst/>
+                <a:latin typeface="Inconsolata, Consolas,  Fira Code"/>
+              </a:rPr>
+              <a:t>0</a:t>
+            </a:r>
+            <a:r>
+              <a:rPr lang="en-US" b="0" dirty="0">
+                <a:solidFill>
+                  <a:srgbClr val="D4D4D4"/>
+                </a:solidFill>
+                <a:effectLst/>
+                <a:latin typeface="Inconsolata, Consolas,  Fira Code"/>
+              </a:rPr>
+              <a:t>].text = </a:t>
+            </a:r>
+            <a:r>
+              <a:rPr lang="en-US" b="0" dirty="0">
+                <a:solidFill>
+                  <a:srgbClr val="CE9178"/>
+                </a:solidFill>
+                <a:effectLst/>
+                <a:latin typeface="Inconsolata, Consolas,  Fira Code"/>
+              </a:rPr>
+              <a:t>'Hello world'</a:t>
+            </a:r>
+            <a:endParaRPr lang="en-US" b="0" dirty="0">
+              <a:solidFill>
+                <a:srgbClr val="D4D4D4"/>
+              </a:solidFill>
+              <a:effectLst/>
+              <a:latin typeface="Inconsolata, Consolas,  Fira Code"/>
+            </a:endParaRPr>
+          </a:p>
+          <a:p>
+            <a:r>
+              <a:rPr lang="en-US" b="0" dirty="0" err="1">
+                <a:solidFill>
+                  <a:srgbClr val="D4D4D4"/>
+                </a:solidFill>
+                <a:effectLst/>
+                <a:latin typeface="Inconsolata, Consolas,  Fira Code"/>
+              </a:rPr>
+              <a:t>prs.save</a:t>
+            </a:r>
+            <a:r>
+              <a:rPr lang="en-US" b="0" dirty="0">
+                <a:solidFill>
+                  <a:srgbClr val="D4D4D4"/>
+                </a:solidFill>
+                <a:effectLst/>
+                <a:latin typeface="Inconsolata, Consolas,  Fira Code"/>
+              </a:rPr>
+              <a:t>(</a:t>
+            </a:r>
+            <a:r>
+              <a:rPr lang="en-US" b="0" dirty="0">
+                <a:solidFill>
+                  <a:srgbClr val="CE9178"/>
+                </a:solidFill>
+                <a:effectLst/>
+                <a:latin typeface="Inconsolata, Consolas,  Fira Code"/>
+              </a:rPr>
+              <a:t>'output.pptx'</a:t>
+            </a:r>
+            <a:r>
+              <a:rPr lang="en-US" b="0" dirty="0">
+                <a:solidFill>
+                  <a:srgbClr val="D4D4D4"/>
+                </a:solidFill>
+                <a:effectLst/>
+                <a:latin typeface="Inconsolata, Consolas,  Fira Code"/>
+              </a:rPr>
+              <a:t>)</a:t>
+            </a:r>
+          </a:p>
+        </p:txBody>
+      </p:sp>
+      <p:sp>
+        <p:nvSpPr>
+          <p:cNvPr id="11" name="TextBox 10">
+            <a:extLst>
+              <a:ext uri="{FF2B5EF4-FFF2-40B4-BE49-F238E27FC236}">
+                <a16:creationId xmlns:a16="http://schemas.microsoft.com/office/drawing/2014/main" id="{26C66B76-DFA3-4C6E-B327-242B2E90699B}"/>
+              </a:ext>
+            </a:extLst>
+          </p:cNvPr>
+          <p:cNvSpPr txBox="1"/>
+          <p:nvPr/>
+        </p:nvSpPr>
+        <p:spPr>
+          <a:xfrm>
+            <a:off x="243840" y="1288279"/>
+            <a:ext cx="8519160" cy="369332"/>
+          </a:xfrm>
+          <a:prstGeom prst="rect">
+            <a:avLst/>
+          </a:prstGeom>
+          <a:solidFill>
+            <a:schemeClr val="tx1">
+              <a:lumMod val="85000"/>
+              <a:lumOff val="15000"/>
+            </a:schemeClr>
+          </a:solidFill>
+        </p:spPr>
+        <p:txBody>
+          <a:bodyPr wrap="square">
+            <a:spAutoFit/>
+          </a:bodyPr>
+          <a:lstStyle/>
+          <a:p>
+            <a:r>
+              <a:rPr lang="en-US" b="0" dirty="0">
+                <a:solidFill>
+                  <a:srgbClr val="D4D4D4"/>
+                </a:solidFill>
+                <a:effectLst/>
+                <a:latin typeface="Inconsolata, Consolas,  Fira Code"/>
+              </a:rPr>
+              <a:t>pip install python-pptx</a:t>
+            </a:r>
+          </a:p>
+        </p:txBody>
+      </p:sp>
+      <p:sp>
+        <p:nvSpPr>
+          <p:cNvPr id="13" name="TextBox 12">
+            <a:extLst>
+              <a:ext uri="{FF2B5EF4-FFF2-40B4-BE49-F238E27FC236}">
+                <a16:creationId xmlns:a16="http://schemas.microsoft.com/office/drawing/2014/main" id="{E4D65A5D-800D-4941-878D-7914F4BA4278}"/>
+              </a:ext>
+            </a:extLst>
+          </p:cNvPr>
+          <p:cNvSpPr txBox="1"/>
+          <p:nvPr/>
+        </p:nvSpPr>
+        <p:spPr>
+          <a:xfrm>
+            <a:off x="243840" y="2001965"/>
+            <a:ext cx="2743200" cy="215444"/>
+          </a:xfrm>
+          <a:prstGeom prst="rect">
+            <a:avLst/>
+          </a:prstGeom>
+          <a:solidFill>
+            <a:schemeClr val="bg1">
+              <a:lumMod val="85000"/>
+            </a:schemeClr>
+          </a:solidFill>
+        </p:spPr>
+        <p:txBody>
+          <a:bodyPr wrap="square" tIns="0" bIns="0" rtlCol="0">
+            <a:spAutoFit/>
+          </a:bodyPr>
+          <a:lstStyle/>
+          <a:p>
+            <a:r>
+              <a:rPr lang="en-US" sz="1400" dirty="0">
+                <a:latin typeface="Consolas" panose="020B0609020204030204" pitchFamily="49" charset="0"/>
+              </a:rPr>
+              <a:t>edit-pptx.py</a:t>
+            </a:r>
+          </a:p>
+        </p:txBody>
+      </p:sp>
+    </p:spTree>
+    <p:extLst>
+      <p:ext uri="{BB962C8B-B14F-4D97-AF65-F5344CB8AC3E}">
+        <p14:creationId xmlns:p14="http://schemas.microsoft.com/office/powerpoint/2010/main" val="1728342020"/>
+      </p:ext>
+    </p:extLst>
+  </p:cSld>
+  <p:clrMapOvr>
+    <a:masterClrMapping/>
+  </p:clrMapOvr>
+  <mc:AlternateContent xmlns:mc="http://schemas.openxmlformats.org/markup-compatibility/2006" xmlns:p159="http://schemas.microsoft.com/office/powerpoint/2015/09/main">
+    <mc:Choice Requires="p159">
+      <p:transition xmlns:p14="http://schemas.microsoft.com/office/powerpoint/2010/main" p14:dur="300">
+        <p159:morph option="byObject"/>
+      </p:transition>
+    </mc:Choice>
+    <mc:Fallback xmlns="">
+      <p:transition>
+        <p:fade/>
+      </p:transition>
+    </mc:Fallback>
+  </mc:AlternateContent>
+</p:sld>
+</file>
+
+<file path=ppt/slides/slide8.xml><?xml version="1.0" encoding="utf-8"?>
+<p:sld xmlns:a="http://schemas.openxmlformats.org/drawingml/2006/main" xmlns:r="http://schemas.openxmlformats.org/officeDocument/2006/relationships" xmlns:p="http://schemas.openxmlformats.org/presentationml/2006/main">
+  <p:cSld>
+    <p:spTree>
+      <p:nvGrpSpPr>
+        <p:cNvPr id="1" name=""/>
+        <p:cNvGrpSpPr/>
+        <p:nvPr/>
+      </p:nvGrpSpPr>
+      <p:grpSpPr>
+        <a:xfrm>
+          <a:off x="0" y="0"/>
+          <a:ext cx="0" cy="0"/>
+          <a:chOff x="0" y="0"/>
+          <a:chExt cx="0" cy="0"/>
+        </a:xfrm>
+      </p:grpSpPr>
+      <p:sp>
+        <p:nvSpPr>
+          <p:cNvPr id="2" name="Title 1">
+            <a:extLst>
+              <a:ext uri="{FF2B5EF4-FFF2-40B4-BE49-F238E27FC236}">
+                <a16:creationId xmlns:a16="http://schemas.microsoft.com/office/drawing/2014/main" id="{F782D3CB-AF18-44F6-8C13-41C9CDD2FB8B}"/>
+              </a:ext>
+            </a:extLst>
+          </p:cNvPr>
+          <p:cNvSpPr>
+            <a:spLocks noGrp="1"/>
+          </p:cNvSpPr>
+          <p:nvPr>
+            <p:ph type="title"/>
+          </p:nvPr>
+        </p:nvSpPr>
+        <p:spPr/>
+        <p:txBody>
+          <a:bodyPr/>
+          <a:lstStyle/>
+          <a:p>
+            <a:r>
+              <a:rPr lang="en-US" dirty="0"/>
+              <a:t>Here’s a sophisticated example of creating animations in PowerPoint</a:t>
+            </a:r>
+          </a:p>
+        </p:txBody>
+      </p:sp>
+      <p:sp>
+        <p:nvSpPr>
+          <p:cNvPr id="4" name="Slide Number Placeholder 3">
+            <a:extLst>
+              <a:ext uri="{FF2B5EF4-FFF2-40B4-BE49-F238E27FC236}">
+                <a16:creationId xmlns:a16="http://schemas.microsoft.com/office/drawing/2014/main" id="{D5AF7986-8F68-437D-BC9B-0687FCF3BCE3}"/>
+              </a:ext>
+            </a:extLst>
+          </p:cNvPr>
+          <p:cNvSpPr>
+            <a:spLocks noGrp="1"/>
+          </p:cNvSpPr>
+          <p:nvPr>
+            <p:ph type="sldNum" sz="quarter" idx="19"/>
+          </p:nvPr>
+        </p:nvSpPr>
+        <p:spPr/>
+        <p:txBody>
+          <a:bodyPr/>
+          <a:lstStyle/>
+          <a:p>
+            <a:fld id="{E08A2EAE-61F0-4E80-AF13-6C345B2B49E7}" type="slidenum">
+              <a:rPr lang="en-US" smtClean="0"/>
+              <a:pPr/>
+              <a:t>8</a:t>
             </a:fld>
             <a:endParaRPr lang="en-US" dirty="0"/>
           </a:p>
@@ -33887,187 +37029,13 @@
   <p:clrMapOvr>
     <a:masterClrMapping/>
   </p:clrMapOvr>
-  <mc:AlternateContent xmlns:mc="http://schemas.openxmlformats.org/markup-compatibility/2006">
-    <mc:Choice xmlns:p159="http://schemas.microsoft.com/office/powerpoint/2015/09/main" Requires="p159">
+  <mc:AlternateContent xmlns:mc="http://schemas.openxmlformats.org/markup-compatibility/2006" xmlns:p159="http://schemas.microsoft.com/office/powerpoint/2015/09/main">
+    <mc:Choice Requires="p159">
       <p:transition xmlns:p14="http://schemas.microsoft.com/office/powerpoint/2010/main" p14:dur="300">
         <p159:morph option="byObject"/>
       </p:transition>
     </mc:Choice>
-    <mc:Fallback>
-      <p:transition>
-        <p:fade/>
-      </p:transition>
-    </mc:Fallback>
-  </mc:AlternateContent>
-</p:sld>
-</file>
-
-<file path=ppt/slides/slide8.xml><?xml version="1.0" encoding="utf-8"?>
-<p:sld xmlns:a="http://schemas.openxmlformats.org/drawingml/2006/main" xmlns:r="http://schemas.openxmlformats.org/officeDocument/2006/relationships" xmlns:p="http://schemas.openxmlformats.org/presentationml/2006/main">
-  <p:cSld>
-    <p:spTree>
-      <p:nvGrpSpPr>
-        <p:cNvPr id="1" name=""/>
-        <p:cNvGrpSpPr/>
-        <p:nvPr/>
-      </p:nvGrpSpPr>
-      <p:grpSpPr>
-        <a:xfrm>
-          <a:off x="0" y="0"/>
-          <a:ext cx="0" cy="0"/>
-          <a:chOff x="0" y="0"/>
-          <a:chExt cx="0" cy="0"/>
-        </a:xfrm>
-      </p:grpSpPr>
-      <p:sp>
-        <p:nvSpPr>
-          <p:cNvPr id="11" name="Title 10">
-            <a:extLst>
-              <a:ext uri="{FF2B5EF4-FFF2-40B4-BE49-F238E27FC236}">
-                <a16:creationId xmlns:a16="http://schemas.microsoft.com/office/drawing/2014/main" id="{8381F386-2CA3-4700-9107-A7CB73797E11}"/>
-              </a:ext>
-            </a:extLst>
-          </p:cNvPr>
-          <p:cNvSpPr>
-            <a:spLocks noGrp="1"/>
-          </p:cNvSpPr>
-          <p:nvPr>
-            <p:ph type="title"/>
-          </p:nvPr>
-        </p:nvSpPr>
-        <p:spPr>
-          <a:xfrm>
-            <a:off x="243840" y="2191825"/>
-            <a:ext cx="11704320" cy="2220821"/>
-          </a:xfrm>
-        </p:spPr>
-        <p:txBody>
-          <a:bodyPr>
-            <a:normAutofit/>
-          </a:bodyPr>
-          <a:lstStyle/>
-          <a:p>
-            <a:pPr algn="ctr"/>
-            <a:r>
-              <a:rPr lang="en-US" sz="4000" dirty="0"/>
-              <a:t>We created a platform called </a:t>
-            </a:r>
-            <a:r>
-              <a:rPr lang="en-US" sz="4000" dirty="0" err="1"/>
-              <a:t>SlideSense</a:t>
-            </a:r>
-            <a:r>
-              <a:rPr lang="en-US" sz="4000" dirty="0"/>
-              <a:t> to make this easy</a:t>
-            </a:r>
-          </a:p>
-        </p:txBody>
-      </p:sp>
-      <p:sp>
-        <p:nvSpPr>
-          <p:cNvPr id="4" name="Title 10">
-            <a:extLst>
-              <a:ext uri="{FF2B5EF4-FFF2-40B4-BE49-F238E27FC236}">
-                <a16:creationId xmlns:a16="http://schemas.microsoft.com/office/drawing/2014/main" id="{328BC537-038D-454C-8722-FA777F723155}"/>
-              </a:ext>
-            </a:extLst>
-          </p:cNvPr>
-          <p:cNvSpPr txBox="1">
-            <a:spLocks/>
-          </p:cNvSpPr>
-          <p:nvPr/>
-        </p:nvSpPr>
-        <p:spPr>
-          <a:xfrm>
-            <a:off x="243840" y="4733747"/>
-            <a:ext cx="11704320" cy="862944"/>
-          </a:xfrm>
-          <a:prstGeom prst="rect">
-            <a:avLst/>
-          </a:prstGeom>
-        </p:spPr>
-        <p:txBody>
-          <a:bodyPr vert="horz" lIns="91440" tIns="45720" rIns="91440" bIns="45720" rtlCol="0" anchor="ctr">
-            <a:normAutofit/>
-          </a:bodyPr>
-          <a:lstStyle>
-            <a:lvl1pPr algn="l" defTabSz="914400" rtl="0" eaLnBrk="1" latinLnBrk="0" hangingPunct="1">
-              <a:lnSpc>
-                <a:spcPct val="100000"/>
-              </a:lnSpc>
-              <a:spcBef>
-                <a:spcPct val="0"/>
-              </a:spcBef>
-              <a:buNone/>
-              <a:defRPr sz="2400" b="1" kern="1200" cap="none" baseline="0">
-                <a:solidFill>
-                  <a:schemeClr val="bg1"/>
-                </a:solidFill>
-                <a:latin typeface="+mj-lt"/>
-                <a:ea typeface="+mj-ea"/>
-                <a:cs typeface="+mj-cs"/>
-              </a:defRPr>
-            </a:lvl1pPr>
-          </a:lstStyle>
-          <a:p>
-            <a:pPr algn="ctr"/>
-            <a:r>
-              <a:rPr lang="en-US" sz="2800" dirty="0"/>
-              <a:t>Gramener.com/</a:t>
-            </a:r>
-            <a:r>
-              <a:rPr lang="en-US" sz="2800" dirty="0" err="1"/>
-              <a:t>slidesense</a:t>
-            </a:r>
-            <a:r>
-              <a:rPr lang="en-US" sz="2800" dirty="0"/>
-              <a:t>/</a:t>
-            </a:r>
-          </a:p>
-        </p:txBody>
-      </p:sp>
-      <p:sp>
-        <p:nvSpPr>
-          <p:cNvPr id="3" name="Text Placeholder 2">
-            <a:extLst>
-              <a:ext uri="{FF2B5EF4-FFF2-40B4-BE49-F238E27FC236}">
-                <a16:creationId xmlns:a16="http://schemas.microsoft.com/office/drawing/2014/main" id="{B67BDA3F-6A07-4B85-B994-03778FEE7BAD}"/>
-              </a:ext>
-            </a:extLst>
-          </p:cNvPr>
-          <p:cNvSpPr>
-            <a:spLocks noGrp="1"/>
-          </p:cNvSpPr>
-          <p:nvPr>
-            <p:ph type="body" sz="quarter" idx="20"/>
-          </p:nvPr>
-        </p:nvSpPr>
-        <p:spPr/>
-        <p:txBody>
-          <a:bodyPr/>
-          <a:lstStyle/>
-          <a:p>
-            <a:endParaRPr lang="en-US"/>
-          </a:p>
-        </p:txBody>
-      </p:sp>
-    </p:spTree>
-    <p:extLst>
-      <p:ext uri="{BB962C8B-B14F-4D97-AF65-F5344CB8AC3E}">
-        <p14:creationId xmlns:p14="http://schemas.microsoft.com/office/powerpoint/2010/main" val="1724363395"/>
-      </p:ext>
-    </p:extLst>
-  </p:cSld>
-  <p:clrMapOvr>
-    <a:masterClrMapping/>
-  </p:clrMapOvr>
-  <mc:AlternateContent xmlns:mc="http://schemas.openxmlformats.org/markup-compatibility/2006">
-    <mc:Choice xmlns:p159="http://schemas.microsoft.com/office/powerpoint/2015/09/main" Requires="p159">
-      <p:transition xmlns:p14="http://schemas.microsoft.com/office/powerpoint/2010/main" p14:dur="300">
-        <p159:morph option="byObject"/>
-      </p:transition>
-    </mc:Choice>
-    <mc:Fallback>
+    <mc:Fallback xmlns="">
       <p:transition>
         <p:fade/>
       </p:transition>
@@ -34124,7 +37092,15 @@
             <a:pPr algn="ctr"/>
             <a:r>
               <a:rPr lang="en-US" sz="4000" dirty="0"/>
-              <a:t>The core of this is open-source</a:t>
+              <a:t>We created a platform called </a:t>
+            </a:r>
+            <a:r>
+              <a:rPr lang="en-US" sz="4000" dirty="0" err="1"/>
+              <a:t>SlideSense</a:t>
+            </a:r>
+            <a:r>
+              <a:rPr lang="en-US" sz="4000" dirty="0"/>
+              <a:t> to make this easy</a:t>
             </a:r>
           </a:p>
         </p:txBody>
@@ -34178,20 +37154,17 @@
           <a:p>
             <a:pPr algn="ctr"/>
             <a:r>
-              <a:rPr lang="en-US" sz="2800" dirty="0">
-                <a:latin typeface="Consolas" panose="020B0609020204030204" pitchFamily="49" charset="0"/>
-              </a:rPr>
-              <a:t>pip install </a:t>
-            </a:r>
-            <a:r>
-              <a:rPr lang="en-US" sz="2800" dirty="0" err="1">
-                <a:latin typeface="Consolas" panose="020B0609020204030204" pitchFamily="49" charset="0"/>
-              </a:rPr>
-              <a:t>gramex</a:t>
-            </a:r>
-            <a:endParaRPr lang="en-US" sz="2800" dirty="0">
-              <a:latin typeface="Consolas" panose="020B0609020204030204" pitchFamily="49" charset="0"/>
-            </a:endParaRPr>
+              <a:rPr lang="en-US" sz="2800" dirty="0"/>
+              <a:t>Gramener.com/</a:t>
+            </a:r>
+            <a:r>
+              <a:rPr lang="en-US" sz="2800" dirty="0" err="1"/>
+              <a:t>slidesense</a:t>
+            </a:r>
+            <a:r>
+              <a:rPr lang="en-US" sz="2800" dirty="0"/>
+              <a:t>/</a:t>
+            </a:r>
           </a:p>
         </p:txBody>
       </p:sp>
@@ -34223,20 +37196,20 @@
     </p:spTree>
     <p:extLst>
       <p:ext uri="{BB962C8B-B14F-4D97-AF65-F5344CB8AC3E}">
-        <p14:creationId xmlns:p14="http://schemas.microsoft.com/office/powerpoint/2010/main" val="2275617073"/>
+        <p14:creationId xmlns:p14="http://schemas.microsoft.com/office/powerpoint/2010/main" val="1724363395"/>
       </p:ext>
     </p:extLst>
   </p:cSld>
   <p:clrMapOvr>
     <a:masterClrMapping/>
   </p:clrMapOvr>
-  <mc:AlternateContent xmlns:mc="http://schemas.openxmlformats.org/markup-compatibility/2006">
-    <mc:Choice xmlns:p159="http://schemas.microsoft.com/office/powerpoint/2015/09/main" Requires="p159">
+  <mc:AlternateContent xmlns:mc="http://schemas.openxmlformats.org/markup-compatibility/2006" xmlns:p159="http://schemas.microsoft.com/office/powerpoint/2015/09/main">
+    <mc:Choice Requires="p159">
       <p:transition xmlns:p14="http://schemas.microsoft.com/office/powerpoint/2010/main" p14:dur="300">
         <p159:morph option="byObject"/>
       </p:transition>
     </mc:Choice>
-    <mc:Fallback>
+    <mc:Fallback xmlns="">
       <p:transition>
         <p:fade/>
       </p:transition>

--- a/animating-powerpoint-with-data.pptx
+++ b/animating-powerpoint-with-data.pptx
@@ -13125,7 +13125,7 @@
                 <a:latin typeface="Consolas" panose="020B0609020204030204" pitchFamily="49" charset="0"/>
                 <a:cs typeface="Open Sans" panose="020B0606030504020204" pitchFamily="34" charset="0"/>
               </a:rPr>
-              <a:t>slidesense</a:t>
+              <a:t>gramex</a:t>
             </a:r>
             <a:r>
               <a:rPr kumimoji="0" lang="en-US" altLang="en-US" sz="1600" b="0" i="0" u="none" strike="noStrike" cap="none" normalizeH="0" baseline="0" dirty="0">
@@ -14245,7 +14245,7 @@
                 <a:latin typeface="Consolas" panose="020B0609020204030204" pitchFamily="49" charset="0"/>
                 <a:cs typeface="Open Sans" panose="020B0606030504020204" pitchFamily="34" charset="0"/>
               </a:rPr>
-              <a:t>slidesense</a:t>
+              <a:t>gramex</a:t>
             </a:r>
             <a:r>
               <a:rPr kumimoji="0" lang="en-US" altLang="en-US" sz="1600" b="0" i="0" u="none" strike="noStrike" cap="none" normalizeH="0" baseline="0" dirty="0">
@@ -15364,7 +15364,7 @@
                 <a:latin typeface="Consolas" panose="020B0609020204030204" pitchFamily="49" charset="0"/>
                 <a:cs typeface="Open Sans" panose="020B0606030504020204" pitchFamily="34" charset="0"/>
               </a:rPr>
-              <a:t>slidesense</a:t>
+              <a:t>gramex</a:t>
             </a:r>
             <a:r>
               <a:rPr kumimoji="0" lang="en-US" altLang="en-US" sz="1600" b="0" i="0" u="none" strike="noStrike" cap="none" normalizeH="0" baseline="0" dirty="0">
@@ -16486,7 +16486,7 @@
                 <a:latin typeface="Consolas" panose="020B0609020204030204" pitchFamily="49" charset="0"/>
                 <a:cs typeface="Open Sans" panose="020B0606030504020204" pitchFamily="34" charset="0"/>
               </a:rPr>
-              <a:t>slidesense</a:t>
+              <a:t>gramex</a:t>
             </a:r>
             <a:r>
               <a:rPr kumimoji="0" lang="en-US" altLang="en-US" sz="1600" b="0" i="0" u="none" strike="noStrike" cap="none" normalizeH="0" baseline="0" dirty="0">
@@ -18548,7 +18548,7 @@
                 <a:latin typeface="Consolas" panose="020B0609020204030204" pitchFamily="49" charset="0"/>
                 <a:cs typeface="Open Sans" panose="020B0606030504020204" pitchFamily="34" charset="0"/>
               </a:rPr>
-              <a:t>slidesense</a:t>
+              <a:t>gramex</a:t>
             </a:r>
             <a:r>
               <a:rPr kumimoji="0" lang="en-US" altLang="en-US" sz="1600" b="0" i="0" u="none" strike="noStrike" cap="none" normalizeH="0" baseline="0" dirty="0">
@@ -29675,7 +29675,7 @@
                 <a:latin typeface="Consolas" panose="020B0609020204030204" pitchFamily="49" charset="0"/>
                 <a:cs typeface="Open Sans" panose="020B0606030504020204" pitchFamily="34" charset="0"/>
               </a:rPr>
-              <a:t>slidesense</a:t>
+              <a:t>gramex</a:t>
             </a:r>
             <a:r>
               <a:rPr kumimoji="0" lang="en-US" altLang="en-US" sz="1600" b="0" i="0" u="none" strike="noStrike" cap="none" normalizeH="0" baseline="0" dirty="0">
@@ -30790,7 +30790,7 @@
                 <a:latin typeface="Consolas" panose="020B0609020204030204" pitchFamily="49" charset="0"/>
                 <a:cs typeface="Open Sans" panose="020B0606030504020204" pitchFamily="34" charset="0"/>
               </a:rPr>
-              <a:t>slidesense</a:t>
+              <a:t>gramex</a:t>
             </a:r>
             <a:r>
               <a:rPr kumimoji="0" lang="en-US" altLang="en-US" sz="1600" b="0" i="0" u="none" strike="noStrike" cap="none" normalizeH="0" baseline="0" dirty="0">
@@ -31904,7 +31904,7 @@
                 <a:latin typeface="Consolas" panose="020B0609020204030204" pitchFamily="49" charset="0"/>
                 <a:cs typeface="Open Sans" panose="020B0606030504020204" pitchFamily="34" charset="0"/>
               </a:rPr>
-              <a:t>slidesense</a:t>
+              <a:t>gramex</a:t>
             </a:r>
             <a:r>
               <a:rPr kumimoji="0" lang="en-US" altLang="en-US" sz="1600" b="0" i="0" u="none" strike="noStrike" cap="none" normalizeH="0" baseline="0" dirty="0">
@@ -34153,7 +34153,7 @@
                 <a:latin typeface="Consolas" panose="020B0609020204030204" pitchFamily="49" charset="0"/>
                 <a:cs typeface="Open Sans" panose="020B0606030504020204" pitchFamily="34" charset="0"/>
               </a:rPr>
-              <a:t>slidesense</a:t>
+              <a:t>gramex</a:t>
             </a:r>
             <a:r>
               <a:rPr kumimoji="0" lang="en-US" altLang="en-US" sz="1600" b="0" i="0" u="none" strike="noStrike" cap="none" normalizeH="0" baseline="0" dirty="0">
@@ -35256,18 +35256,14 @@
               <a:t>pip install </a:t>
             </a:r>
             <a:r>
-              <a:rPr kumimoji="0" lang="en-US" altLang="en-US" sz="1600" b="0" i="0" u="none" strike="noStrike" cap="none" normalizeH="0" baseline="0" dirty="0" err="1">
-                <a:ln>
-                  <a:noFill/>
-                </a:ln>
+              <a:rPr lang="en-US" altLang="en-US" sz="1600" dirty="0" err="1">
                 <a:solidFill>
                   <a:srgbClr val="C7254E"/>
                 </a:solidFill>
-                <a:effectLst/>
                 <a:latin typeface="Consolas" panose="020B0609020204030204" pitchFamily="49" charset="0"/>
                 <a:cs typeface="Open Sans" panose="020B0606030504020204" pitchFamily="34" charset="0"/>
               </a:rPr>
-              <a:t>slidesense</a:t>
+              <a:t>gramex</a:t>
             </a:r>
             <a:r>
               <a:rPr kumimoji="0" lang="en-US" altLang="en-US" sz="1600" b="0" i="0" u="none" strike="noStrike" cap="none" normalizeH="0" baseline="0" dirty="0">
